--- a/Shinydashboard/titanic_exp_report.pptx
+++ b/Shinydashboard/titanic_exp_report.pptx
@@ -1,23 +1,25 @@
 
 <file path=ppt/presentation.xml><?xml version="1.0" encoding="utf-8"?>
-<p:presentation xmlns:p="http://schemas.openxmlformats.org/presentationml/2006/main" xmlns:r="http://schemas.openxmlformats.org/officeDocument/2006/relationships" xmlns:a="http://schemas.openxmlformats.org/drawingml/2006/main" xmlns:mc="http://schemas.openxmlformats.org/markup-compatibility/2006" xmlns:c="http://schemas.openxmlformats.org/drawingml/2006/chart" xmlns:ns6="http://schemas.openxmlformats.org/drawingml/2006/chartDrawing" xmlns:dgm="http://schemas.openxmlformats.org/drawingml/2006/diagram" xmlns:pic="http://schemas.openxmlformats.org/drawingml/2006/picture" xmlns:wp="http://schemas.openxmlformats.org/drawingml/2006/wordprocessingDrawing" xmlns:xdr="http://schemas.openxmlformats.org/drawingml/2006/spreadsheetDrawing" xmlns:ns11="http://schemas.openxmlformats.org/drawingml/2006/compatibility" xmlns:ns12="http://schemas.openxmlformats.org/drawingml/2006/lockedCanvas" saveSubsetFonts="true">
+<p:presentation xmlns:r="http://schemas.openxmlformats.org/officeDocument/2006/relationships" xmlns:p="http://schemas.openxmlformats.org/presentationml/2006/main" xmlns:a="http://schemas.openxmlformats.org/drawingml/2006/main" xmlns:mc="http://schemas.openxmlformats.org/markup-compatibility/2006" xmlns:c="http://schemas.openxmlformats.org/drawingml/2006/chart" xmlns:ns6="http://schemas.openxmlformats.org/drawingml/2006/chartDrawing" xmlns:dgm="http://schemas.openxmlformats.org/drawingml/2006/diagram" xmlns:pic="http://schemas.openxmlformats.org/drawingml/2006/picture" xmlns:wp="http://schemas.openxmlformats.org/drawingml/2006/wordprocessingDrawing" xmlns:xdr="http://schemas.openxmlformats.org/drawingml/2006/spreadsheetDrawing" xmlns:ns11="http://schemas.openxmlformats.org/drawingml/2006/compatibility" xmlns:ns12="http://schemas.openxmlformats.org/drawingml/2006/lockedCanvas" saveSubsetFonts="true">
   <p:sldMasterIdLst>
     <p:sldMasterId id="2147483648" r:id="rId1"/>
   </p:sldMasterIdLst>
   <p:sldIdLst>
-    <p:sldId id="61782644" r:id="rId6"/>
-    <p:sldId id="1690013285" r:id="rId7"/>
-    <p:sldId id="24725589" r:id="rId8"/>
-    <p:sldId id="1190862656" r:id="rId9"/>
-    <p:sldId id="2025412376" r:id="rId10"/>
-    <p:sldId id="1375760886" r:id="rId11"/>
-    <p:sldId id="1887079170" r:id="rId12"/>
-    <p:sldId id="1097603356" r:id="rId13"/>
-    <p:sldId id="2111898784" r:id="rId14"/>
-    <p:sldId id="1256536001" r:id="rId15"/>
-    <p:sldId id="883456382" r:id="rId16"/>
-    <p:sldId id="496487567" r:id="rId17"/>
-    <p:sldId id="1676834987" r:id="rId18"/>
+    <p:sldId id="2131939739" r:id="rId6"/>
+    <p:sldId id="671038150" r:id="rId7"/>
+    <p:sldId id="457724489" r:id="rId8"/>
+    <p:sldId id="1382940284" r:id="rId9"/>
+    <p:sldId id="2059319846" r:id="rId10"/>
+    <p:sldId id="1449332443" r:id="rId11"/>
+    <p:sldId id="709219326" r:id="rId12"/>
+    <p:sldId id="299573899" r:id="rId13"/>
+    <p:sldId id="1616679805" r:id="rId14"/>
+    <p:sldId id="327398772" r:id="rId15"/>
+    <p:sldId id="947538926" r:id="rId16"/>
+    <p:sldId id="1586256360" r:id="rId17"/>
+    <p:sldId id="81747134" r:id="rId18"/>
+    <p:sldId id="660257210" r:id="rId19"/>
+    <p:sldId id="134168757" r:id="rId20"/>
   </p:sldIdLst>
   <p:sldSz cx="12192000" cy="6858000"/>
   <p:notesSz cx="6858000" cy="9144000"/>
@@ -125,7 +127,7 @@
 </file>
 
 <file path=ppt/slideLayouts/slideLayout1.xml><?xml version="1.0" encoding="utf-8"?>
-<p:sldLayout xmlns:p="http://schemas.openxmlformats.org/presentationml/2006/main" xmlns:r="http://schemas.openxmlformats.org/officeDocument/2006/relationships" xmlns:a="http://schemas.openxmlformats.org/drawingml/2006/main" xmlns:mc="http://schemas.openxmlformats.org/markup-compatibility/2006" xmlns:c="http://schemas.openxmlformats.org/drawingml/2006/chart" xmlns:ns6="http://schemas.openxmlformats.org/drawingml/2006/chartDrawing" xmlns:dgm="http://schemas.openxmlformats.org/drawingml/2006/diagram" xmlns:pic="http://schemas.openxmlformats.org/drawingml/2006/picture" xmlns:wp="http://schemas.openxmlformats.org/drawingml/2006/wordprocessingDrawing" xmlns:xdr="http://schemas.openxmlformats.org/drawingml/2006/spreadsheetDrawing" xmlns:ns11="http://schemas.openxmlformats.org/drawingml/2006/compatibility" xmlns:ns12="http://schemas.openxmlformats.org/drawingml/2006/lockedCanvas" type="title" preserve="true">
+<p:sldLayout xmlns:r="http://schemas.openxmlformats.org/officeDocument/2006/relationships" xmlns:p="http://schemas.openxmlformats.org/presentationml/2006/main" xmlns:a="http://schemas.openxmlformats.org/drawingml/2006/main" xmlns:mc="http://schemas.openxmlformats.org/markup-compatibility/2006" xmlns:c="http://schemas.openxmlformats.org/drawingml/2006/chart" xmlns:ns6="http://schemas.openxmlformats.org/drawingml/2006/chartDrawing" xmlns:dgm="http://schemas.openxmlformats.org/drawingml/2006/diagram" xmlns:pic="http://schemas.openxmlformats.org/drawingml/2006/picture" xmlns:wp="http://schemas.openxmlformats.org/drawingml/2006/wordprocessingDrawing" xmlns:xdr="http://schemas.openxmlformats.org/drawingml/2006/spreadsheetDrawing" xmlns:ns11="http://schemas.openxmlformats.org/drawingml/2006/compatibility" xmlns:ns12="http://schemas.openxmlformats.org/drawingml/2006/lockedCanvas" type="title" preserve="true">
   <p:cSld name="Title Slide">
     <p:spTree>
       <p:nvGrpSpPr>
@@ -324,7 +326,7 @@
 </file>
 
 <file path=ppt/slideLayouts/slideLayout10.xml><?xml version="1.0" encoding="utf-8"?>
-<p:sldLayout xmlns:p="http://schemas.openxmlformats.org/presentationml/2006/main" xmlns:r="http://schemas.openxmlformats.org/officeDocument/2006/relationships" xmlns:a="http://schemas.openxmlformats.org/drawingml/2006/main" xmlns:mc="http://schemas.openxmlformats.org/markup-compatibility/2006" xmlns:c="http://schemas.openxmlformats.org/drawingml/2006/chart" xmlns:ns6="http://schemas.openxmlformats.org/drawingml/2006/chartDrawing" xmlns:dgm="http://schemas.openxmlformats.org/drawingml/2006/diagram" xmlns:pic="http://schemas.openxmlformats.org/drawingml/2006/picture" xmlns:wp="http://schemas.openxmlformats.org/drawingml/2006/wordprocessingDrawing" xmlns:xdr="http://schemas.openxmlformats.org/drawingml/2006/spreadsheetDrawing" xmlns:ns11="http://schemas.openxmlformats.org/drawingml/2006/compatibility" xmlns:ns12="http://schemas.openxmlformats.org/drawingml/2006/lockedCanvas" type="vertTitleAndTx" preserve="true">
+<p:sldLayout xmlns:r="http://schemas.openxmlformats.org/officeDocument/2006/relationships" xmlns:p="http://schemas.openxmlformats.org/presentationml/2006/main" xmlns:a="http://schemas.openxmlformats.org/drawingml/2006/main" xmlns:mc="http://schemas.openxmlformats.org/markup-compatibility/2006" xmlns:c="http://schemas.openxmlformats.org/drawingml/2006/chart" xmlns:ns6="http://schemas.openxmlformats.org/drawingml/2006/chartDrawing" xmlns:dgm="http://schemas.openxmlformats.org/drawingml/2006/diagram" xmlns:pic="http://schemas.openxmlformats.org/drawingml/2006/picture" xmlns:wp="http://schemas.openxmlformats.org/drawingml/2006/wordprocessingDrawing" xmlns:xdr="http://schemas.openxmlformats.org/drawingml/2006/spreadsheetDrawing" xmlns:ns11="http://schemas.openxmlformats.org/drawingml/2006/compatibility" xmlns:ns12="http://schemas.openxmlformats.org/drawingml/2006/lockedCanvas" type="vertTitleAndTx" preserve="true">
   <p:cSld name="Vertical Title and Text">
     <p:spTree>
       <p:nvGrpSpPr>
@@ -511,7 +513,7 @@
 </file>
 
 <file path=ppt/slideLayouts/slideLayout2.xml><?xml version="1.0" encoding="utf-8"?>
-<p:sldLayout xmlns:p="http://schemas.openxmlformats.org/presentationml/2006/main" xmlns:r="http://schemas.openxmlformats.org/officeDocument/2006/relationships" xmlns:a="http://schemas.openxmlformats.org/drawingml/2006/main" xmlns:mc="http://schemas.openxmlformats.org/markup-compatibility/2006" xmlns:c="http://schemas.openxmlformats.org/drawingml/2006/chart" xmlns:ns6="http://schemas.openxmlformats.org/drawingml/2006/chartDrawing" xmlns:dgm="http://schemas.openxmlformats.org/drawingml/2006/diagram" xmlns:pic="http://schemas.openxmlformats.org/drawingml/2006/picture" xmlns:wp="http://schemas.openxmlformats.org/drawingml/2006/wordprocessingDrawing" xmlns:xdr="http://schemas.openxmlformats.org/drawingml/2006/spreadsheetDrawing" xmlns:ns11="http://schemas.openxmlformats.org/drawingml/2006/compatibility" xmlns:ns12="http://schemas.openxmlformats.org/drawingml/2006/lockedCanvas" type="obj" preserve="true">
+<p:sldLayout xmlns:r="http://schemas.openxmlformats.org/officeDocument/2006/relationships" xmlns:p="http://schemas.openxmlformats.org/presentationml/2006/main" xmlns:a="http://schemas.openxmlformats.org/drawingml/2006/main" xmlns:mc="http://schemas.openxmlformats.org/markup-compatibility/2006" xmlns:c="http://schemas.openxmlformats.org/drawingml/2006/chart" xmlns:ns6="http://schemas.openxmlformats.org/drawingml/2006/chartDrawing" xmlns:dgm="http://schemas.openxmlformats.org/drawingml/2006/diagram" xmlns:pic="http://schemas.openxmlformats.org/drawingml/2006/picture" xmlns:wp="http://schemas.openxmlformats.org/drawingml/2006/wordprocessingDrawing" xmlns:xdr="http://schemas.openxmlformats.org/drawingml/2006/spreadsheetDrawing" xmlns:ns11="http://schemas.openxmlformats.org/drawingml/2006/compatibility" xmlns:ns12="http://schemas.openxmlformats.org/drawingml/2006/lockedCanvas" type="obj" preserve="true">
   <p:cSld name="Title and Content">
     <p:spTree>
       <p:nvGrpSpPr>
@@ -693,7 +695,7 @@
 </file>
 
 <file path=ppt/slideLayouts/slideLayout3.xml><?xml version="1.0" encoding="utf-8"?>
-<p:sldLayout xmlns:p="http://schemas.openxmlformats.org/presentationml/2006/main" xmlns:r="http://schemas.openxmlformats.org/officeDocument/2006/relationships" xmlns:a="http://schemas.openxmlformats.org/drawingml/2006/main" xmlns:mc="http://schemas.openxmlformats.org/markup-compatibility/2006" xmlns:c="http://schemas.openxmlformats.org/drawingml/2006/chart" xmlns:ns6="http://schemas.openxmlformats.org/drawingml/2006/chartDrawing" xmlns:dgm="http://schemas.openxmlformats.org/drawingml/2006/diagram" xmlns:pic="http://schemas.openxmlformats.org/drawingml/2006/picture" xmlns:wp="http://schemas.openxmlformats.org/drawingml/2006/wordprocessingDrawing" xmlns:xdr="http://schemas.openxmlformats.org/drawingml/2006/spreadsheetDrawing" xmlns:ns11="http://schemas.openxmlformats.org/drawingml/2006/compatibility" xmlns:ns12="http://schemas.openxmlformats.org/drawingml/2006/lockedCanvas" type="secHead" preserve="true">
+<p:sldLayout xmlns:r="http://schemas.openxmlformats.org/officeDocument/2006/relationships" xmlns:p="http://schemas.openxmlformats.org/presentationml/2006/main" xmlns:a="http://schemas.openxmlformats.org/drawingml/2006/main" xmlns:mc="http://schemas.openxmlformats.org/markup-compatibility/2006" xmlns:c="http://schemas.openxmlformats.org/drawingml/2006/chart" xmlns:ns6="http://schemas.openxmlformats.org/drawingml/2006/chartDrawing" xmlns:dgm="http://schemas.openxmlformats.org/drawingml/2006/diagram" xmlns:pic="http://schemas.openxmlformats.org/drawingml/2006/picture" xmlns:wp="http://schemas.openxmlformats.org/drawingml/2006/wordprocessingDrawing" xmlns:xdr="http://schemas.openxmlformats.org/drawingml/2006/spreadsheetDrawing" xmlns:ns11="http://schemas.openxmlformats.org/drawingml/2006/compatibility" xmlns:ns12="http://schemas.openxmlformats.org/drawingml/2006/lockedCanvas" type="secHead" preserve="true">
   <p:cSld name="Section Header">
     <p:spTree>
       <p:nvGrpSpPr>
@@ -946,7 +948,7 @@
 </file>
 
 <file path=ppt/slideLayouts/slideLayout4.xml><?xml version="1.0" encoding="utf-8"?>
-<p:sldLayout xmlns:p="http://schemas.openxmlformats.org/presentationml/2006/main" xmlns:r="http://schemas.openxmlformats.org/officeDocument/2006/relationships" xmlns:a="http://schemas.openxmlformats.org/drawingml/2006/main" xmlns:mc="http://schemas.openxmlformats.org/markup-compatibility/2006" xmlns:c="http://schemas.openxmlformats.org/drawingml/2006/chart" xmlns:ns6="http://schemas.openxmlformats.org/drawingml/2006/chartDrawing" xmlns:dgm="http://schemas.openxmlformats.org/drawingml/2006/diagram" xmlns:pic="http://schemas.openxmlformats.org/drawingml/2006/picture" xmlns:wp="http://schemas.openxmlformats.org/drawingml/2006/wordprocessingDrawing" xmlns:xdr="http://schemas.openxmlformats.org/drawingml/2006/spreadsheetDrawing" xmlns:ns11="http://schemas.openxmlformats.org/drawingml/2006/compatibility" xmlns:ns12="http://schemas.openxmlformats.org/drawingml/2006/lockedCanvas" type="twoObj" preserve="true">
+<p:sldLayout xmlns:r="http://schemas.openxmlformats.org/officeDocument/2006/relationships" xmlns:p="http://schemas.openxmlformats.org/presentationml/2006/main" xmlns:a="http://schemas.openxmlformats.org/drawingml/2006/main" xmlns:mc="http://schemas.openxmlformats.org/markup-compatibility/2006" xmlns:c="http://schemas.openxmlformats.org/drawingml/2006/chart" xmlns:ns6="http://schemas.openxmlformats.org/drawingml/2006/chartDrawing" xmlns:dgm="http://schemas.openxmlformats.org/drawingml/2006/diagram" xmlns:pic="http://schemas.openxmlformats.org/drawingml/2006/picture" xmlns:wp="http://schemas.openxmlformats.org/drawingml/2006/wordprocessingDrawing" xmlns:xdr="http://schemas.openxmlformats.org/drawingml/2006/spreadsheetDrawing" xmlns:ns11="http://schemas.openxmlformats.org/drawingml/2006/compatibility" xmlns:ns12="http://schemas.openxmlformats.org/drawingml/2006/lockedCanvas" type="twoObj" preserve="true">
   <p:cSld name="Two Content">
     <p:spTree>
       <p:nvGrpSpPr>
@@ -1185,7 +1187,7 @@
 </file>
 
 <file path=ppt/slideLayouts/slideLayout5.xml><?xml version="1.0" encoding="utf-8"?>
-<p:sldLayout xmlns:p="http://schemas.openxmlformats.org/presentationml/2006/main" xmlns:r="http://schemas.openxmlformats.org/officeDocument/2006/relationships" xmlns:a="http://schemas.openxmlformats.org/drawingml/2006/main" xmlns:mc="http://schemas.openxmlformats.org/markup-compatibility/2006" xmlns:c="http://schemas.openxmlformats.org/drawingml/2006/chart" xmlns:ns6="http://schemas.openxmlformats.org/drawingml/2006/chartDrawing" xmlns:dgm="http://schemas.openxmlformats.org/drawingml/2006/diagram" xmlns:pic="http://schemas.openxmlformats.org/drawingml/2006/picture" xmlns:wp="http://schemas.openxmlformats.org/drawingml/2006/wordprocessingDrawing" xmlns:xdr="http://schemas.openxmlformats.org/drawingml/2006/spreadsheetDrawing" xmlns:ns11="http://schemas.openxmlformats.org/drawingml/2006/compatibility" xmlns:ns12="http://schemas.openxmlformats.org/drawingml/2006/lockedCanvas" type="twoTxTwoObj" preserve="true">
+<p:sldLayout xmlns:r="http://schemas.openxmlformats.org/officeDocument/2006/relationships" xmlns:p="http://schemas.openxmlformats.org/presentationml/2006/main" xmlns:a="http://schemas.openxmlformats.org/drawingml/2006/main" xmlns:mc="http://schemas.openxmlformats.org/markup-compatibility/2006" xmlns:c="http://schemas.openxmlformats.org/drawingml/2006/chart" xmlns:ns6="http://schemas.openxmlformats.org/drawingml/2006/chartDrawing" xmlns:dgm="http://schemas.openxmlformats.org/drawingml/2006/diagram" xmlns:pic="http://schemas.openxmlformats.org/drawingml/2006/picture" xmlns:wp="http://schemas.openxmlformats.org/drawingml/2006/wordprocessingDrawing" xmlns:xdr="http://schemas.openxmlformats.org/drawingml/2006/spreadsheetDrawing" xmlns:ns11="http://schemas.openxmlformats.org/drawingml/2006/compatibility" xmlns:ns12="http://schemas.openxmlformats.org/drawingml/2006/lockedCanvas" type="twoTxTwoObj" preserve="true">
   <p:cSld name="Comparison">
     <p:spTree>
       <p:nvGrpSpPr>
@@ -1540,7 +1542,7 @@
 </file>
 
 <file path=ppt/slideLayouts/slideLayout6.xml><?xml version="1.0" encoding="utf-8"?>
-<p:sldLayout xmlns:p="http://schemas.openxmlformats.org/presentationml/2006/main" xmlns:r="http://schemas.openxmlformats.org/officeDocument/2006/relationships" xmlns:a="http://schemas.openxmlformats.org/drawingml/2006/main" xmlns:mc="http://schemas.openxmlformats.org/markup-compatibility/2006" xmlns:c="http://schemas.openxmlformats.org/drawingml/2006/chart" xmlns:ns6="http://schemas.openxmlformats.org/drawingml/2006/chartDrawing" xmlns:dgm="http://schemas.openxmlformats.org/drawingml/2006/diagram" xmlns:pic="http://schemas.openxmlformats.org/drawingml/2006/picture" xmlns:wp="http://schemas.openxmlformats.org/drawingml/2006/wordprocessingDrawing" xmlns:xdr="http://schemas.openxmlformats.org/drawingml/2006/spreadsheetDrawing" xmlns:ns11="http://schemas.openxmlformats.org/drawingml/2006/compatibility" xmlns:ns12="http://schemas.openxmlformats.org/drawingml/2006/lockedCanvas" type="titleOnly" preserve="true">
+<p:sldLayout xmlns:r="http://schemas.openxmlformats.org/officeDocument/2006/relationships" xmlns:p="http://schemas.openxmlformats.org/presentationml/2006/main" xmlns:a="http://schemas.openxmlformats.org/drawingml/2006/main" xmlns:mc="http://schemas.openxmlformats.org/markup-compatibility/2006" xmlns:c="http://schemas.openxmlformats.org/drawingml/2006/chart" xmlns:ns6="http://schemas.openxmlformats.org/drawingml/2006/chartDrawing" xmlns:dgm="http://schemas.openxmlformats.org/drawingml/2006/diagram" xmlns:pic="http://schemas.openxmlformats.org/drawingml/2006/picture" xmlns:wp="http://schemas.openxmlformats.org/drawingml/2006/wordprocessingDrawing" xmlns:xdr="http://schemas.openxmlformats.org/drawingml/2006/spreadsheetDrawing" xmlns:ns11="http://schemas.openxmlformats.org/drawingml/2006/compatibility" xmlns:ns12="http://schemas.openxmlformats.org/drawingml/2006/lockedCanvas" type="titleOnly" preserve="true">
   <p:cSld name="Title Only">
     <p:spTree>
       <p:nvGrpSpPr>
@@ -1665,7 +1667,7 @@
 </file>
 
 <file path=ppt/slideLayouts/slideLayout7.xml><?xml version="1.0" encoding="utf-8"?>
-<p:sldLayout xmlns:p="http://schemas.openxmlformats.org/presentationml/2006/main" xmlns:r="http://schemas.openxmlformats.org/officeDocument/2006/relationships" xmlns:a="http://schemas.openxmlformats.org/drawingml/2006/main" xmlns:mc="http://schemas.openxmlformats.org/markup-compatibility/2006" xmlns:c="http://schemas.openxmlformats.org/drawingml/2006/chart" xmlns:ns6="http://schemas.openxmlformats.org/drawingml/2006/chartDrawing" xmlns:dgm="http://schemas.openxmlformats.org/drawingml/2006/diagram" xmlns:pic="http://schemas.openxmlformats.org/drawingml/2006/picture" xmlns:wp="http://schemas.openxmlformats.org/drawingml/2006/wordprocessingDrawing" xmlns:xdr="http://schemas.openxmlformats.org/drawingml/2006/spreadsheetDrawing" xmlns:ns11="http://schemas.openxmlformats.org/drawingml/2006/compatibility" xmlns:ns12="http://schemas.openxmlformats.org/drawingml/2006/lockedCanvas" type="blank" preserve="true">
+<p:sldLayout xmlns:r="http://schemas.openxmlformats.org/officeDocument/2006/relationships" xmlns:p="http://schemas.openxmlformats.org/presentationml/2006/main" xmlns:a="http://schemas.openxmlformats.org/drawingml/2006/main" xmlns:mc="http://schemas.openxmlformats.org/markup-compatibility/2006" xmlns:c="http://schemas.openxmlformats.org/drawingml/2006/chart" xmlns:ns6="http://schemas.openxmlformats.org/drawingml/2006/chartDrawing" xmlns:dgm="http://schemas.openxmlformats.org/drawingml/2006/diagram" xmlns:pic="http://schemas.openxmlformats.org/drawingml/2006/picture" xmlns:wp="http://schemas.openxmlformats.org/drawingml/2006/wordprocessingDrawing" xmlns:xdr="http://schemas.openxmlformats.org/drawingml/2006/spreadsheetDrawing" xmlns:ns11="http://schemas.openxmlformats.org/drawingml/2006/compatibility" xmlns:ns12="http://schemas.openxmlformats.org/drawingml/2006/lockedCanvas" type="blank" preserve="true">
   <p:cSld name="Blank">
     <p:spTree>
       <p:nvGrpSpPr>
@@ -1767,7 +1769,7 @@
 </file>
 
 <file path=ppt/slideLayouts/slideLayout8.xml><?xml version="1.0" encoding="utf-8"?>
-<p:sldLayout xmlns:p="http://schemas.openxmlformats.org/presentationml/2006/main" xmlns:r="http://schemas.openxmlformats.org/officeDocument/2006/relationships" xmlns:a="http://schemas.openxmlformats.org/drawingml/2006/main" xmlns:mc="http://schemas.openxmlformats.org/markup-compatibility/2006" xmlns:c="http://schemas.openxmlformats.org/drawingml/2006/chart" xmlns:ns6="http://schemas.openxmlformats.org/drawingml/2006/chartDrawing" xmlns:dgm="http://schemas.openxmlformats.org/drawingml/2006/diagram" xmlns:pic="http://schemas.openxmlformats.org/drawingml/2006/picture" xmlns:wp="http://schemas.openxmlformats.org/drawingml/2006/wordprocessingDrawing" xmlns:xdr="http://schemas.openxmlformats.org/drawingml/2006/spreadsheetDrawing" xmlns:ns11="http://schemas.openxmlformats.org/drawingml/2006/compatibility" xmlns:ns12="http://schemas.openxmlformats.org/drawingml/2006/lockedCanvas" type="objTx" preserve="true">
+<p:sldLayout xmlns:r="http://schemas.openxmlformats.org/officeDocument/2006/relationships" xmlns:p="http://schemas.openxmlformats.org/presentationml/2006/main" xmlns:a="http://schemas.openxmlformats.org/drawingml/2006/main" xmlns:mc="http://schemas.openxmlformats.org/markup-compatibility/2006" xmlns:c="http://schemas.openxmlformats.org/drawingml/2006/chart" xmlns:ns6="http://schemas.openxmlformats.org/drawingml/2006/chartDrawing" xmlns:dgm="http://schemas.openxmlformats.org/drawingml/2006/diagram" xmlns:pic="http://schemas.openxmlformats.org/drawingml/2006/picture" xmlns:wp="http://schemas.openxmlformats.org/drawingml/2006/wordprocessingDrawing" xmlns:xdr="http://schemas.openxmlformats.org/drawingml/2006/spreadsheetDrawing" xmlns:ns11="http://schemas.openxmlformats.org/drawingml/2006/compatibility" xmlns:ns12="http://schemas.openxmlformats.org/drawingml/2006/lockedCanvas" type="objTx" preserve="true">
   <p:cSld name="Content with Caption">
     <p:spTree>
       <p:nvGrpSpPr>
@@ -2051,7 +2053,7 @@
 </file>
 
 <file path=ppt/slideLayouts/slideLayout9.xml><?xml version="1.0" encoding="utf-8"?>
-<p:sldLayout xmlns:p="http://schemas.openxmlformats.org/presentationml/2006/main" xmlns:r="http://schemas.openxmlformats.org/officeDocument/2006/relationships" xmlns:a="http://schemas.openxmlformats.org/drawingml/2006/main" xmlns:mc="http://schemas.openxmlformats.org/markup-compatibility/2006" xmlns:c="http://schemas.openxmlformats.org/drawingml/2006/chart" xmlns:ns6="http://schemas.openxmlformats.org/drawingml/2006/chartDrawing" xmlns:dgm="http://schemas.openxmlformats.org/drawingml/2006/diagram" xmlns:pic="http://schemas.openxmlformats.org/drawingml/2006/picture" xmlns:wp="http://schemas.openxmlformats.org/drawingml/2006/wordprocessingDrawing" xmlns:xdr="http://schemas.openxmlformats.org/drawingml/2006/spreadsheetDrawing" xmlns:ns11="http://schemas.openxmlformats.org/drawingml/2006/compatibility" xmlns:ns12="http://schemas.openxmlformats.org/drawingml/2006/lockedCanvas" type="vertTx" preserve="true">
+<p:sldLayout xmlns:r="http://schemas.openxmlformats.org/officeDocument/2006/relationships" xmlns:p="http://schemas.openxmlformats.org/presentationml/2006/main" xmlns:a="http://schemas.openxmlformats.org/drawingml/2006/main" xmlns:mc="http://schemas.openxmlformats.org/markup-compatibility/2006" xmlns:c="http://schemas.openxmlformats.org/drawingml/2006/chart" xmlns:ns6="http://schemas.openxmlformats.org/drawingml/2006/chartDrawing" xmlns:dgm="http://schemas.openxmlformats.org/drawingml/2006/diagram" xmlns:pic="http://schemas.openxmlformats.org/drawingml/2006/picture" xmlns:wp="http://schemas.openxmlformats.org/drawingml/2006/wordprocessingDrawing" xmlns:xdr="http://schemas.openxmlformats.org/drawingml/2006/spreadsheetDrawing" xmlns:ns11="http://schemas.openxmlformats.org/drawingml/2006/compatibility" xmlns:ns12="http://schemas.openxmlformats.org/drawingml/2006/lockedCanvas" type="vertTx" preserve="true">
   <p:cSld name="Title and Vertical Text">
     <p:spTree>
       <p:nvGrpSpPr>
@@ -2228,7 +2230,7 @@
 </file>
 
 <file path=ppt/slideMasters/slideMaster1.xml><?xml version="1.0" encoding="utf-8"?>
-<p:sldMaster xmlns:p="http://schemas.openxmlformats.org/presentationml/2006/main" xmlns:r="http://schemas.openxmlformats.org/officeDocument/2006/relationships" xmlns:a="http://schemas.openxmlformats.org/drawingml/2006/main" xmlns:mc="http://schemas.openxmlformats.org/markup-compatibility/2006" xmlns:c="http://schemas.openxmlformats.org/drawingml/2006/chart" xmlns:ns6="http://schemas.openxmlformats.org/drawingml/2006/chartDrawing" xmlns:dgm="http://schemas.openxmlformats.org/drawingml/2006/diagram" xmlns:pic="http://schemas.openxmlformats.org/drawingml/2006/picture" xmlns:wp="http://schemas.openxmlformats.org/drawingml/2006/wordprocessingDrawing" xmlns:xdr="http://schemas.openxmlformats.org/drawingml/2006/spreadsheetDrawing" xmlns:ns11="http://schemas.openxmlformats.org/drawingml/2006/compatibility" xmlns:ns12="http://schemas.openxmlformats.org/drawingml/2006/lockedCanvas">
+<p:sldMaster xmlns:r="http://schemas.openxmlformats.org/officeDocument/2006/relationships" xmlns:p="http://schemas.openxmlformats.org/presentationml/2006/main" xmlns:a="http://schemas.openxmlformats.org/drawingml/2006/main" xmlns:mc="http://schemas.openxmlformats.org/markup-compatibility/2006" xmlns:c="http://schemas.openxmlformats.org/drawingml/2006/chart" xmlns:ns6="http://schemas.openxmlformats.org/drawingml/2006/chartDrawing" xmlns:dgm="http://schemas.openxmlformats.org/drawingml/2006/diagram" xmlns:pic="http://schemas.openxmlformats.org/drawingml/2006/picture" xmlns:wp="http://schemas.openxmlformats.org/drawingml/2006/wordprocessingDrawing" xmlns:xdr="http://schemas.openxmlformats.org/drawingml/2006/spreadsheetDrawing" xmlns:ns11="http://schemas.openxmlformats.org/drawingml/2006/compatibility" xmlns:ns12="http://schemas.openxmlformats.org/drawingml/2006/lockedCanvas">
   <p:cSld>
     <p:bg>
       <p:bgRef idx="1001">
@@ -2774,7 +2776,7 @@
 </file>
 
 <file path=ppt/slides/slide1.xml><?xml version="1.0" encoding="utf-8"?>
-<p:sld xmlns:p="http://schemas.openxmlformats.org/presentationml/2006/main" xmlns:r="http://schemas.openxmlformats.org/officeDocument/2006/relationships" xmlns:a="http://schemas.openxmlformats.org/drawingml/2006/main" xmlns:mc="http://schemas.openxmlformats.org/markup-compatibility/2006" xmlns:c="http://schemas.openxmlformats.org/drawingml/2006/chart" xmlns:ns6="http://schemas.openxmlformats.org/drawingml/2006/chartDrawing" xmlns:dgm="http://schemas.openxmlformats.org/drawingml/2006/diagram" xmlns:pic="http://schemas.openxmlformats.org/drawingml/2006/picture" xmlns:wp="http://schemas.openxmlformats.org/drawingml/2006/wordprocessingDrawing" xmlns:xdr="http://schemas.openxmlformats.org/drawingml/2006/spreadsheetDrawing" xmlns:ns11="http://schemas.openxmlformats.org/drawingml/2006/compatibility" xmlns:ns12="http://schemas.openxmlformats.org/drawingml/2006/lockedCanvas">
+<p:sld xmlns:r="http://schemas.openxmlformats.org/officeDocument/2006/relationships" xmlns:p="http://schemas.openxmlformats.org/presentationml/2006/main" xmlns:a="http://schemas.openxmlformats.org/drawingml/2006/main" xmlns:mc="http://schemas.openxmlformats.org/markup-compatibility/2006" xmlns:c="http://schemas.openxmlformats.org/drawingml/2006/chart" xmlns:ns6="http://schemas.openxmlformats.org/drawingml/2006/chartDrawing" xmlns:dgm="http://schemas.openxmlformats.org/drawingml/2006/diagram" xmlns:pic="http://schemas.openxmlformats.org/drawingml/2006/picture" xmlns:wp="http://schemas.openxmlformats.org/drawingml/2006/wordprocessingDrawing" xmlns:xdr="http://schemas.openxmlformats.org/drawingml/2006/spreadsheetDrawing" xmlns:ns11="http://schemas.openxmlformats.org/drawingml/2006/compatibility" xmlns:ns12="http://schemas.openxmlformats.org/drawingml/2006/lockedCanvas">
   <p:cSld>
     <p:spTree>
       <p:nvGrpSpPr>
@@ -2816,7 +2818,7 @@
 </file>
 
 <file path=ppt/slides/slide10.xml><?xml version="1.0" encoding="utf-8"?>
-<p:sld xmlns:p="http://schemas.openxmlformats.org/presentationml/2006/main" xmlns:r="http://schemas.openxmlformats.org/officeDocument/2006/relationships" xmlns:a="http://schemas.openxmlformats.org/drawingml/2006/main" xmlns:mc="http://schemas.openxmlformats.org/markup-compatibility/2006" xmlns:c="http://schemas.openxmlformats.org/drawingml/2006/chart" xmlns:ns6="http://schemas.openxmlformats.org/drawingml/2006/chartDrawing" xmlns:dgm="http://schemas.openxmlformats.org/drawingml/2006/diagram" xmlns:pic="http://schemas.openxmlformats.org/drawingml/2006/picture" xmlns:wp="http://schemas.openxmlformats.org/drawingml/2006/wordprocessingDrawing" xmlns:xdr="http://schemas.openxmlformats.org/drawingml/2006/spreadsheetDrawing" xmlns:ns11="http://schemas.openxmlformats.org/drawingml/2006/compatibility" xmlns:ns12="http://schemas.openxmlformats.org/drawingml/2006/lockedCanvas">
+<p:sld xmlns:r="http://schemas.openxmlformats.org/officeDocument/2006/relationships" xmlns:p="http://schemas.openxmlformats.org/presentationml/2006/main" xmlns:a="http://schemas.openxmlformats.org/drawingml/2006/main" xmlns:mc="http://schemas.openxmlformats.org/markup-compatibility/2006" xmlns:c="http://schemas.openxmlformats.org/drawingml/2006/chart" xmlns:ns6="http://schemas.openxmlformats.org/drawingml/2006/chartDrawing" xmlns:dgm="http://schemas.openxmlformats.org/drawingml/2006/diagram" xmlns:pic="http://schemas.openxmlformats.org/drawingml/2006/picture" xmlns:wp="http://schemas.openxmlformats.org/drawingml/2006/wordprocessingDrawing" xmlns:xdr="http://schemas.openxmlformats.org/drawingml/2006/spreadsheetDrawing" xmlns:ns11="http://schemas.openxmlformats.org/drawingml/2006/compatibility" xmlns:ns12="http://schemas.openxmlformats.org/drawingml/2006/lockedCanvas">
   <p:cSld>
     <p:spTree>
       <p:nvGrpSpPr>
@@ -2847,7 +2849,2221 @@
           <a:p>
             <a:r>
               <a:rPr/>
-              <a:t>Bi-variate analysis Slide  2 of 5</a:t>
+              <a:t>Bi-variate analysis Slide  1 of 6</a:t>
+            </a:r>
+          </a:p>
+        </p:txBody>
+      </p:sp>
+      <p:pic>
+        <p:nvPicPr>
+          <p:cNvPr id="2" name="Picture 2"/>
+          <p:cNvPicPr>
+            <a:picLocks noChangeAspect="true"/>
+          </p:cNvPicPr>
+          <p:nvPr>
+            <p:ph idx="2"/>
+          </p:nvPr>
+        </p:nvPicPr>
+        <p:blipFill>
+          <a:blip cstate="print" r:embed="rId2"/>
+          <a:stretch>
+            <a:fillRect/>
+          </a:stretch>
+        </p:blipFill>
+        <p:spPr>
+          <a:xfrm>
+            <a:off x="914400" y="1371600"/>
+            <a:ext cx="5029200" cy="3200400"/>
+          </a:xfrm>
+          <a:prstGeom prst="rect">
+            <a:avLst/>
+          </a:prstGeom>
+        </p:spPr>
+      </p:pic>
+      <p:pic>
+        <p:nvPicPr>
+          <p:cNvPr id="3" name="Picture 3"/>
+          <p:cNvPicPr>
+            <a:picLocks noChangeAspect="true"/>
+          </p:cNvPicPr>
+          <p:nvPr>
+            <p:ph idx="3"/>
+          </p:nvPr>
+        </p:nvPicPr>
+        <p:blipFill>
+          <a:blip cstate="print" r:embed="rId3"/>
+          <a:stretch>
+            <a:fillRect/>
+          </a:stretch>
+        </p:blipFill>
+        <p:spPr>
+          <a:xfrm>
+            <a:off x="6400800" y="1371600"/>
+            <a:ext cx="5029200" cy="3200400"/>
+          </a:xfrm>
+          <a:prstGeom prst="rect">
+            <a:avLst/>
+          </a:prstGeom>
+        </p:spPr>
+      </p:pic>
+      <p:graphicFrame>
+        <p:nvGraphicFramePr>
+          <p:cNvPr id="4" name="nvGraphicFrame 4"/>
+          <p:cNvGraphicFramePr>
+            <a:graphicFrameLocks noGrp="true"/>
+          </p:cNvGraphicFramePr>
+          <p:nvPr/>
+        </p:nvGraphicFramePr>
+        <p:xfrm rot="0">
+          <a:off x="1828800" y="5029200"/>
+          <a:ext cx="9144000" cy="3657600"/>
+        </p:xfrm>
+        <a:graphic>
+          <a:graphicData uri="http://schemas.openxmlformats.org/drawingml/2006/table">
+            <a:tbl>
+              <a:tblPr/>
+              <a:tblGrid>
+                <a:gridCol w="1219200"/>
+                <a:gridCol w="1219200"/>
+                <a:gridCol w="1219200"/>
+              </a:tblGrid>
+              <a:tr h="0">
+                <a:tc>
+                  <a:txBody>
+                    <a:bodyPr/>
+                    <a:lstStyle/>
+                    <a:p>
+                      <a:pPr marL="50800" marR="50800" indent="0" algn="r">
+                        <a:spcBef>
+                          <a:spcPts val="100"/>
+                        </a:spcBef>
+                        <a:spcAft>
+                          <a:spcPts val="100"/>
+                        </a:spcAft>
+                        <a:buNone/>
+                      </a:pPr>
+                      <a:r>
+                        <a:rPr sz="1100" b="true">
+                          <a:solidFill>
+                            <a:srgbClr val="000000">
+                              <a:alpha val="100000"/>
+                            </a:srgbClr>
+                          </a:solidFill>
+                          <a:latin typeface="Times New Roman"/>
+                          <a:ea typeface="Times New Roman"/>
+                          <a:cs typeface="Times New Roman"/>
+                        </a:rPr>
+                        <a:t>tt</a:t>
+                      </a:r>
+                    </a:p>
+                  </a:txBody>
+                  <a:tcPr marL="0" marR="0" marT="0" marB="0" anchor="ctr">
+                    <a:lnL w="12700" cap="flat" cmpd="sng" algn="ctr">
+                      <a:noFill/>
+                      <a:prstDash val="solid"/>
+                      <a:round/>
+                      <a:headEnd type="none" w="med" len="med"/>
+                      <a:tailEnd type="none" w="med" len="med"/>
+                    </a:lnL>
+                    <a:lnR w="12700" cap="flat" cmpd="sng" algn="ctr">
+                      <a:noFill/>
+                      <a:prstDash val="solid"/>
+                      <a:round/>
+                      <a:headEnd type="none" w="med" len="med"/>
+                      <a:tailEnd type="none" w="med" len="med"/>
+                    </a:lnR>
+                    <a:lnT w="25400">
+                      <a:solidFill>
+                        <a:srgbClr val="000000">
+                          <a:alpha val="100000"/>
+                        </a:srgbClr>
+                      </a:solidFill>
+                      <a:prstDash val="solid"/>
+                    </a:lnT>
+                    <a:lnB w="25400">
+                      <a:solidFill>
+                        <a:srgbClr val="000000">
+                          <a:alpha val="100000"/>
+                        </a:srgbClr>
+                      </a:solidFill>
+                      <a:prstDash val="solid"/>
+                    </a:lnB>
+                    <a:solidFill>
+                      <a:srgbClr val="FFFFFF">
+                        <a:alpha val="0"/>
+                      </a:srgbClr>
+                    </a:solidFill>
+                  </a:tcPr>
+                </a:tc>
+                <a:tc>
+                  <a:txBody>
+                    <a:bodyPr/>
+                    <a:lstStyle/>
+                    <a:p>
+                      <a:pPr marL="50800" marR="50800" indent="0" algn="r">
+                        <a:spcBef>
+                          <a:spcPts val="100"/>
+                        </a:spcBef>
+                        <a:spcAft>
+                          <a:spcPts val="100"/>
+                        </a:spcAft>
+                        <a:buNone/>
+                      </a:pPr>
+                      <a:r>
+                        <a:rPr sz="1100" b="true">
+                          <a:solidFill>
+                            <a:srgbClr val="000000">
+                              <a:alpha val="100000"/>
+                            </a:srgbClr>
+                          </a:solidFill>
+                          <a:latin typeface="Times New Roman"/>
+                          <a:ea typeface="Times New Roman"/>
+                          <a:cs typeface="Times New Roman"/>
+                        </a:rPr>
+                        <a:t>mean - mpg</a:t>
+                      </a:r>
+                    </a:p>
+                  </a:txBody>
+                  <a:tcPr marL="0" marR="0" marT="0" marB="0" anchor="ctr">
+                    <a:lnL w="12700" cap="flat" cmpd="sng" algn="ctr">
+                      <a:noFill/>
+                      <a:prstDash val="solid"/>
+                      <a:round/>
+                      <a:headEnd type="none" w="med" len="med"/>
+                      <a:tailEnd type="none" w="med" len="med"/>
+                    </a:lnL>
+                    <a:lnR w="12700" cap="flat" cmpd="sng" algn="ctr">
+                      <a:noFill/>
+                      <a:prstDash val="solid"/>
+                      <a:round/>
+                      <a:headEnd type="none" w="med" len="med"/>
+                      <a:tailEnd type="none" w="med" len="med"/>
+                    </a:lnR>
+                    <a:lnT w="25400">
+                      <a:solidFill>
+                        <a:srgbClr val="000000">
+                          <a:alpha val="100000"/>
+                        </a:srgbClr>
+                      </a:solidFill>
+                      <a:prstDash val="solid"/>
+                    </a:lnT>
+                    <a:lnB w="25400">
+                      <a:solidFill>
+                        <a:srgbClr val="000000">
+                          <a:alpha val="100000"/>
+                        </a:srgbClr>
+                      </a:solidFill>
+                      <a:prstDash val="solid"/>
+                    </a:lnB>
+                    <a:solidFill>
+                      <a:srgbClr val="FFFFFF">
+                        <a:alpha val="0"/>
+                      </a:srgbClr>
+                    </a:solidFill>
+                  </a:tcPr>
+                </a:tc>
+                <a:tc>
+                  <a:txBody>
+                    <a:bodyPr/>
+                    <a:lstStyle/>
+                    <a:p>
+                      <a:pPr marL="50800" marR="50800" indent="0" algn="r">
+                        <a:spcBef>
+                          <a:spcPts val="100"/>
+                        </a:spcBef>
+                        <a:spcAft>
+                          <a:spcPts val="100"/>
+                        </a:spcAft>
+                        <a:buNone/>
+                      </a:pPr>
+                      <a:r>
+                        <a:rPr sz="1100" b="true">
+                          <a:solidFill>
+                            <a:srgbClr val="000000">
+                              <a:alpha val="100000"/>
+                            </a:srgbClr>
+                          </a:solidFill>
+                          <a:latin typeface="Times New Roman"/>
+                          <a:ea typeface="Times New Roman"/>
+                          <a:cs typeface="Times New Roman"/>
+                        </a:rPr>
+                        <a:t>median - mpg</a:t>
+                      </a:r>
+                    </a:p>
+                  </a:txBody>
+                  <a:tcPr marL="0" marR="0" marT="0" marB="0" anchor="ctr">
+                    <a:lnL w="12700" cap="flat" cmpd="sng" algn="ctr">
+                      <a:noFill/>
+                      <a:prstDash val="solid"/>
+                      <a:round/>
+                      <a:headEnd type="none" w="med" len="med"/>
+                      <a:tailEnd type="none" w="med" len="med"/>
+                    </a:lnL>
+                    <a:lnR w="12700" cap="flat" cmpd="sng" algn="ctr">
+                      <a:noFill/>
+                      <a:prstDash val="solid"/>
+                      <a:round/>
+                      <a:headEnd type="none" w="med" len="med"/>
+                      <a:tailEnd type="none" w="med" len="med"/>
+                    </a:lnR>
+                    <a:lnT w="25400">
+                      <a:solidFill>
+                        <a:srgbClr val="000000">
+                          <a:alpha val="100000"/>
+                        </a:srgbClr>
+                      </a:solidFill>
+                      <a:prstDash val="solid"/>
+                    </a:lnT>
+                    <a:lnB w="25400">
+                      <a:solidFill>
+                        <a:srgbClr val="000000">
+                          <a:alpha val="100000"/>
+                        </a:srgbClr>
+                      </a:solidFill>
+                      <a:prstDash val="solid"/>
+                    </a:lnB>
+                    <a:solidFill>
+                      <a:srgbClr val="FFFFFF">
+                        <a:alpha val="0"/>
+                      </a:srgbClr>
+                    </a:solidFill>
+                  </a:tcPr>
+                </a:tc>
+              </a:tr>
+              <a:tr h="0">
+                <a:tc>
+                  <a:txBody>
+                    <a:bodyPr/>
+                    <a:lstStyle/>
+                    <a:p>
+                      <a:pPr marL="50800" marR="50800" indent="0" algn="r">
+                        <a:spcBef>
+                          <a:spcPts val="100"/>
+                        </a:spcBef>
+                        <a:spcAft>
+                          <a:spcPts val="100"/>
+                        </a:spcAft>
+                        <a:buNone/>
+                      </a:pPr>
+                      <a:r>
+                        <a:rPr sz="1300" i="true">
+                          <a:solidFill>
+                            <a:srgbClr val="000000">
+                              <a:alpha val="100000"/>
+                            </a:srgbClr>
+                          </a:solidFill>
+                          <a:latin typeface="Times New Roman"/>
+                          <a:ea typeface="Times New Roman"/>
+                          <a:cs typeface="Times New Roman"/>
+                        </a:rPr>
+                        <a:t/>
+                      </a:r>
+                      <a:r>
+                        <a:rPr sz="1300" i="true">
+                          <a:solidFill>
+                            <a:srgbClr val="000000">
+                              <a:alpha val="100000"/>
+                            </a:srgbClr>
+                          </a:solidFill>
+                          <a:latin typeface="Times New Roman"/>
+                          <a:ea typeface="Times New Roman"/>
+                          <a:cs typeface="Times New Roman"/>
+                        </a:rPr>
+                        <a:t>N</a:t>
+                      </a:r>
+                    </a:p>
+                  </a:txBody>
+                  <a:tcPr marL="0" marR="0" marT="0" marB="0" anchor="ctr">
+                    <a:lnL w="12700" cap="flat" cmpd="sng" algn="ctr">
+                      <a:noFill/>
+                      <a:prstDash val="solid"/>
+                      <a:round/>
+                      <a:headEnd type="none" w="med" len="med"/>
+                      <a:tailEnd type="none" w="med" len="med"/>
+                    </a:lnL>
+                    <a:lnR w="12700" cap="flat" cmpd="sng" algn="ctr">
+                      <a:noFill/>
+                      <a:prstDash val="solid"/>
+                      <a:round/>
+                      <a:headEnd type="none" w="med" len="med"/>
+                      <a:tailEnd type="none" w="med" len="med"/>
+                    </a:lnR>
+                    <a:lnT w="25400">
+                      <a:solidFill>
+                        <a:srgbClr val="000000">
+                          <a:alpha val="100000"/>
+                        </a:srgbClr>
+                      </a:solidFill>
+                      <a:prstDash val="solid"/>
+                    </a:lnT>
+                    <a:lnB w="12700" cap="flat" cmpd="sng" algn="ctr">
+                      <a:noFill/>
+                      <a:prstDash val="solid"/>
+                      <a:round/>
+                      <a:headEnd type="none" w="med" len="med"/>
+                      <a:tailEnd type="none" w="med" len="med"/>
+                    </a:lnB>
+                    <a:solidFill>
+                      <a:srgbClr val="EEEEEE">
+                        <a:alpha val="100000"/>
+                      </a:srgbClr>
+                    </a:solidFill>
+                  </a:tcPr>
+                </a:tc>
+                <a:tc>
+                  <a:txBody>
+                    <a:bodyPr/>
+                    <a:lstStyle/>
+                    <a:p>
+                      <a:pPr marL="50800" marR="50800" indent="0" algn="r">
+                        <a:spcBef>
+                          <a:spcPts val="100"/>
+                        </a:spcBef>
+                        <a:spcAft>
+                          <a:spcPts val="100"/>
+                        </a:spcAft>
+                        <a:buNone/>
+                      </a:pPr>
+                      <a:r>
+                        <a:rPr sz="1300" i="true">
+                          <a:solidFill>
+                            <a:srgbClr val="000000">
+                              <a:alpha val="100000"/>
+                            </a:srgbClr>
+                          </a:solidFill>
+                          <a:latin typeface="Times New Roman"/>
+                          <a:ea typeface="Times New Roman"/>
+                          <a:cs typeface="Times New Roman"/>
+                        </a:rPr>
+                        <a:t/>
+                      </a:r>
+                      <a:r>
+                        <a:rPr sz="1300" i="true">
+                          <a:solidFill>
+                            <a:srgbClr val="000000">
+                              <a:alpha val="100000"/>
+                            </a:srgbClr>
+                          </a:solidFill>
+                          <a:latin typeface="Times New Roman"/>
+                          <a:ea typeface="Times New Roman"/>
+                          <a:cs typeface="Times New Roman"/>
+                        </a:rPr>
+                        <a:t>18.99</a:t>
+                      </a:r>
+                    </a:p>
+                  </a:txBody>
+                  <a:tcPr marL="0" marR="0" marT="0" marB="0" anchor="ctr">
+                    <a:lnL w="12700" cap="flat" cmpd="sng" algn="ctr">
+                      <a:noFill/>
+                      <a:prstDash val="solid"/>
+                      <a:round/>
+                      <a:headEnd type="none" w="med" len="med"/>
+                      <a:tailEnd type="none" w="med" len="med"/>
+                    </a:lnL>
+                    <a:lnR w="12700" cap="flat" cmpd="sng" algn="ctr">
+                      <a:noFill/>
+                      <a:prstDash val="solid"/>
+                      <a:round/>
+                      <a:headEnd type="none" w="med" len="med"/>
+                      <a:tailEnd type="none" w="med" len="med"/>
+                    </a:lnR>
+                    <a:lnT w="25400">
+                      <a:solidFill>
+                        <a:srgbClr val="000000">
+                          <a:alpha val="100000"/>
+                        </a:srgbClr>
+                      </a:solidFill>
+                      <a:prstDash val="solid"/>
+                    </a:lnT>
+                    <a:lnB w="12700" cap="flat" cmpd="sng" algn="ctr">
+                      <a:noFill/>
+                      <a:prstDash val="solid"/>
+                      <a:round/>
+                      <a:headEnd type="none" w="med" len="med"/>
+                      <a:tailEnd type="none" w="med" len="med"/>
+                    </a:lnB>
+                    <a:solidFill>
+                      <a:srgbClr val="EEEEEE">
+                        <a:alpha val="100000"/>
+                      </a:srgbClr>
+                    </a:solidFill>
+                  </a:tcPr>
+                </a:tc>
+                <a:tc>
+                  <a:txBody>
+                    <a:bodyPr/>
+                    <a:lstStyle/>
+                    <a:p>
+                      <a:pPr marL="50800" marR="50800" indent="0" algn="r">
+                        <a:spcBef>
+                          <a:spcPts val="100"/>
+                        </a:spcBef>
+                        <a:spcAft>
+                          <a:spcPts val="100"/>
+                        </a:spcAft>
+                        <a:buNone/>
+                      </a:pPr>
+                      <a:r>
+                        <a:rPr sz="1300" i="true">
+                          <a:solidFill>
+                            <a:srgbClr val="000000">
+                              <a:alpha val="100000"/>
+                            </a:srgbClr>
+                          </a:solidFill>
+                          <a:latin typeface="Times New Roman"/>
+                          <a:ea typeface="Times New Roman"/>
+                          <a:cs typeface="Times New Roman"/>
+                        </a:rPr>
+                        <a:t/>
+                      </a:r>
+                      <a:r>
+                        <a:rPr sz="1300" i="true">
+                          <a:solidFill>
+                            <a:srgbClr val="000000">
+                              <a:alpha val="100000"/>
+                            </a:srgbClr>
+                          </a:solidFill>
+                          <a:latin typeface="Times New Roman"/>
+                          <a:ea typeface="Times New Roman"/>
+                          <a:cs typeface="Times New Roman"/>
+                        </a:rPr>
+                        <a:t>17.55</a:t>
+                      </a:r>
+                    </a:p>
+                  </a:txBody>
+                  <a:tcPr marL="0" marR="0" marT="0" marB="0" anchor="ctr">
+                    <a:lnL w="12700" cap="flat" cmpd="sng" algn="ctr">
+                      <a:noFill/>
+                      <a:prstDash val="solid"/>
+                      <a:round/>
+                      <a:headEnd type="none" w="med" len="med"/>
+                      <a:tailEnd type="none" w="med" len="med"/>
+                    </a:lnL>
+                    <a:lnR w="12700" cap="flat" cmpd="sng" algn="ctr">
+                      <a:noFill/>
+                      <a:prstDash val="solid"/>
+                      <a:round/>
+                      <a:headEnd type="none" w="med" len="med"/>
+                      <a:tailEnd type="none" w="med" len="med"/>
+                    </a:lnR>
+                    <a:lnT w="25400">
+                      <a:solidFill>
+                        <a:srgbClr val="000000">
+                          <a:alpha val="100000"/>
+                        </a:srgbClr>
+                      </a:solidFill>
+                      <a:prstDash val="solid"/>
+                    </a:lnT>
+                    <a:lnB w="12700" cap="flat" cmpd="sng" algn="ctr">
+                      <a:noFill/>
+                      <a:prstDash val="solid"/>
+                      <a:round/>
+                      <a:headEnd type="none" w="med" len="med"/>
+                      <a:tailEnd type="none" w="med" len="med"/>
+                    </a:lnB>
+                    <a:solidFill>
+                      <a:srgbClr val="EEEEEE">
+                        <a:alpha val="100000"/>
+                      </a:srgbClr>
+                    </a:solidFill>
+                  </a:tcPr>
+                </a:tc>
+              </a:tr>
+              <a:tr h="0">
+                <a:tc>
+                  <a:txBody>
+                    <a:bodyPr/>
+                    <a:lstStyle/>
+                    <a:p>
+                      <a:pPr marL="50800" marR="50800" indent="0" algn="r">
+                        <a:spcBef>
+                          <a:spcPts val="100"/>
+                        </a:spcBef>
+                        <a:spcAft>
+                          <a:spcPts val="100"/>
+                        </a:spcAft>
+                        <a:buNone/>
+                      </a:pPr>
+                      <a:r>
+                        <a:rPr sz="1300" i="true">
+                          <a:solidFill>
+                            <a:srgbClr val="000000">
+                              <a:alpha val="100000"/>
+                            </a:srgbClr>
+                          </a:solidFill>
+                          <a:latin typeface="Times New Roman"/>
+                          <a:ea typeface="Times New Roman"/>
+                          <a:cs typeface="Times New Roman"/>
+                        </a:rPr>
+                        <a:t/>
+                      </a:r>
+                      <a:r>
+                        <a:rPr sz="1300" i="true">
+                          <a:solidFill>
+                            <a:srgbClr val="000000">
+                              <a:alpha val="100000"/>
+                            </a:srgbClr>
+                          </a:solidFill>
+                          <a:latin typeface="Times New Roman"/>
+                          <a:ea typeface="Times New Roman"/>
+                          <a:cs typeface="Times New Roman"/>
+                        </a:rPr>
+                        <a:t>Y</a:t>
+                      </a:r>
+                    </a:p>
+                  </a:txBody>
+                  <a:tcPr marL="0" marR="0" marT="0" marB="0" anchor="ctr">
+                    <a:lnL w="12700" cap="flat" cmpd="sng" algn="ctr">
+                      <a:noFill/>
+                      <a:prstDash val="solid"/>
+                      <a:round/>
+                      <a:headEnd type="none" w="med" len="med"/>
+                      <a:tailEnd type="none" w="med" len="med"/>
+                    </a:lnL>
+                    <a:lnR w="12700" cap="flat" cmpd="sng" algn="ctr">
+                      <a:noFill/>
+                      <a:prstDash val="solid"/>
+                      <a:round/>
+                      <a:headEnd type="none" w="med" len="med"/>
+                      <a:tailEnd type="none" w="med" len="med"/>
+                    </a:lnR>
+                    <a:lnT w="12700" cap="flat" cmpd="sng" algn="ctr">
+                      <a:noFill/>
+                      <a:prstDash val="solid"/>
+                      <a:round/>
+                      <a:headEnd type="none" w="med" len="med"/>
+                      <a:tailEnd type="none" w="med" len="med"/>
+                    </a:lnT>
+                    <a:lnB w="12700" cap="flat" cmpd="sng" algn="ctr">
+                      <a:noFill/>
+                      <a:prstDash val="solid"/>
+                      <a:round/>
+                      <a:headEnd type="none" w="med" len="med"/>
+                      <a:tailEnd type="none" w="med" len="med"/>
+                    </a:lnB>
+                    <a:solidFill>
+                      <a:srgbClr val="FFFFFF">
+                        <a:alpha val="100000"/>
+                      </a:srgbClr>
+                    </a:solidFill>
+                  </a:tcPr>
+                </a:tc>
+                <a:tc>
+                  <a:txBody>
+                    <a:bodyPr/>
+                    <a:lstStyle/>
+                    <a:p>
+                      <a:pPr marL="50800" marR="50800" indent="0" algn="r">
+                        <a:spcBef>
+                          <a:spcPts val="100"/>
+                        </a:spcBef>
+                        <a:spcAft>
+                          <a:spcPts val="100"/>
+                        </a:spcAft>
+                        <a:buNone/>
+                      </a:pPr>
+                      <a:r>
+                        <a:rPr sz="1300" i="true">
+                          <a:solidFill>
+                            <a:srgbClr val="000000">
+                              <a:alpha val="100000"/>
+                            </a:srgbClr>
+                          </a:solidFill>
+                          <a:latin typeface="Times New Roman"/>
+                          <a:ea typeface="Times New Roman"/>
+                          <a:cs typeface="Times New Roman"/>
+                        </a:rPr>
+                        <a:t/>
+                      </a:r>
+                      <a:r>
+                        <a:rPr sz="1300" i="true">
+                          <a:solidFill>
+                            <a:srgbClr val="000000">
+                              <a:alpha val="100000"/>
+                            </a:srgbClr>
+                          </a:solidFill>
+                          <a:latin typeface="Times New Roman"/>
+                          <a:ea typeface="Times New Roman"/>
+                          <a:cs typeface="Times New Roman"/>
+                        </a:rPr>
+                        <a:t>20.50</a:t>
+                      </a:r>
+                    </a:p>
+                  </a:txBody>
+                  <a:tcPr marL="0" marR="0" marT="0" marB="0" anchor="ctr">
+                    <a:lnL w="12700" cap="flat" cmpd="sng" algn="ctr">
+                      <a:noFill/>
+                      <a:prstDash val="solid"/>
+                      <a:round/>
+                      <a:headEnd type="none" w="med" len="med"/>
+                      <a:tailEnd type="none" w="med" len="med"/>
+                    </a:lnL>
+                    <a:lnR w="12700" cap="flat" cmpd="sng" algn="ctr">
+                      <a:noFill/>
+                      <a:prstDash val="solid"/>
+                      <a:round/>
+                      <a:headEnd type="none" w="med" len="med"/>
+                      <a:tailEnd type="none" w="med" len="med"/>
+                    </a:lnR>
+                    <a:lnT w="12700" cap="flat" cmpd="sng" algn="ctr">
+                      <a:noFill/>
+                      <a:prstDash val="solid"/>
+                      <a:round/>
+                      <a:headEnd type="none" w="med" len="med"/>
+                      <a:tailEnd type="none" w="med" len="med"/>
+                    </a:lnT>
+                    <a:lnB w="12700" cap="flat" cmpd="sng" algn="ctr">
+                      <a:noFill/>
+                      <a:prstDash val="solid"/>
+                      <a:round/>
+                      <a:headEnd type="none" w="med" len="med"/>
+                      <a:tailEnd type="none" w="med" len="med"/>
+                    </a:lnB>
+                    <a:solidFill>
+                      <a:srgbClr val="FFFFFF">
+                        <a:alpha val="100000"/>
+                      </a:srgbClr>
+                    </a:solidFill>
+                  </a:tcPr>
+                </a:tc>
+                <a:tc>
+                  <a:txBody>
+                    <a:bodyPr/>
+                    <a:lstStyle/>
+                    <a:p>
+                      <a:pPr marL="50800" marR="50800" indent="0" algn="r">
+                        <a:spcBef>
+                          <a:spcPts val="100"/>
+                        </a:spcBef>
+                        <a:spcAft>
+                          <a:spcPts val="100"/>
+                        </a:spcAft>
+                        <a:buNone/>
+                      </a:pPr>
+                      <a:r>
+                        <a:rPr sz="1300" i="true">
+                          <a:solidFill>
+                            <a:srgbClr val="000000">
+                              <a:alpha val="100000"/>
+                            </a:srgbClr>
+                          </a:solidFill>
+                          <a:latin typeface="Times New Roman"/>
+                          <a:ea typeface="Times New Roman"/>
+                          <a:cs typeface="Times New Roman"/>
+                        </a:rPr>
+                        <a:t/>
+                      </a:r>
+                      <a:r>
+                        <a:rPr sz="1300" i="true">
+                          <a:solidFill>
+                            <a:srgbClr val="000000">
+                              <a:alpha val="100000"/>
+                            </a:srgbClr>
+                          </a:solidFill>
+                          <a:latin typeface="Times New Roman"/>
+                          <a:ea typeface="Times New Roman"/>
+                          <a:cs typeface="Times New Roman"/>
+                        </a:rPr>
+                        <a:t>21.00</a:t>
+                      </a:r>
+                    </a:p>
+                  </a:txBody>
+                  <a:tcPr marL="0" marR="0" marT="0" marB="0" anchor="ctr">
+                    <a:lnL w="12700" cap="flat" cmpd="sng" algn="ctr">
+                      <a:noFill/>
+                      <a:prstDash val="solid"/>
+                      <a:round/>
+                      <a:headEnd type="none" w="med" len="med"/>
+                      <a:tailEnd type="none" w="med" len="med"/>
+                    </a:lnL>
+                    <a:lnR w="12700" cap="flat" cmpd="sng" algn="ctr">
+                      <a:noFill/>
+                      <a:prstDash val="solid"/>
+                      <a:round/>
+                      <a:headEnd type="none" w="med" len="med"/>
+                      <a:tailEnd type="none" w="med" len="med"/>
+                    </a:lnR>
+                    <a:lnT w="12700" cap="flat" cmpd="sng" algn="ctr">
+                      <a:noFill/>
+                      <a:prstDash val="solid"/>
+                      <a:round/>
+                      <a:headEnd type="none" w="med" len="med"/>
+                      <a:tailEnd type="none" w="med" len="med"/>
+                    </a:lnT>
+                    <a:lnB w="12700" cap="flat" cmpd="sng" algn="ctr">
+                      <a:noFill/>
+                      <a:prstDash val="solid"/>
+                      <a:round/>
+                      <a:headEnd type="none" w="med" len="med"/>
+                      <a:tailEnd type="none" w="med" len="med"/>
+                    </a:lnB>
+                    <a:solidFill>
+                      <a:srgbClr val="FFFFFF">
+                        <a:alpha val="100000"/>
+                      </a:srgbClr>
+                    </a:solidFill>
+                  </a:tcPr>
+                </a:tc>
+              </a:tr>
+              <a:tr h="0">
+                <a:tc>
+                  <a:txBody>
+                    <a:bodyPr/>
+                    <a:lstStyle/>
+                    <a:p>
+                      <a:pPr marL="50800" marR="50800" indent="0" algn="r">
+                        <a:spcBef>
+                          <a:spcPts val="100"/>
+                        </a:spcBef>
+                        <a:spcAft>
+                          <a:spcPts val="100"/>
+                        </a:spcAft>
+                        <a:buNone/>
+                      </a:pPr>
+                      <a:r>
+                        <a:rPr sz="1300" i="true">
+                          <a:solidFill>
+                            <a:srgbClr val="000000">
+                              <a:alpha val="100000"/>
+                            </a:srgbClr>
+                          </a:solidFill>
+                          <a:latin typeface="Times New Roman"/>
+                          <a:ea typeface="Times New Roman"/>
+                          <a:cs typeface="Times New Roman"/>
+                        </a:rPr>
+                        <a:t/>
+                      </a:r>
+                      <a:r>
+                        <a:rPr sz="1300" i="true">
+                          <a:solidFill>
+                            <a:srgbClr val="000000">
+                              <a:alpha val="100000"/>
+                            </a:srgbClr>
+                          </a:solidFill>
+                          <a:latin typeface="Times New Roman"/>
+                          <a:ea typeface="Times New Roman"/>
+                          <a:cs typeface="Times New Roman"/>
+                        </a:rPr>
+                        <a:t/>
+                      </a:r>
+                    </a:p>
+                  </a:txBody>
+                  <a:tcPr marL="0" marR="0" marT="0" marB="0" anchor="ctr">
+                    <a:lnL w="12700" cap="flat" cmpd="sng" algn="ctr">
+                      <a:noFill/>
+                      <a:prstDash val="solid"/>
+                      <a:round/>
+                      <a:headEnd type="none" w="med" len="med"/>
+                      <a:tailEnd type="none" w="med" len="med"/>
+                    </a:lnL>
+                    <a:lnR w="12700" cap="flat" cmpd="sng" algn="ctr">
+                      <a:noFill/>
+                      <a:prstDash val="solid"/>
+                      <a:round/>
+                      <a:headEnd type="none" w="med" len="med"/>
+                      <a:tailEnd type="none" w="med" len="med"/>
+                    </a:lnR>
+                    <a:lnT w="12700" cap="flat" cmpd="sng" algn="ctr">
+                      <a:noFill/>
+                      <a:prstDash val="solid"/>
+                      <a:round/>
+                      <a:headEnd type="none" w="med" len="med"/>
+                      <a:tailEnd type="none" w="med" len="med"/>
+                    </a:lnT>
+                    <a:lnB w="25400">
+                      <a:solidFill>
+                        <a:srgbClr val="000000">
+                          <a:alpha val="100000"/>
+                        </a:srgbClr>
+                      </a:solidFill>
+                      <a:prstDash val="solid"/>
+                    </a:lnB>
+                    <a:solidFill>
+                      <a:srgbClr val="EEEEEE">
+                        <a:alpha val="100000"/>
+                      </a:srgbClr>
+                    </a:solidFill>
+                  </a:tcPr>
+                </a:tc>
+                <a:tc>
+                  <a:txBody>
+                    <a:bodyPr/>
+                    <a:lstStyle/>
+                    <a:p>
+                      <a:pPr marL="50800" marR="50800" indent="0" algn="r">
+                        <a:spcBef>
+                          <a:spcPts val="100"/>
+                        </a:spcBef>
+                        <a:spcAft>
+                          <a:spcPts val="100"/>
+                        </a:spcAft>
+                        <a:buNone/>
+                      </a:pPr>
+                      <a:r>
+                        <a:rPr sz="1300" i="true">
+                          <a:solidFill>
+                            <a:srgbClr val="000000">
+                              <a:alpha val="100000"/>
+                            </a:srgbClr>
+                          </a:solidFill>
+                          <a:latin typeface="Times New Roman"/>
+                          <a:ea typeface="Times New Roman"/>
+                          <a:cs typeface="Times New Roman"/>
+                        </a:rPr>
+                        <a:t/>
+                      </a:r>
+                      <a:r>
+                        <a:rPr sz="1300" i="true">
+                          <a:solidFill>
+                            <a:srgbClr val="000000">
+                              <a:alpha val="100000"/>
+                            </a:srgbClr>
+                          </a:solidFill>
+                          <a:latin typeface="Times New Roman"/>
+                          <a:ea typeface="Times New Roman"/>
+                          <a:cs typeface="Times New Roman"/>
+                        </a:rPr>
+                        <a:t>23.30</a:t>
+                      </a:r>
+                    </a:p>
+                  </a:txBody>
+                  <a:tcPr marL="0" marR="0" marT="0" marB="0" anchor="ctr">
+                    <a:lnL w="12700" cap="flat" cmpd="sng" algn="ctr">
+                      <a:noFill/>
+                      <a:prstDash val="solid"/>
+                      <a:round/>
+                      <a:headEnd type="none" w="med" len="med"/>
+                      <a:tailEnd type="none" w="med" len="med"/>
+                    </a:lnL>
+                    <a:lnR w="12700" cap="flat" cmpd="sng" algn="ctr">
+                      <a:noFill/>
+                      <a:prstDash val="solid"/>
+                      <a:round/>
+                      <a:headEnd type="none" w="med" len="med"/>
+                      <a:tailEnd type="none" w="med" len="med"/>
+                    </a:lnR>
+                    <a:lnT w="12700" cap="flat" cmpd="sng" algn="ctr">
+                      <a:noFill/>
+                      <a:prstDash val="solid"/>
+                      <a:round/>
+                      <a:headEnd type="none" w="med" len="med"/>
+                      <a:tailEnd type="none" w="med" len="med"/>
+                    </a:lnT>
+                    <a:lnB w="25400">
+                      <a:solidFill>
+                        <a:srgbClr val="000000">
+                          <a:alpha val="100000"/>
+                        </a:srgbClr>
+                      </a:solidFill>
+                      <a:prstDash val="solid"/>
+                    </a:lnB>
+                    <a:solidFill>
+                      <a:srgbClr val="EEEEEE">
+                        <a:alpha val="100000"/>
+                      </a:srgbClr>
+                    </a:solidFill>
+                  </a:tcPr>
+                </a:tc>
+                <a:tc>
+                  <a:txBody>
+                    <a:bodyPr/>
+                    <a:lstStyle/>
+                    <a:p>
+                      <a:pPr marL="50800" marR="50800" indent="0" algn="r">
+                        <a:spcBef>
+                          <a:spcPts val="100"/>
+                        </a:spcBef>
+                        <a:spcAft>
+                          <a:spcPts val="100"/>
+                        </a:spcAft>
+                        <a:buNone/>
+                      </a:pPr>
+                      <a:r>
+                        <a:rPr sz="1300" i="true">
+                          <a:solidFill>
+                            <a:srgbClr val="000000">
+                              <a:alpha val="100000"/>
+                            </a:srgbClr>
+                          </a:solidFill>
+                          <a:latin typeface="Times New Roman"/>
+                          <a:ea typeface="Times New Roman"/>
+                          <a:cs typeface="Times New Roman"/>
+                        </a:rPr>
+                        <a:t/>
+                      </a:r>
+                      <a:r>
+                        <a:rPr sz="1300" i="true">
+                          <a:solidFill>
+                            <a:srgbClr val="000000">
+                              <a:alpha val="100000"/>
+                            </a:srgbClr>
+                          </a:solidFill>
+                          <a:latin typeface="Times New Roman"/>
+                          <a:ea typeface="Times New Roman"/>
+                          <a:cs typeface="Times New Roman"/>
+                        </a:rPr>
+                        <a:t>21.50</a:t>
+                      </a:r>
+                    </a:p>
+                  </a:txBody>
+                  <a:tcPr marL="0" marR="0" marT="0" marB="0" anchor="ctr">
+                    <a:lnL w="12700" cap="flat" cmpd="sng" algn="ctr">
+                      <a:noFill/>
+                      <a:prstDash val="solid"/>
+                      <a:round/>
+                      <a:headEnd type="none" w="med" len="med"/>
+                      <a:tailEnd type="none" w="med" len="med"/>
+                    </a:lnL>
+                    <a:lnR w="12700" cap="flat" cmpd="sng" algn="ctr">
+                      <a:noFill/>
+                      <a:prstDash val="solid"/>
+                      <a:round/>
+                      <a:headEnd type="none" w="med" len="med"/>
+                      <a:tailEnd type="none" w="med" len="med"/>
+                    </a:lnR>
+                    <a:lnT w="12700" cap="flat" cmpd="sng" algn="ctr">
+                      <a:noFill/>
+                      <a:prstDash val="solid"/>
+                      <a:round/>
+                      <a:headEnd type="none" w="med" len="med"/>
+                      <a:tailEnd type="none" w="med" len="med"/>
+                    </a:lnT>
+                    <a:lnB w="25400">
+                      <a:solidFill>
+                        <a:srgbClr val="000000">
+                          <a:alpha val="100000"/>
+                        </a:srgbClr>
+                      </a:solidFill>
+                      <a:prstDash val="solid"/>
+                    </a:lnB>
+                    <a:solidFill>
+                      <a:srgbClr val="EEEEEE">
+                        <a:alpha val="100000"/>
+                      </a:srgbClr>
+                    </a:solidFill>
+                  </a:tcPr>
+                </a:tc>
+              </a:tr>
+            </a:tbl>
+          </a:graphicData>
+        </a:graphic>
+      </p:graphicFrame>
+      <p:graphicFrame>
+        <p:nvGraphicFramePr>
+          <p:cNvPr id="5" name="nvGraphicFrame 5"/>
+          <p:cNvGraphicFramePr>
+            <a:graphicFrameLocks noGrp="true"/>
+          </p:cNvGraphicFramePr>
+          <p:nvPr/>
+        </p:nvGraphicFramePr>
+        <p:xfrm rot="0">
+          <a:off x="7315200" y="5029200"/>
+          <a:ext cx="9144000" cy="3657600"/>
+        </p:xfrm>
+        <a:graphic>
+          <a:graphicData uri="http://schemas.openxmlformats.org/drawingml/2006/table">
+            <a:tbl>
+              <a:tblPr/>
+              <a:tblGrid>
+                <a:gridCol w="1219200"/>
+                <a:gridCol w="1219200"/>
+                <a:gridCol w="1219200"/>
+              </a:tblGrid>
+              <a:tr h="0">
+                <a:tc>
+                  <a:txBody>
+                    <a:bodyPr/>
+                    <a:lstStyle/>
+                    <a:p>
+                      <a:pPr marL="50800" marR="50800" indent="0" algn="r">
+                        <a:spcBef>
+                          <a:spcPts val="100"/>
+                        </a:spcBef>
+                        <a:spcAft>
+                          <a:spcPts val="100"/>
+                        </a:spcAft>
+                        <a:buNone/>
+                      </a:pPr>
+                      <a:r>
+                        <a:rPr sz="1100" b="true">
+                          <a:solidFill>
+                            <a:srgbClr val="000000">
+                              <a:alpha val="100000"/>
+                            </a:srgbClr>
+                          </a:solidFill>
+                          <a:latin typeface="Times New Roman"/>
+                          <a:ea typeface="Times New Roman"/>
+                          <a:cs typeface="Times New Roman"/>
+                        </a:rPr>
+                        <a:t>bb</a:t>
+                      </a:r>
+                    </a:p>
+                  </a:txBody>
+                  <a:tcPr marL="0" marR="0" marT="0" marB="0" anchor="ctr">
+                    <a:lnL w="12700" cap="flat" cmpd="sng" algn="ctr">
+                      <a:noFill/>
+                      <a:prstDash val="solid"/>
+                      <a:round/>
+                      <a:headEnd type="none" w="med" len="med"/>
+                      <a:tailEnd type="none" w="med" len="med"/>
+                    </a:lnL>
+                    <a:lnR w="12700" cap="flat" cmpd="sng" algn="ctr">
+                      <a:noFill/>
+                      <a:prstDash val="solid"/>
+                      <a:round/>
+                      <a:headEnd type="none" w="med" len="med"/>
+                      <a:tailEnd type="none" w="med" len="med"/>
+                    </a:lnR>
+                    <a:lnT w="25400">
+                      <a:solidFill>
+                        <a:srgbClr val="000000">
+                          <a:alpha val="100000"/>
+                        </a:srgbClr>
+                      </a:solidFill>
+                      <a:prstDash val="solid"/>
+                    </a:lnT>
+                    <a:lnB w="25400">
+                      <a:solidFill>
+                        <a:srgbClr val="000000">
+                          <a:alpha val="100000"/>
+                        </a:srgbClr>
+                      </a:solidFill>
+                      <a:prstDash val="solid"/>
+                    </a:lnB>
+                    <a:solidFill>
+                      <a:srgbClr val="FFFFFF">
+                        <a:alpha val="0"/>
+                      </a:srgbClr>
+                    </a:solidFill>
+                  </a:tcPr>
+                </a:tc>
+                <a:tc>
+                  <a:txBody>
+                    <a:bodyPr/>
+                    <a:lstStyle/>
+                    <a:p>
+                      <a:pPr marL="50800" marR="50800" indent="0" algn="r">
+                        <a:spcBef>
+                          <a:spcPts val="100"/>
+                        </a:spcBef>
+                        <a:spcAft>
+                          <a:spcPts val="100"/>
+                        </a:spcAft>
+                        <a:buNone/>
+                      </a:pPr>
+                      <a:r>
+                        <a:rPr sz="1100" b="true">
+                          <a:solidFill>
+                            <a:srgbClr val="000000">
+                              <a:alpha val="100000"/>
+                            </a:srgbClr>
+                          </a:solidFill>
+                          <a:latin typeface="Times New Roman"/>
+                          <a:ea typeface="Times New Roman"/>
+                          <a:cs typeface="Times New Roman"/>
+                        </a:rPr>
+                        <a:t>mean - mpg</a:t>
+                      </a:r>
+                    </a:p>
+                  </a:txBody>
+                  <a:tcPr marL="0" marR="0" marT="0" marB="0" anchor="ctr">
+                    <a:lnL w="12700" cap="flat" cmpd="sng" algn="ctr">
+                      <a:noFill/>
+                      <a:prstDash val="solid"/>
+                      <a:round/>
+                      <a:headEnd type="none" w="med" len="med"/>
+                      <a:tailEnd type="none" w="med" len="med"/>
+                    </a:lnL>
+                    <a:lnR w="12700" cap="flat" cmpd="sng" algn="ctr">
+                      <a:noFill/>
+                      <a:prstDash val="solid"/>
+                      <a:round/>
+                      <a:headEnd type="none" w="med" len="med"/>
+                      <a:tailEnd type="none" w="med" len="med"/>
+                    </a:lnR>
+                    <a:lnT w="25400">
+                      <a:solidFill>
+                        <a:srgbClr val="000000">
+                          <a:alpha val="100000"/>
+                        </a:srgbClr>
+                      </a:solidFill>
+                      <a:prstDash val="solid"/>
+                    </a:lnT>
+                    <a:lnB w="25400">
+                      <a:solidFill>
+                        <a:srgbClr val="000000">
+                          <a:alpha val="100000"/>
+                        </a:srgbClr>
+                      </a:solidFill>
+                      <a:prstDash val="solid"/>
+                    </a:lnB>
+                    <a:solidFill>
+                      <a:srgbClr val="FFFFFF">
+                        <a:alpha val="0"/>
+                      </a:srgbClr>
+                    </a:solidFill>
+                  </a:tcPr>
+                </a:tc>
+                <a:tc>
+                  <a:txBody>
+                    <a:bodyPr/>
+                    <a:lstStyle/>
+                    <a:p>
+                      <a:pPr marL="50800" marR="50800" indent="0" algn="r">
+                        <a:spcBef>
+                          <a:spcPts val="100"/>
+                        </a:spcBef>
+                        <a:spcAft>
+                          <a:spcPts val="100"/>
+                        </a:spcAft>
+                        <a:buNone/>
+                      </a:pPr>
+                      <a:r>
+                        <a:rPr sz="1100" b="true">
+                          <a:solidFill>
+                            <a:srgbClr val="000000">
+                              <a:alpha val="100000"/>
+                            </a:srgbClr>
+                          </a:solidFill>
+                          <a:latin typeface="Times New Roman"/>
+                          <a:ea typeface="Times New Roman"/>
+                          <a:cs typeface="Times New Roman"/>
+                        </a:rPr>
+                        <a:t>median - mpg</a:t>
+                      </a:r>
+                    </a:p>
+                  </a:txBody>
+                  <a:tcPr marL="0" marR="0" marT="0" marB="0" anchor="ctr">
+                    <a:lnL w="12700" cap="flat" cmpd="sng" algn="ctr">
+                      <a:noFill/>
+                      <a:prstDash val="solid"/>
+                      <a:round/>
+                      <a:headEnd type="none" w="med" len="med"/>
+                      <a:tailEnd type="none" w="med" len="med"/>
+                    </a:lnL>
+                    <a:lnR w="12700" cap="flat" cmpd="sng" algn="ctr">
+                      <a:noFill/>
+                      <a:prstDash val="solid"/>
+                      <a:round/>
+                      <a:headEnd type="none" w="med" len="med"/>
+                      <a:tailEnd type="none" w="med" len="med"/>
+                    </a:lnR>
+                    <a:lnT w="25400">
+                      <a:solidFill>
+                        <a:srgbClr val="000000">
+                          <a:alpha val="100000"/>
+                        </a:srgbClr>
+                      </a:solidFill>
+                      <a:prstDash val="solid"/>
+                    </a:lnT>
+                    <a:lnB w="25400">
+                      <a:solidFill>
+                        <a:srgbClr val="000000">
+                          <a:alpha val="100000"/>
+                        </a:srgbClr>
+                      </a:solidFill>
+                      <a:prstDash val="solid"/>
+                    </a:lnB>
+                    <a:solidFill>
+                      <a:srgbClr val="FFFFFF">
+                        <a:alpha val="0"/>
+                      </a:srgbClr>
+                    </a:solidFill>
+                  </a:tcPr>
+                </a:tc>
+              </a:tr>
+              <a:tr h="0">
+                <a:tc>
+                  <a:txBody>
+                    <a:bodyPr/>
+                    <a:lstStyle/>
+                    <a:p>
+                      <a:pPr marL="50800" marR="50800" indent="0" algn="r">
+                        <a:spcBef>
+                          <a:spcPts val="100"/>
+                        </a:spcBef>
+                        <a:spcAft>
+                          <a:spcPts val="100"/>
+                        </a:spcAft>
+                        <a:buNone/>
+                      </a:pPr>
+                      <a:r>
+                        <a:rPr sz="1400" i="true">
+                          <a:solidFill>
+                            <a:srgbClr val="000000">
+                              <a:alpha val="100000"/>
+                            </a:srgbClr>
+                          </a:solidFill>
+                          <a:latin typeface="Times New Roman"/>
+                          <a:ea typeface="Times New Roman"/>
+                          <a:cs typeface="Times New Roman"/>
+                        </a:rPr>
+                        <a:t/>
+                      </a:r>
+                      <a:r>
+                        <a:rPr sz="1400" i="true">
+                          <a:solidFill>
+                            <a:srgbClr val="000000">
+                              <a:alpha val="100000"/>
+                            </a:srgbClr>
+                          </a:solidFill>
+                          <a:latin typeface="Times New Roman"/>
+                          <a:ea typeface="Times New Roman"/>
+                          <a:cs typeface="Times New Roman"/>
+                        </a:rPr>
+                        <a:t>A</a:t>
+                      </a:r>
+                    </a:p>
+                  </a:txBody>
+                  <a:tcPr marL="0" marR="0" marT="0" marB="0" anchor="ctr">
+                    <a:lnL w="12700" cap="flat" cmpd="sng" algn="ctr">
+                      <a:noFill/>
+                      <a:prstDash val="solid"/>
+                      <a:round/>
+                      <a:headEnd type="none" w="med" len="med"/>
+                      <a:tailEnd type="none" w="med" len="med"/>
+                    </a:lnL>
+                    <a:lnR w="12700" cap="flat" cmpd="sng" algn="ctr">
+                      <a:noFill/>
+                      <a:prstDash val="solid"/>
+                      <a:round/>
+                      <a:headEnd type="none" w="med" len="med"/>
+                      <a:tailEnd type="none" w="med" len="med"/>
+                    </a:lnR>
+                    <a:lnT w="25400">
+                      <a:solidFill>
+                        <a:srgbClr val="000000">
+                          <a:alpha val="100000"/>
+                        </a:srgbClr>
+                      </a:solidFill>
+                      <a:prstDash val="solid"/>
+                    </a:lnT>
+                    <a:lnB w="12700" cap="flat" cmpd="sng" algn="ctr">
+                      <a:noFill/>
+                      <a:prstDash val="solid"/>
+                      <a:round/>
+                      <a:headEnd type="none" w="med" len="med"/>
+                      <a:tailEnd type="none" w="med" len="med"/>
+                    </a:lnB>
+                    <a:solidFill>
+                      <a:srgbClr val="EEEEEE">
+                        <a:alpha val="100000"/>
+                      </a:srgbClr>
+                    </a:solidFill>
+                  </a:tcPr>
+                </a:tc>
+                <a:tc>
+                  <a:txBody>
+                    <a:bodyPr/>
+                    <a:lstStyle/>
+                    <a:p>
+                      <a:pPr marL="50800" marR="50800" indent="0" algn="r">
+                        <a:spcBef>
+                          <a:spcPts val="100"/>
+                        </a:spcBef>
+                        <a:spcAft>
+                          <a:spcPts val="100"/>
+                        </a:spcAft>
+                        <a:buNone/>
+                      </a:pPr>
+                      <a:r>
+                        <a:rPr sz="1400" i="true">
+                          <a:solidFill>
+                            <a:srgbClr val="000000">
+                              <a:alpha val="100000"/>
+                            </a:srgbClr>
+                          </a:solidFill>
+                          <a:latin typeface="Times New Roman"/>
+                          <a:ea typeface="Times New Roman"/>
+                          <a:cs typeface="Times New Roman"/>
+                        </a:rPr>
+                        <a:t/>
+                      </a:r>
+                      <a:r>
+                        <a:rPr sz="1400" i="true">
+                          <a:solidFill>
+                            <a:srgbClr val="000000">
+                              <a:alpha val="100000"/>
+                            </a:srgbClr>
+                          </a:solidFill>
+                          <a:latin typeface="Times New Roman"/>
+                          <a:ea typeface="Times New Roman"/>
+                          <a:cs typeface="Times New Roman"/>
+                        </a:rPr>
+                        <a:t>20.72</a:t>
+                      </a:r>
+                    </a:p>
+                  </a:txBody>
+                  <a:tcPr marL="0" marR="0" marT="0" marB="0" anchor="ctr">
+                    <a:lnL w="12700" cap="flat" cmpd="sng" algn="ctr">
+                      <a:noFill/>
+                      <a:prstDash val="solid"/>
+                      <a:round/>
+                      <a:headEnd type="none" w="med" len="med"/>
+                      <a:tailEnd type="none" w="med" len="med"/>
+                    </a:lnL>
+                    <a:lnR w="12700" cap="flat" cmpd="sng" algn="ctr">
+                      <a:noFill/>
+                      <a:prstDash val="solid"/>
+                      <a:round/>
+                      <a:headEnd type="none" w="med" len="med"/>
+                      <a:tailEnd type="none" w="med" len="med"/>
+                    </a:lnR>
+                    <a:lnT w="25400">
+                      <a:solidFill>
+                        <a:srgbClr val="000000">
+                          <a:alpha val="100000"/>
+                        </a:srgbClr>
+                      </a:solidFill>
+                      <a:prstDash val="solid"/>
+                    </a:lnT>
+                    <a:lnB w="12700" cap="flat" cmpd="sng" algn="ctr">
+                      <a:noFill/>
+                      <a:prstDash val="solid"/>
+                      <a:round/>
+                      <a:headEnd type="none" w="med" len="med"/>
+                      <a:tailEnd type="none" w="med" len="med"/>
+                    </a:lnB>
+                    <a:solidFill>
+                      <a:srgbClr val="EEEEEE">
+                        <a:alpha val="100000"/>
+                      </a:srgbClr>
+                    </a:solidFill>
+                  </a:tcPr>
+                </a:tc>
+                <a:tc>
+                  <a:txBody>
+                    <a:bodyPr/>
+                    <a:lstStyle/>
+                    <a:p>
+                      <a:pPr marL="50800" marR="50800" indent="0" algn="r">
+                        <a:spcBef>
+                          <a:spcPts val="100"/>
+                        </a:spcBef>
+                        <a:spcAft>
+                          <a:spcPts val="100"/>
+                        </a:spcAft>
+                        <a:buNone/>
+                      </a:pPr>
+                      <a:r>
+                        <a:rPr sz="1400" i="true">
+                          <a:solidFill>
+                            <a:srgbClr val="000000">
+                              <a:alpha val="100000"/>
+                            </a:srgbClr>
+                          </a:solidFill>
+                          <a:latin typeface="Times New Roman"/>
+                          <a:ea typeface="Times New Roman"/>
+                          <a:cs typeface="Times New Roman"/>
+                        </a:rPr>
+                        <a:t/>
+                      </a:r>
+                      <a:r>
+                        <a:rPr sz="1400" i="true">
+                          <a:solidFill>
+                            <a:srgbClr val="000000">
+                              <a:alpha val="100000"/>
+                            </a:srgbClr>
+                          </a:solidFill>
+                          <a:latin typeface="Times New Roman"/>
+                          <a:ea typeface="Times New Roman"/>
+                          <a:cs typeface="Times New Roman"/>
+                        </a:rPr>
+                        <a:t>19.7</a:t>
+                      </a:r>
+                    </a:p>
+                  </a:txBody>
+                  <a:tcPr marL="0" marR="0" marT="0" marB="0" anchor="ctr">
+                    <a:lnL w="12700" cap="flat" cmpd="sng" algn="ctr">
+                      <a:noFill/>
+                      <a:prstDash val="solid"/>
+                      <a:round/>
+                      <a:headEnd type="none" w="med" len="med"/>
+                      <a:tailEnd type="none" w="med" len="med"/>
+                    </a:lnL>
+                    <a:lnR w="12700" cap="flat" cmpd="sng" algn="ctr">
+                      <a:noFill/>
+                      <a:prstDash val="solid"/>
+                      <a:round/>
+                      <a:headEnd type="none" w="med" len="med"/>
+                      <a:tailEnd type="none" w="med" len="med"/>
+                    </a:lnR>
+                    <a:lnT w="25400">
+                      <a:solidFill>
+                        <a:srgbClr val="000000">
+                          <a:alpha val="100000"/>
+                        </a:srgbClr>
+                      </a:solidFill>
+                      <a:prstDash val="solid"/>
+                    </a:lnT>
+                    <a:lnB w="12700" cap="flat" cmpd="sng" algn="ctr">
+                      <a:noFill/>
+                      <a:prstDash val="solid"/>
+                      <a:round/>
+                      <a:headEnd type="none" w="med" len="med"/>
+                      <a:tailEnd type="none" w="med" len="med"/>
+                    </a:lnB>
+                    <a:solidFill>
+                      <a:srgbClr val="EEEEEE">
+                        <a:alpha val="100000"/>
+                      </a:srgbClr>
+                    </a:solidFill>
+                  </a:tcPr>
+                </a:tc>
+              </a:tr>
+              <a:tr h="0">
+                <a:tc>
+                  <a:txBody>
+                    <a:bodyPr/>
+                    <a:lstStyle/>
+                    <a:p>
+                      <a:pPr marL="50800" marR="50800" indent="0" algn="r">
+                        <a:spcBef>
+                          <a:spcPts val="100"/>
+                        </a:spcBef>
+                        <a:spcAft>
+                          <a:spcPts val="100"/>
+                        </a:spcAft>
+                        <a:buNone/>
+                      </a:pPr>
+                      <a:r>
+                        <a:rPr sz="1400" i="true">
+                          <a:solidFill>
+                            <a:srgbClr val="000000">
+                              <a:alpha val="100000"/>
+                            </a:srgbClr>
+                          </a:solidFill>
+                          <a:latin typeface="Times New Roman"/>
+                          <a:ea typeface="Times New Roman"/>
+                          <a:cs typeface="Times New Roman"/>
+                        </a:rPr>
+                        <a:t/>
+                      </a:r>
+                      <a:r>
+                        <a:rPr sz="1400" i="true">
+                          <a:solidFill>
+                            <a:srgbClr val="000000">
+                              <a:alpha val="100000"/>
+                            </a:srgbClr>
+                          </a:solidFill>
+                          <a:latin typeface="Times New Roman"/>
+                          <a:ea typeface="Times New Roman"/>
+                          <a:cs typeface="Times New Roman"/>
+                        </a:rPr>
+                        <a:t>B</a:t>
+                      </a:r>
+                    </a:p>
+                  </a:txBody>
+                  <a:tcPr marL="0" marR="0" marT="0" marB="0" anchor="ctr">
+                    <a:lnL w="12700" cap="flat" cmpd="sng" algn="ctr">
+                      <a:noFill/>
+                      <a:prstDash val="solid"/>
+                      <a:round/>
+                      <a:headEnd type="none" w="med" len="med"/>
+                      <a:tailEnd type="none" w="med" len="med"/>
+                    </a:lnL>
+                    <a:lnR w="12700" cap="flat" cmpd="sng" algn="ctr">
+                      <a:noFill/>
+                      <a:prstDash val="solid"/>
+                      <a:round/>
+                      <a:headEnd type="none" w="med" len="med"/>
+                      <a:tailEnd type="none" w="med" len="med"/>
+                    </a:lnR>
+                    <a:lnT w="12700" cap="flat" cmpd="sng" algn="ctr">
+                      <a:noFill/>
+                      <a:prstDash val="solid"/>
+                      <a:round/>
+                      <a:headEnd type="none" w="med" len="med"/>
+                      <a:tailEnd type="none" w="med" len="med"/>
+                    </a:lnT>
+                    <a:lnB w="12700" cap="flat" cmpd="sng" algn="ctr">
+                      <a:noFill/>
+                      <a:prstDash val="solid"/>
+                      <a:round/>
+                      <a:headEnd type="none" w="med" len="med"/>
+                      <a:tailEnd type="none" w="med" len="med"/>
+                    </a:lnB>
+                    <a:solidFill>
+                      <a:srgbClr val="FFFFFF">
+                        <a:alpha val="100000"/>
+                      </a:srgbClr>
+                    </a:solidFill>
+                  </a:tcPr>
+                </a:tc>
+                <a:tc>
+                  <a:txBody>
+                    <a:bodyPr/>
+                    <a:lstStyle/>
+                    <a:p>
+                      <a:pPr marL="50800" marR="50800" indent="0" algn="r">
+                        <a:spcBef>
+                          <a:spcPts val="100"/>
+                        </a:spcBef>
+                        <a:spcAft>
+                          <a:spcPts val="100"/>
+                        </a:spcAft>
+                        <a:buNone/>
+                      </a:pPr>
+                      <a:r>
+                        <a:rPr sz="1400" i="true">
+                          <a:solidFill>
+                            <a:srgbClr val="000000">
+                              <a:alpha val="100000"/>
+                            </a:srgbClr>
+                          </a:solidFill>
+                          <a:latin typeface="Times New Roman"/>
+                          <a:ea typeface="Times New Roman"/>
+                          <a:cs typeface="Times New Roman"/>
+                        </a:rPr>
+                        <a:t/>
+                      </a:r>
+                      <a:r>
+                        <a:rPr sz="1400" i="true">
+                          <a:solidFill>
+                            <a:srgbClr val="000000">
+                              <a:alpha val="100000"/>
+                            </a:srgbClr>
+                          </a:solidFill>
+                          <a:latin typeface="Times New Roman"/>
+                          <a:ea typeface="Times New Roman"/>
+                          <a:cs typeface="Times New Roman"/>
+                        </a:rPr>
+                        <a:t>18.20</a:t>
+                      </a:r>
+                    </a:p>
+                  </a:txBody>
+                  <a:tcPr marL="0" marR="0" marT="0" marB="0" anchor="ctr">
+                    <a:lnL w="12700" cap="flat" cmpd="sng" algn="ctr">
+                      <a:noFill/>
+                      <a:prstDash val="solid"/>
+                      <a:round/>
+                      <a:headEnd type="none" w="med" len="med"/>
+                      <a:tailEnd type="none" w="med" len="med"/>
+                    </a:lnL>
+                    <a:lnR w="12700" cap="flat" cmpd="sng" algn="ctr">
+                      <a:noFill/>
+                      <a:prstDash val="solid"/>
+                      <a:round/>
+                      <a:headEnd type="none" w="med" len="med"/>
+                      <a:tailEnd type="none" w="med" len="med"/>
+                    </a:lnR>
+                    <a:lnT w="12700" cap="flat" cmpd="sng" algn="ctr">
+                      <a:noFill/>
+                      <a:prstDash val="solid"/>
+                      <a:round/>
+                      <a:headEnd type="none" w="med" len="med"/>
+                      <a:tailEnd type="none" w="med" len="med"/>
+                    </a:lnT>
+                    <a:lnB w="12700" cap="flat" cmpd="sng" algn="ctr">
+                      <a:noFill/>
+                      <a:prstDash val="solid"/>
+                      <a:round/>
+                      <a:headEnd type="none" w="med" len="med"/>
+                      <a:tailEnd type="none" w="med" len="med"/>
+                    </a:lnB>
+                    <a:solidFill>
+                      <a:srgbClr val="FFFFFF">
+                        <a:alpha val="100000"/>
+                      </a:srgbClr>
+                    </a:solidFill>
+                  </a:tcPr>
+                </a:tc>
+                <a:tc>
+                  <a:txBody>
+                    <a:bodyPr/>
+                    <a:lstStyle/>
+                    <a:p>
+                      <a:pPr marL="50800" marR="50800" indent="0" algn="r">
+                        <a:spcBef>
+                          <a:spcPts val="100"/>
+                        </a:spcBef>
+                        <a:spcAft>
+                          <a:spcPts val="100"/>
+                        </a:spcAft>
+                        <a:buNone/>
+                      </a:pPr>
+                      <a:r>
+                        <a:rPr sz="1400" i="true">
+                          <a:solidFill>
+                            <a:srgbClr val="000000">
+                              <a:alpha val="100000"/>
+                            </a:srgbClr>
+                          </a:solidFill>
+                          <a:latin typeface="Times New Roman"/>
+                          <a:ea typeface="Times New Roman"/>
+                          <a:cs typeface="Times New Roman"/>
+                        </a:rPr>
+                        <a:t/>
+                      </a:r>
+                      <a:r>
+                        <a:rPr sz="1400" i="true">
+                          <a:solidFill>
+                            <a:srgbClr val="000000">
+                              <a:alpha val="100000"/>
+                            </a:srgbClr>
+                          </a:solidFill>
+                          <a:latin typeface="Times New Roman"/>
+                          <a:ea typeface="Times New Roman"/>
+                          <a:cs typeface="Times New Roman"/>
+                        </a:rPr>
+                        <a:t>18.2</a:t>
+                      </a:r>
+                    </a:p>
+                  </a:txBody>
+                  <a:tcPr marL="0" marR="0" marT="0" marB="0" anchor="ctr">
+                    <a:lnL w="12700" cap="flat" cmpd="sng" algn="ctr">
+                      <a:noFill/>
+                      <a:prstDash val="solid"/>
+                      <a:round/>
+                      <a:headEnd type="none" w="med" len="med"/>
+                      <a:tailEnd type="none" w="med" len="med"/>
+                    </a:lnL>
+                    <a:lnR w="12700" cap="flat" cmpd="sng" algn="ctr">
+                      <a:noFill/>
+                      <a:prstDash val="solid"/>
+                      <a:round/>
+                      <a:headEnd type="none" w="med" len="med"/>
+                      <a:tailEnd type="none" w="med" len="med"/>
+                    </a:lnR>
+                    <a:lnT w="12700" cap="flat" cmpd="sng" algn="ctr">
+                      <a:noFill/>
+                      <a:prstDash val="solid"/>
+                      <a:round/>
+                      <a:headEnd type="none" w="med" len="med"/>
+                      <a:tailEnd type="none" w="med" len="med"/>
+                    </a:lnT>
+                    <a:lnB w="12700" cap="flat" cmpd="sng" algn="ctr">
+                      <a:noFill/>
+                      <a:prstDash val="solid"/>
+                      <a:round/>
+                      <a:headEnd type="none" w="med" len="med"/>
+                      <a:tailEnd type="none" w="med" len="med"/>
+                    </a:lnB>
+                    <a:solidFill>
+                      <a:srgbClr val="FFFFFF">
+                        <a:alpha val="100000"/>
+                      </a:srgbClr>
+                    </a:solidFill>
+                  </a:tcPr>
+                </a:tc>
+              </a:tr>
+              <a:tr h="0">
+                <a:tc>
+                  <a:txBody>
+                    <a:bodyPr/>
+                    <a:lstStyle/>
+                    <a:p>
+                      <a:pPr marL="50800" marR="50800" indent="0" algn="r">
+                        <a:spcBef>
+                          <a:spcPts val="100"/>
+                        </a:spcBef>
+                        <a:spcAft>
+                          <a:spcPts val="100"/>
+                        </a:spcAft>
+                        <a:buNone/>
+                      </a:pPr>
+                      <a:r>
+                        <a:rPr sz="1400" i="true">
+                          <a:solidFill>
+                            <a:srgbClr val="000000">
+                              <a:alpha val="100000"/>
+                            </a:srgbClr>
+                          </a:solidFill>
+                          <a:latin typeface="Times New Roman"/>
+                          <a:ea typeface="Times New Roman"/>
+                          <a:cs typeface="Times New Roman"/>
+                        </a:rPr>
+                        <a:t/>
+                      </a:r>
+                      <a:r>
+                        <a:rPr sz="1400" i="true">
+                          <a:solidFill>
+                            <a:srgbClr val="000000">
+                              <a:alpha val="100000"/>
+                            </a:srgbClr>
+                          </a:solidFill>
+                          <a:latin typeface="Times New Roman"/>
+                          <a:ea typeface="Times New Roman"/>
+                          <a:cs typeface="Times New Roman"/>
+                        </a:rPr>
+                        <a:t>C</a:t>
+                      </a:r>
+                    </a:p>
+                  </a:txBody>
+                  <a:tcPr marL="0" marR="0" marT="0" marB="0" anchor="ctr">
+                    <a:lnL w="12700" cap="flat" cmpd="sng" algn="ctr">
+                      <a:noFill/>
+                      <a:prstDash val="solid"/>
+                      <a:round/>
+                      <a:headEnd type="none" w="med" len="med"/>
+                      <a:tailEnd type="none" w="med" len="med"/>
+                    </a:lnL>
+                    <a:lnR w="12700" cap="flat" cmpd="sng" algn="ctr">
+                      <a:noFill/>
+                      <a:prstDash val="solid"/>
+                      <a:round/>
+                      <a:headEnd type="none" w="med" len="med"/>
+                      <a:tailEnd type="none" w="med" len="med"/>
+                    </a:lnR>
+                    <a:lnT w="12700" cap="flat" cmpd="sng" algn="ctr">
+                      <a:noFill/>
+                      <a:prstDash val="solid"/>
+                      <a:round/>
+                      <a:headEnd type="none" w="med" len="med"/>
+                      <a:tailEnd type="none" w="med" len="med"/>
+                    </a:lnT>
+                    <a:lnB w="12700" cap="flat" cmpd="sng" algn="ctr">
+                      <a:noFill/>
+                      <a:prstDash val="solid"/>
+                      <a:round/>
+                      <a:headEnd type="none" w="med" len="med"/>
+                      <a:tailEnd type="none" w="med" len="med"/>
+                    </a:lnB>
+                    <a:solidFill>
+                      <a:srgbClr val="EEEEEE">
+                        <a:alpha val="100000"/>
+                      </a:srgbClr>
+                    </a:solidFill>
+                  </a:tcPr>
+                </a:tc>
+                <a:tc>
+                  <a:txBody>
+                    <a:bodyPr/>
+                    <a:lstStyle/>
+                    <a:p>
+                      <a:pPr marL="50800" marR="50800" indent="0" algn="r">
+                        <a:spcBef>
+                          <a:spcPts val="100"/>
+                        </a:spcBef>
+                        <a:spcAft>
+                          <a:spcPts val="100"/>
+                        </a:spcAft>
+                        <a:buNone/>
+                      </a:pPr>
+                      <a:r>
+                        <a:rPr sz="1400" i="true">
+                          <a:solidFill>
+                            <a:srgbClr val="000000">
+                              <a:alpha val="100000"/>
+                            </a:srgbClr>
+                          </a:solidFill>
+                          <a:latin typeface="Times New Roman"/>
+                          <a:ea typeface="Times New Roman"/>
+                          <a:cs typeface="Times New Roman"/>
+                        </a:rPr>
+                        <a:t/>
+                      </a:r>
+                      <a:r>
+                        <a:rPr sz="1400" i="true">
+                          <a:solidFill>
+                            <a:srgbClr val="000000">
+                              <a:alpha val="100000"/>
+                            </a:srgbClr>
+                          </a:solidFill>
+                          <a:latin typeface="Times New Roman"/>
+                          <a:ea typeface="Times New Roman"/>
+                          <a:cs typeface="Times New Roman"/>
+                        </a:rPr>
+                        <a:t>19.14</a:t>
+                      </a:r>
+                    </a:p>
+                  </a:txBody>
+                  <a:tcPr marL="0" marR="0" marT="0" marB="0" anchor="ctr">
+                    <a:lnL w="12700" cap="flat" cmpd="sng" algn="ctr">
+                      <a:noFill/>
+                      <a:prstDash val="solid"/>
+                      <a:round/>
+                      <a:headEnd type="none" w="med" len="med"/>
+                      <a:tailEnd type="none" w="med" len="med"/>
+                    </a:lnL>
+                    <a:lnR w="12700" cap="flat" cmpd="sng" algn="ctr">
+                      <a:noFill/>
+                      <a:prstDash val="solid"/>
+                      <a:round/>
+                      <a:headEnd type="none" w="med" len="med"/>
+                      <a:tailEnd type="none" w="med" len="med"/>
+                    </a:lnR>
+                    <a:lnT w="12700" cap="flat" cmpd="sng" algn="ctr">
+                      <a:noFill/>
+                      <a:prstDash val="solid"/>
+                      <a:round/>
+                      <a:headEnd type="none" w="med" len="med"/>
+                      <a:tailEnd type="none" w="med" len="med"/>
+                    </a:lnT>
+                    <a:lnB w="12700" cap="flat" cmpd="sng" algn="ctr">
+                      <a:noFill/>
+                      <a:prstDash val="solid"/>
+                      <a:round/>
+                      <a:headEnd type="none" w="med" len="med"/>
+                      <a:tailEnd type="none" w="med" len="med"/>
+                    </a:lnB>
+                    <a:solidFill>
+                      <a:srgbClr val="EEEEEE">
+                        <a:alpha val="100000"/>
+                      </a:srgbClr>
+                    </a:solidFill>
+                  </a:tcPr>
+                </a:tc>
+                <a:tc>
+                  <a:txBody>
+                    <a:bodyPr/>
+                    <a:lstStyle/>
+                    <a:p>
+                      <a:pPr marL="50800" marR="50800" indent="0" algn="r">
+                        <a:spcBef>
+                          <a:spcPts val="100"/>
+                        </a:spcBef>
+                        <a:spcAft>
+                          <a:spcPts val="100"/>
+                        </a:spcAft>
+                        <a:buNone/>
+                      </a:pPr>
+                      <a:r>
+                        <a:rPr sz="1400" i="true">
+                          <a:solidFill>
+                            <a:srgbClr val="000000">
+                              <a:alpha val="100000"/>
+                            </a:srgbClr>
+                          </a:solidFill>
+                          <a:latin typeface="Times New Roman"/>
+                          <a:ea typeface="Times New Roman"/>
+                          <a:cs typeface="Times New Roman"/>
+                        </a:rPr>
+                        <a:t/>
+                      </a:r>
+                      <a:r>
+                        <a:rPr sz="1400" i="true">
+                          <a:solidFill>
+                            <a:srgbClr val="000000">
+                              <a:alpha val="100000"/>
+                            </a:srgbClr>
+                          </a:solidFill>
+                          <a:latin typeface="Times New Roman"/>
+                          <a:ea typeface="Times New Roman"/>
+                          <a:cs typeface="Times New Roman"/>
+                        </a:rPr>
+                        <a:t>15.2</a:t>
+                      </a:r>
+                    </a:p>
+                  </a:txBody>
+                  <a:tcPr marL="0" marR="0" marT="0" marB="0" anchor="ctr">
+                    <a:lnL w="12700" cap="flat" cmpd="sng" algn="ctr">
+                      <a:noFill/>
+                      <a:prstDash val="solid"/>
+                      <a:round/>
+                      <a:headEnd type="none" w="med" len="med"/>
+                      <a:tailEnd type="none" w="med" len="med"/>
+                    </a:lnL>
+                    <a:lnR w="12700" cap="flat" cmpd="sng" algn="ctr">
+                      <a:noFill/>
+                      <a:prstDash val="solid"/>
+                      <a:round/>
+                      <a:headEnd type="none" w="med" len="med"/>
+                      <a:tailEnd type="none" w="med" len="med"/>
+                    </a:lnR>
+                    <a:lnT w="12700" cap="flat" cmpd="sng" algn="ctr">
+                      <a:noFill/>
+                      <a:prstDash val="solid"/>
+                      <a:round/>
+                      <a:headEnd type="none" w="med" len="med"/>
+                      <a:tailEnd type="none" w="med" len="med"/>
+                    </a:lnT>
+                    <a:lnB w="12700" cap="flat" cmpd="sng" algn="ctr">
+                      <a:noFill/>
+                      <a:prstDash val="solid"/>
+                      <a:round/>
+                      <a:headEnd type="none" w="med" len="med"/>
+                      <a:tailEnd type="none" w="med" len="med"/>
+                    </a:lnB>
+                    <a:solidFill>
+                      <a:srgbClr val="EEEEEE">
+                        <a:alpha val="100000"/>
+                      </a:srgbClr>
+                    </a:solidFill>
+                  </a:tcPr>
+                </a:tc>
+              </a:tr>
+              <a:tr h="0">
+                <a:tc>
+                  <a:txBody>
+                    <a:bodyPr/>
+                    <a:lstStyle/>
+                    <a:p>
+                      <a:pPr marL="50800" marR="50800" indent="0" algn="r">
+                        <a:spcBef>
+                          <a:spcPts val="100"/>
+                        </a:spcBef>
+                        <a:spcAft>
+                          <a:spcPts val="100"/>
+                        </a:spcAft>
+                        <a:buNone/>
+                      </a:pPr>
+                      <a:r>
+                        <a:rPr sz="1400" i="true">
+                          <a:solidFill>
+                            <a:srgbClr val="000000">
+                              <a:alpha val="100000"/>
+                            </a:srgbClr>
+                          </a:solidFill>
+                          <a:latin typeface="Times New Roman"/>
+                          <a:ea typeface="Times New Roman"/>
+                          <a:cs typeface="Times New Roman"/>
+                        </a:rPr>
+                        <a:t/>
+                      </a:r>
+                      <a:r>
+                        <a:rPr sz="1400" i="true">
+                          <a:solidFill>
+                            <a:srgbClr val="000000">
+                              <a:alpha val="100000"/>
+                            </a:srgbClr>
+                          </a:solidFill>
+                          <a:latin typeface="Times New Roman"/>
+                          <a:ea typeface="Times New Roman"/>
+                          <a:cs typeface="Times New Roman"/>
+                        </a:rPr>
+                        <a:t/>
+                      </a:r>
+                    </a:p>
+                  </a:txBody>
+                  <a:tcPr marL="0" marR="0" marT="0" marB="0" anchor="ctr">
+                    <a:lnL w="12700" cap="flat" cmpd="sng" algn="ctr">
+                      <a:noFill/>
+                      <a:prstDash val="solid"/>
+                      <a:round/>
+                      <a:headEnd type="none" w="med" len="med"/>
+                      <a:tailEnd type="none" w="med" len="med"/>
+                    </a:lnL>
+                    <a:lnR w="12700" cap="flat" cmpd="sng" algn="ctr">
+                      <a:noFill/>
+                      <a:prstDash val="solid"/>
+                      <a:round/>
+                      <a:headEnd type="none" w="med" len="med"/>
+                      <a:tailEnd type="none" w="med" len="med"/>
+                    </a:lnR>
+                    <a:lnT w="12700" cap="flat" cmpd="sng" algn="ctr">
+                      <a:noFill/>
+                      <a:prstDash val="solid"/>
+                      <a:round/>
+                      <a:headEnd type="none" w="med" len="med"/>
+                      <a:tailEnd type="none" w="med" len="med"/>
+                    </a:lnT>
+                    <a:lnB w="25400">
+                      <a:solidFill>
+                        <a:srgbClr val="000000">
+                          <a:alpha val="100000"/>
+                        </a:srgbClr>
+                      </a:solidFill>
+                      <a:prstDash val="solid"/>
+                    </a:lnB>
+                    <a:solidFill>
+                      <a:srgbClr val="FFFFFF">
+                        <a:alpha val="100000"/>
+                      </a:srgbClr>
+                    </a:solidFill>
+                  </a:tcPr>
+                </a:tc>
+                <a:tc>
+                  <a:txBody>
+                    <a:bodyPr/>
+                    <a:lstStyle/>
+                    <a:p>
+                      <a:pPr marL="50800" marR="50800" indent="0" algn="r">
+                        <a:spcBef>
+                          <a:spcPts val="100"/>
+                        </a:spcBef>
+                        <a:spcAft>
+                          <a:spcPts val="100"/>
+                        </a:spcAft>
+                        <a:buNone/>
+                      </a:pPr>
+                      <a:r>
+                        <a:rPr sz="1400" i="true">
+                          <a:solidFill>
+                            <a:srgbClr val="000000">
+                              <a:alpha val="100000"/>
+                            </a:srgbClr>
+                          </a:solidFill>
+                          <a:latin typeface="Times New Roman"/>
+                          <a:ea typeface="Times New Roman"/>
+                          <a:cs typeface="Times New Roman"/>
+                        </a:rPr>
+                        <a:t/>
+                      </a:r>
+                      <a:r>
+                        <a:rPr sz="1400" i="true">
+                          <a:solidFill>
+                            <a:srgbClr val="000000">
+                              <a:alpha val="100000"/>
+                            </a:srgbClr>
+                          </a:solidFill>
+                          <a:latin typeface="Times New Roman"/>
+                          <a:ea typeface="Times New Roman"/>
+                          <a:cs typeface="Times New Roman"/>
+                        </a:rPr>
+                        <a:t>21.50</a:t>
+                      </a:r>
+                    </a:p>
+                  </a:txBody>
+                  <a:tcPr marL="0" marR="0" marT="0" marB="0" anchor="ctr">
+                    <a:lnL w="12700" cap="flat" cmpd="sng" algn="ctr">
+                      <a:noFill/>
+                      <a:prstDash val="solid"/>
+                      <a:round/>
+                      <a:headEnd type="none" w="med" len="med"/>
+                      <a:tailEnd type="none" w="med" len="med"/>
+                    </a:lnL>
+                    <a:lnR w="12700" cap="flat" cmpd="sng" algn="ctr">
+                      <a:noFill/>
+                      <a:prstDash val="solid"/>
+                      <a:round/>
+                      <a:headEnd type="none" w="med" len="med"/>
+                      <a:tailEnd type="none" w="med" len="med"/>
+                    </a:lnR>
+                    <a:lnT w="12700" cap="flat" cmpd="sng" algn="ctr">
+                      <a:noFill/>
+                      <a:prstDash val="solid"/>
+                      <a:round/>
+                      <a:headEnd type="none" w="med" len="med"/>
+                      <a:tailEnd type="none" w="med" len="med"/>
+                    </a:lnT>
+                    <a:lnB w="25400">
+                      <a:solidFill>
+                        <a:srgbClr val="000000">
+                          <a:alpha val="100000"/>
+                        </a:srgbClr>
+                      </a:solidFill>
+                      <a:prstDash val="solid"/>
+                    </a:lnB>
+                    <a:solidFill>
+                      <a:srgbClr val="FFFFFF">
+                        <a:alpha val="100000"/>
+                      </a:srgbClr>
+                    </a:solidFill>
+                  </a:tcPr>
+                </a:tc>
+                <a:tc>
+                  <a:txBody>
+                    <a:bodyPr/>
+                    <a:lstStyle/>
+                    <a:p>
+                      <a:pPr marL="50800" marR="50800" indent="0" algn="r">
+                        <a:spcBef>
+                          <a:spcPts val="100"/>
+                        </a:spcBef>
+                        <a:spcAft>
+                          <a:spcPts val="100"/>
+                        </a:spcAft>
+                        <a:buNone/>
+                      </a:pPr>
+                      <a:r>
+                        <a:rPr sz="1400" i="true">
+                          <a:solidFill>
+                            <a:srgbClr val="000000">
+                              <a:alpha val="100000"/>
+                            </a:srgbClr>
+                          </a:solidFill>
+                          <a:latin typeface="Times New Roman"/>
+                          <a:ea typeface="Times New Roman"/>
+                          <a:cs typeface="Times New Roman"/>
+                        </a:rPr>
+                        <a:t/>
+                      </a:r>
+                      <a:r>
+                        <a:rPr sz="1400" i="true">
+                          <a:solidFill>
+                            <a:srgbClr val="000000">
+                              <a:alpha val="100000"/>
+                            </a:srgbClr>
+                          </a:solidFill>
+                          <a:latin typeface="Times New Roman"/>
+                          <a:ea typeface="Times New Roman"/>
+                          <a:cs typeface="Times New Roman"/>
+                        </a:rPr>
+                        <a:t>21.5</a:t>
+                      </a:r>
+                    </a:p>
+                  </a:txBody>
+                  <a:tcPr marL="0" marR="0" marT="0" marB="0" anchor="ctr">
+                    <a:lnL w="12700" cap="flat" cmpd="sng" algn="ctr">
+                      <a:noFill/>
+                      <a:prstDash val="solid"/>
+                      <a:round/>
+                      <a:headEnd type="none" w="med" len="med"/>
+                      <a:tailEnd type="none" w="med" len="med"/>
+                    </a:lnL>
+                    <a:lnR w="12700" cap="flat" cmpd="sng" algn="ctr">
+                      <a:noFill/>
+                      <a:prstDash val="solid"/>
+                      <a:round/>
+                      <a:headEnd type="none" w="med" len="med"/>
+                      <a:tailEnd type="none" w="med" len="med"/>
+                    </a:lnR>
+                    <a:lnT w="12700" cap="flat" cmpd="sng" algn="ctr">
+                      <a:noFill/>
+                      <a:prstDash val="solid"/>
+                      <a:round/>
+                      <a:headEnd type="none" w="med" len="med"/>
+                      <a:tailEnd type="none" w="med" len="med"/>
+                    </a:lnT>
+                    <a:lnB w="25400">
+                      <a:solidFill>
+                        <a:srgbClr val="000000">
+                          <a:alpha val="100000"/>
+                        </a:srgbClr>
+                      </a:solidFill>
+                      <a:prstDash val="solid"/>
+                    </a:lnB>
+                    <a:solidFill>
+                      <a:srgbClr val="FFFFFF">
+                        <a:alpha val="100000"/>
+                      </a:srgbClr>
+                    </a:solidFill>
+                  </a:tcPr>
+                </a:tc>
+              </a:tr>
+            </a:tbl>
+          </a:graphicData>
+        </a:graphic>
+      </p:graphicFrame>
+    </p:spTree>
+  </p:cSld>
+</p:sld>
+</file>
+
+<file path=ppt/slides/slide11.xml><?xml version="1.0" encoding="utf-8"?>
+<p:sld xmlns:r="http://schemas.openxmlformats.org/officeDocument/2006/relationships" xmlns:p="http://schemas.openxmlformats.org/presentationml/2006/main" xmlns:a="http://schemas.openxmlformats.org/drawingml/2006/main" xmlns:mc="http://schemas.openxmlformats.org/markup-compatibility/2006" xmlns:c="http://schemas.openxmlformats.org/drawingml/2006/chart" xmlns:ns6="http://schemas.openxmlformats.org/drawingml/2006/chartDrawing" xmlns:dgm="http://schemas.openxmlformats.org/drawingml/2006/diagram" xmlns:pic="http://schemas.openxmlformats.org/drawingml/2006/picture" xmlns:wp="http://schemas.openxmlformats.org/drawingml/2006/wordprocessingDrawing" xmlns:xdr="http://schemas.openxmlformats.org/drawingml/2006/spreadsheetDrawing" xmlns:ns11="http://schemas.openxmlformats.org/drawingml/2006/compatibility" xmlns:ns12="http://schemas.openxmlformats.org/drawingml/2006/lockedCanvas">
+  <p:cSld>
+    <p:spTree>
+      <p:nvGrpSpPr>
+        <p:cNvPr id="1" name=""/>
+        <p:cNvGrpSpPr/>
+        <p:nvPr/>
+      </p:nvGrpSpPr>
+      <p:grpSpPr>
+        <a:xfrm>
+          <a:off x="0" y="0"/>
+          <a:ext cx="0" cy="0"/>
+          <a:chOff x="0" y="0"/>
+          <a:chExt cx="0" cy="0"/>
+        </a:xfrm>
+      </p:grpSpPr>
+      <p:sp>
+        <p:nvSpPr>
+          <p:cNvPr id="1" name="Title 1"/>
+          <p:cNvSpPr/>
+          <p:nvPr>
+            <p:ph type="title" idx="0"/>
+          </p:nvPr>
+        </p:nvSpPr>
+        <p:spPr/>
+        <p:txBody>
+          <a:bodyPr/>
+          <a:lstStyle/>
+          <a:p>
+            <a:r>
+              <a:rPr/>
+              <a:t>Bi-variate analysis Slide  2 of 6</a:t>
             </a:r>
           </a:p>
         </p:txBody>
@@ -3553,8 +5769,8 @@
 </p:sld>
 </file>
 
-<file path=ppt/slides/slide11.xml><?xml version="1.0" encoding="utf-8"?>
-<p:sld xmlns:p="http://schemas.openxmlformats.org/presentationml/2006/main" xmlns:r="http://schemas.openxmlformats.org/officeDocument/2006/relationships" xmlns:a="http://schemas.openxmlformats.org/drawingml/2006/main" xmlns:mc="http://schemas.openxmlformats.org/markup-compatibility/2006" xmlns:c="http://schemas.openxmlformats.org/drawingml/2006/chart" xmlns:ns6="http://schemas.openxmlformats.org/drawingml/2006/chartDrawing" xmlns:dgm="http://schemas.openxmlformats.org/drawingml/2006/diagram" xmlns:pic="http://schemas.openxmlformats.org/drawingml/2006/picture" xmlns:wp="http://schemas.openxmlformats.org/drawingml/2006/wordprocessingDrawing" xmlns:xdr="http://schemas.openxmlformats.org/drawingml/2006/spreadsheetDrawing" xmlns:ns11="http://schemas.openxmlformats.org/drawingml/2006/compatibility" xmlns:ns12="http://schemas.openxmlformats.org/drawingml/2006/lockedCanvas">
+<file path=ppt/slides/slide12.xml><?xml version="1.0" encoding="utf-8"?>
+<p:sld xmlns:r="http://schemas.openxmlformats.org/officeDocument/2006/relationships" xmlns:p="http://schemas.openxmlformats.org/presentationml/2006/main" xmlns:a="http://schemas.openxmlformats.org/drawingml/2006/main" xmlns:mc="http://schemas.openxmlformats.org/markup-compatibility/2006" xmlns:c="http://schemas.openxmlformats.org/drawingml/2006/chart" xmlns:ns6="http://schemas.openxmlformats.org/drawingml/2006/chartDrawing" xmlns:dgm="http://schemas.openxmlformats.org/drawingml/2006/diagram" xmlns:pic="http://schemas.openxmlformats.org/drawingml/2006/picture" xmlns:wp="http://schemas.openxmlformats.org/drawingml/2006/wordprocessingDrawing" xmlns:xdr="http://schemas.openxmlformats.org/drawingml/2006/spreadsheetDrawing" xmlns:ns11="http://schemas.openxmlformats.org/drawingml/2006/compatibility" xmlns:ns12="http://schemas.openxmlformats.org/drawingml/2006/lockedCanvas">
   <p:cSld>
     <p:spTree>
       <p:nvGrpSpPr>
@@ -3585,7 +5801,7 @@
           <a:p>
             <a:r>
               <a:rPr/>
-              <a:t>Bi-variate analysis Slide  3 of 5</a:t>
+              <a:t>Bi-variate analysis Slide  3 of 6</a:t>
             </a:r>
           </a:p>
         </p:txBody>
@@ -4159,7 +6375,7 @@
                           <a:ea typeface="Times New Roman"/>
                           <a:cs typeface="Times New Roman"/>
                         </a:rPr>
-                        <a:t>vs</a:t>
+                        <a:t>drat</a:t>
                       </a:r>
                     </a:p>
                   </a:txBody>
@@ -4239,7 +6455,7 @@
                           <a:ea typeface="Times New Roman"/>
                           <a:cs typeface="Times New Roman"/>
                         </a:rPr>
-                        <a:t>0.664</a:t>
+                        <a:t>0.68</a:t>
                       </a:r>
                     </a:p>
                   </a:txBody>
@@ -4291,8 +6507,8 @@
 </p:sld>
 </file>
 
-<file path=ppt/slides/slide12.xml><?xml version="1.0" encoding="utf-8"?>
-<p:sld xmlns:p="http://schemas.openxmlformats.org/presentationml/2006/main" xmlns:r="http://schemas.openxmlformats.org/officeDocument/2006/relationships" xmlns:a="http://schemas.openxmlformats.org/drawingml/2006/main" xmlns:mc="http://schemas.openxmlformats.org/markup-compatibility/2006" xmlns:c="http://schemas.openxmlformats.org/drawingml/2006/chart" xmlns:ns6="http://schemas.openxmlformats.org/drawingml/2006/chartDrawing" xmlns:dgm="http://schemas.openxmlformats.org/drawingml/2006/diagram" xmlns:pic="http://schemas.openxmlformats.org/drawingml/2006/picture" xmlns:wp="http://schemas.openxmlformats.org/drawingml/2006/wordprocessingDrawing" xmlns:xdr="http://schemas.openxmlformats.org/drawingml/2006/spreadsheetDrawing" xmlns:ns11="http://schemas.openxmlformats.org/drawingml/2006/compatibility" xmlns:ns12="http://schemas.openxmlformats.org/drawingml/2006/lockedCanvas">
+<file path=ppt/slides/slide13.xml><?xml version="1.0" encoding="utf-8"?>
+<p:sld xmlns:r="http://schemas.openxmlformats.org/officeDocument/2006/relationships" xmlns:p="http://schemas.openxmlformats.org/presentationml/2006/main" xmlns:a="http://schemas.openxmlformats.org/drawingml/2006/main" xmlns:mc="http://schemas.openxmlformats.org/markup-compatibility/2006" xmlns:c="http://schemas.openxmlformats.org/drawingml/2006/chart" xmlns:ns6="http://schemas.openxmlformats.org/drawingml/2006/chartDrawing" xmlns:dgm="http://schemas.openxmlformats.org/drawingml/2006/diagram" xmlns:pic="http://schemas.openxmlformats.org/drawingml/2006/picture" xmlns:wp="http://schemas.openxmlformats.org/drawingml/2006/wordprocessingDrawing" xmlns:xdr="http://schemas.openxmlformats.org/drawingml/2006/spreadsheetDrawing" xmlns:ns11="http://schemas.openxmlformats.org/drawingml/2006/compatibility" xmlns:ns12="http://schemas.openxmlformats.org/drawingml/2006/lockedCanvas">
   <p:cSld>
     <p:spTree>
       <p:nvGrpSpPr>
@@ -4323,7 +6539,7 @@
           <a:p>
             <a:r>
               <a:rPr/>
-              <a:t>Bi-variate analysis Slide  4 of 5</a:t>
+              <a:t>Bi-variate analysis Slide  4 of 6</a:t>
             </a:r>
           </a:p>
         </p:txBody>
@@ -4575,7 +6791,7 @@
                           <a:ea typeface="Times New Roman"/>
                           <a:cs typeface="Times New Roman"/>
                         </a:rPr>
-                        <a:t>am</a:t>
+                        <a:t>wt</a:t>
                       </a:r>
                     </a:p>
                   </a:txBody>
@@ -4655,7 +6871,7 @@
                           <a:ea typeface="Times New Roman"/>
                           <a:cs typeface="Times New Roman"/>
                         </a:rPr>
-                        <a:t>0.563</a:t>
+                        <a:t>-0.871</a:t>
                       </a:r>
                     </a:p>
                   </a:txBody>
@@ -4897,7 +7113,7 @@
                           <a:ea typeface="Times New Roman"/>
                           <a:cs typeface="Times New Roman"/>
                         </a:rPr>
-                        <a:t>gear</a:t>
+                        <a:t>qsec</a:t>
                       </a:r>
                     </a:p>
                   </a:txBody>
@@ -4977,7 +7193,7 @@
                           <a:ea typeface="Times New Roman"/>
                           <a:cs typeface="Times New Roman"/>
                         </a:rPr>
-                        <a:t>0.48</a:t>
+                        <a:t>0.426</a:t>
                       </a:r>
                     </a:p>
                   </a:txBody>
@@ -5029,8 +7245,8 @@
 </p:sld>
 </file>
 
-<file path=ppt/slides/slide13.xml><?xml version="1.0" encoding="utf-8"?>
-<p:sld xmlns:p="http://schemas.openxmlformats.org/presentationml/2006/main" xmlns:r="http://schemas.openxmlformats.org/officeDocument/2006/relationships" xmlns:a="http://schemas.openxmlformats.org/drawingml/2006/main" xmlns:mc="http://schemas.openxmlformats.org/markup-compatibility/2006" xmlns:c="http://schemas.openxmlformats.org/drawingml/2006/chart" xmlns:ns6="http://schemas.openxmlformats.org/drawingml/2006/chartDrawing" xmlns:dgm="http://schemas.openxmlformats.org/drawingml/2006/diagram" xmlns:pic="http://schemas.openxmlformats.org/drawingml/2006/picture" xmlns:wp="http://schemas.openxmlformats.org/drawingml/2006/wordprocessingDrawing" xmlns:xdr="http://schemas.openxmlformats.org/drawingml/2006/spreadsheetDrawing" xmlns:ns11="http://schemas.openxmlformats.org/drawingml/2006/compatibility" xmlns:ns12="http://schemas.openxmlformats.org/drawingml/2006/lockedCanvas">
+<file path=ppt/slides/slide14.xml><?xml version="1.0" encoding="utf-8"?>
+<p:sld xmlns:r="http://schemas.openxmlformats.org/officeDocument/2006/relationships" xmlns:p="http://schemas.openxmlformats.org/presentationml/2006/main" xmlns:a="http://schemas.openxmlformats.org/drawingml/2006/main" xmlns:mc="http://schemas.openxmlformats.org/markup-compatibility/2006" xmlns:c="http://schemas.openxmlformats.org/drawingml/2006/chart" xmlns:ns6="http://schemas.openxmlformats.org/drawingml/2006/chartDrawing" xmlns:dgm="http://schemas.openxmlformats.org/drawingml/2006/diagram" xmlns:pic="http://schemas.openxmlformats.org/drawingml/2006/picture" xmlns:wp="http://schemas.openxmlformats.org/drawingml/2006/wordprocessingDrawing" xmlns:xdr="http://schemas.openxmlformats.org/drawingml/2006/spreadsheetDrawing" xmlns:ns11="http://schemas.openxmlformats.org/drawingml/2006/compatibility" xmlns:ns12="http://schemas.openxmlformats.org/drawingml/2006/lockedCanvas">
   <p:cSld>
     <p:spTree>
       <p:nvGrpSpPr>
@@ -5061,7 +7277,7 @@
           <a:p>
             <a:r>
               <a:rPr/>
-              <a:t>Bi-variate analysis Slide  5 of 5</a:t>
+              <a:t>Bi-variate analysis Slide  5 of 6</a:t>
             </a:r>
           </a:p>
         </p:txBody>
@@ -5092,9 +7308,35 @@
           </a:prstGeom>
         </p:spPr>
       </p:pic>
+      <p:pic>
+        <p:nvPicPr>
+          <p:cNvPr id="3" name="Picture 3"/>
+          <p:cNvPicPr>
+            <a:picLocks noChangeAspect="true"/>
+          </p:cNvPicPr>
+          <p:nvPr>
+            <p:ph idx="3"/>
+          </p:nvPr>
+        </p:nvPicPr>
+        <p:blipFill>
+          <a:blip cstate="print" r:embed="rId3"/>
+          <a:stretch>
+            <a:fillRect/>
+          </a:stretch>
+        </p:blipFill>
+        <p:spPr>
+          <a:xfrm>
+            <a:off x="6400800" y="1371600"/>
+            <a:ext cx="5029200" cy="3200400"/>
+          </a:xfrm>
+          <a:prstGeom prst="rect">
+            <a:avLst/>
+          </a:prstGeom>
+        </p:spPr>
+      </p:pic>
       <p:graphicFrame>
         <p:nvGraphicFramePr>
-          <p:cNvPr id="3" name="nvGraphicFrame 3"/>
+          <p:cNvPr id="4" name="nvGraphicFrame 4"/>
           <p:cNvGraphicFramePr>
             <a:graphicFrameLocks noGrp="true"/>
           </p:cNvGraphicFramePr>
@@ -5287,7 +7529,7 @@
                           <a:ea typeface="Times New Roman"/>
                           <a:cs typeface="Times New Roman"/>
                         </a:rPr>
-                        <a:t>carb</a:t>
+                        <a:t>vs</a:t>
                       </a:r>
                     </a:p>
                   </a:txBody>
@@ -5358,6 +7600,1066 @@
                       </a:r>
                       <a:r>
                         <a:rPr sz="1300" i="true">
+                          <a:solidFill>
+                            <a:srgbClr val="000000">
+                              <a:alpha val="100000"/>
+                            </a:srgbClr>
+                          </a:solidFill>
+                          <a:latin typeface="Times New Roman"/>
+                          <a:ea typeface="Times New Roman"/>
+                          <a:cs typeface="Times New Roman"/>
+                        </a:rPr>
+                        <a:t>0.664</a:t>
+                      </a:r>
+                    </a:p>
+                  </a:txBody>
+                  <a:tcPr marL="0" marR="0" marT="0" marB="0" anchor="ctr">
+                    <a:lnL w="12700" cap="flat" cmpd="sng" algn="ctr">
+                      <a:noFill/>
+                      <a:prstDash val="solid"/>
+                      <a:round/>
+                      <a:headEnd type="none" w="med" len="med"/>
+                      <a:tailEnd type="none" w="med" len="med"/>
+                    </a:lnL>
+                    <a:lnR w="12700" cap="flat" cmpd="sng" algn="ctr">
+                      <a:noFill/>
+                      <a:prstDash val="solid"/>
+                      <a:round/>
+                      <a:headEnd type="none" w="med" len="med"/>
+                      <a:tailEnd type="none" w="med" len="med"/>
+                    </a:lnR>
+                    <a:lnT w="25400">
+                      <a:solidFill>
+                        <a:srgbClr val="000000">
+                          <a:alpha val="100000"/>
+                        </a:srgbClr>
+                      </a:solidFill>
+                      <a:prstDash val="solid"/>
+                    </a:lnT>
+                    <a:lnB w="25400">
+                      <a:solidFill>
+                        <a:srgbClr val="000000">
+                          <a:alpha val="100000"/>
+                        </a:srgbClr>
+                      </a:solidFill>
+                      <a:prstDash val="solid"/>
+                    </a:lnB>
+                    <a:solidFill>
+                      <a:srgbClr val="EEEEEE">
+                        <a:alpha val="100000"/>
+                      </a:srgbClr>
+                    </a:solidFill>
+                  </a:tcPr>
+                </a:tc>
+              </a:tr>
+            </a:tbl>
+          </a:graphicData>
+        </a:graphic>
+      </p:graphicFrame>
+      <p:graphicFrame>
+        <p:nvGraphicFramePr>
+          <p:cNvPr id="5" name="nvGraphicFrame 5"/>
+          <p:cNvGraphicFramePr>
+            <a:graphicFrameLocks noGrp="true"/>
+          </p:cNvGraphicFramePr>
+          <p:nvPr/>
+        </p:nvGraphicFramePr>
+        <p:xfrm rot="0">
+          <a:off x="7315200" y="5029200"/>
+          <a:ext cx="9144000" cy="3657600"/>
+        </p:xfrm>
+        <a:graphic>
+          <a:graphicData uri="http://schemas.openxmlformats.org/drawingml/2006/table">
+            <a:tbl>
+              <a:tblPr/>
+              <a:tblGrid>
+                <a:gridCol w="1828800"/>
+                <a:gridCol w="1828800"/>
+              </a:tblGrid>
+              <a:tr h="0">
+                <a:tc>
+                  <a:txBody>
+                    <a:bodyPr/>
+                    <a:lstStyle/>
+                    <a:p>
+                      <a:pPr marL="50800" marR="50800" indent="0" algn="r">
+                        <a:spcBef>
+                          <a:spcPts val="100"/>
+                        </a:spcBef>
+                        <a:spcAft>
+                          <a:spcPts val="100"/>
+                        </a:spcAft>
+                        <a:buNone/>
+                      </a:pPr>
+                      <a:r>
+                        <a:rPr sz="1100" b="true">
+                          <a:solidFill>
+                            <a:srgbClr val="000000">
+                              <a:alpha val="100000"/>
+                            </a:srgbClr>
+                          </a:solidFill>
+                          <a:latin typeface="Times New Roman"/>
+                          <a:ea typeface="Times New Roman"/>
+                          <a:cs typeface="Times New Roman"/>
+                        </a:rPr>
+                        <a:t>Feature</a:t>
+                      </a:r>
+                    </a:p>
+                  </a:txBody>
+                  <a:tcPr marL="0" marR="0" marT="0" marB="0" anchor="ctr">
+                    <a:lnL w="12700" cap="flat" cmpd="sng" algn="ctr">
+                      <a:noFill/>
+                      <a:prstDash val="solid"/>
+                      <a:round/>
+                      <a:headEnd type="none" w="med" len="med"/>
+                      <a:tailEnd type="none" w="med" len="med"/>
+                    </a:lnL>
+                    <a:lnR w="12700" cap="flat" cmpd="sng" algn="ctr">
+                      <a:noFill/>
+                      <a:prstDash val="solid"/>
+                      <a:round/>
+                      <a:headEnd type="none" w="med" len="med"/>
+                      <a:tailEnd type="none" w="med" len="med"/>
+                    </a:lnR>
+                    <a:lnT w="25400">
+                      <a:solidFill>
+                        <a:srgbClr val="000000">
+                          <a:alpha val="100000"/>
+                        </a:srgbClr>
+                      </a:solidFill>
+                      <a:prstDash val="solid"/>
+                    </a:lnT>
+                    <a:lnB w="25400">
+                      <a:solidFill>
+                        <a:srgbClr val="000000">
+                          <a:alpha val="100000"/>
+                        </a:srgbClr>
+                      </a:solidFill>
+                      <a:prstDash val="solid"/>
+                    </a:lnB>
+                    <a:solidFill>
+                      <a:srgbClr val="FFFFFF">
+                        <a:alpha val="0"/>
+                      </a:srgbClr>
+                    </a:solidFill>
+                  </a:tcPr>
+                </a:tc>
+                <a:tc>
+                  <a:txBody>
+                    <a:bodyPr/>
+                    <a:lstStyle/>
+                    <a:p>
+                      <a:pPr marL="50800" marR="50800" indent="0" algn="r">
+                        <a:spcBef>
+                          <a:spcPts val="100"/>
+                        </a:spcBef>
+                        <a:spcAft>
+                          <a:spcPts val="100"/>
+                        </a:spcAft>
+                        <a:buNone/>
+                      </a:pPr>
+                      <a:r>
+                        <a:rPr sz="1100" b="true">
+                          <a:solidFill>
+                            <a:srgbClr val="000000">
+                              <a:alpha val="100000"/>
+                            </a:srgbClr>
+                          </a:solidFill>
+                          <a:latin typeface="Times New Roman"/>
+                          <a:ea typeface="Times New Roman"/>
+                          <a:cs typeface="Times New Roman"/>
+                        </a:rPr>
+                        <a:t>Correlation with Target</a:t>
+                      </a:r>
+                    </a:p>
+                  </a:txBody>
+                  <a:tcPr marL="0" marR="0" marT="0" marB="0" anchor="ctr">
+                    <a:lnL w="12700" cap="flat" cmpd="sng" algn="ctr">
+                      <a:noFill/>
+                      <a:prstDash val="solid"/>
+                      <a:round/>
+                      <a:headEnd type="none" w="med" len="med"/>
+                      <a:tailEnd type="none" w="med" len="med"/>
+                    </a:lnL>
+                    <a:lnR w="12700" cap="flat" cmpd="sng" algn="ctr">
+                      <a:noFill/>
+                      <a:prstDash val="solid"/>
+                      <a:round/>
+                      <a:headEnd type="none" w="med" len="med"/>
+                      <a:tailEnd type="none" w="med" len="med"/>
+                    </a:lnR>
+                    <a:lnT w="25400">
+                      <a:solidFill>
+                        <a:srgbClr val="000000">
+                          <a:alpha val="100000"/>
+                        </a:srgbClr>
+                      </a:solidFill>
+                      <a:prstDash val="solid"/>
+                    </a:lnT>
+                    <a:lnB w="25400">
+                      <a:solidFill>
+                        <a:srgbClr val="000000">
+                          <a:alpha val="100000"/>
+                        </a:srgbClr>
+                      </a:solidFill>
+                      <a:prstDash val="solid"/>
+                    </a:lnB>
+                    <a:solidFill>
+                      <a:srgbClr val="FFFFFF">
+                        <a:alpha val="0"/>
+                      </a:srgbClr>
+                    </a:solidFill>
+                  </a:tcPr>
+                </a:tc>
+              </a:tr>
+              <a:tr h="0">
+                <a:tc>
+                  <a:txBody>
+                    <a:bodyPr/>
+                    <a:lstStyle/>
+                    <a:p>
+                      <a:pPr marL="50800" marR="50800" indent="0" algn="r">
+                        <a:spcBef>
+                          <a:spcPts val="100"/>
+                        </a:spcBef>
+                        <a:spcAft>
+                          <a:spcPts val="100"/>
+                        </a:spcAft>
+                        <a:buNone/>
+                      </a:pPr>
+                      <a:r>
+                        <a:rPr sz="1400" i="true">
+                          <a:solidFill>
+                            <a:srgbClr val="000000">
+                              <a:alpha val="100000"/>
+                            </a:srgbClr>
+                          </a:solidFill>
+                          <a:latin typeface="Times New Roman"/>
+                          <a:ea typeface="Times New Roman"/>
+                          <a:cs typeface="Times New Roman"/>
+                        </a:rPr>
+                        <a:t/>
+                      </a:r>
+                      <a:r>
+                        <a:rPr sz="1400" i="true">
+                          <a:solidFill>
+                            <a:srgbClr val="000000">
+                              <a:alpha val="100000"/>
+                            </a:srgbClr>
+                          </a:solidFill>
+                          <a:latin typeface="Times New Roman"/>
+                          <a:ea typeface="Times New Roman"/>
+                          <a:cs typeface="Times New Roman"/>
+                        </a:rPr>
+                        <a:t>am</a:t>
+                      </a:r>
+                    </a:p>
+                  </a:txBody>
+                  <a:tcPr marL="0" marR="0" marT="0" marB="0" anchor="ctr">
+                    <a:lnL w="12700" cap="flat" cmpd="sng" algn="ctr">
+                      <a:noFill/>
+                      <a:prstDash val="solid"/>
+                      <a:round/>
+                      <a:headEnd type="none" w="med" len="med"/>
+                      <a:tailEnd type="none" w="med" len="med"/>
+                    </a:lnL>
+                    <a:lnR w="12700" cap="flat" cmpd="sng" algn="ctr">
+                      <a:noFill/>
+                      <a:prstDash val="solid"/>
+                      <a:round/>
+                      <a:headEnd type="none" w="med" len="med"/>
+                      <a:tailEnd type="none" w="med" len="med"/>
+                    </a:lnR>
+                    <a:lnT w="25400">
+                      <a:solidFill>
+                        <a:srgbClr val="000000">
+                          <a:alpha val="100000"/>
+                        </a:srgbClr>
+                      </a:solidFill>
+                      <a:prstDash val="solid"/>
+                    </a:lnT>
+                    <a:lnB w="25400">
+                      <a:solidFill>
+                        <a:srgbClr val="000000">
+                          <a:alpha val="100000"/>
+                        </a:srgbClr>
+                      </a:solidFill>
+                      <a:prstDash val="solid"/>
+                    </a:lnB>
+                    <a:solidFill>
+                      <a:srgbClr val="EEEEEE">
+                        <a:alpha val="100000"/>
+                      </a:srgbClr>
+                    </a:solidFill>
+                  </a:tcPr>
+                </a:tc>
+                <a:tc>
+                  <a:txBody>
+                    <a:bodyPr/>
+                    <a:lstStyle/>
+                    <a:p>
+                      <a:pPr marL="50800" marR="50800" indent="0" algn="r">
+                        <a:spcBef>
+                          <a:spcPts val="100"/>
+                        </a:spcBef>
+                        <a:spcAft>
+                          <a:spcPts val="100"/>
+                        </a:spcAft>
+                        <a:buNone/>
+                      </a:pPr>
+                      <a:r>
+                        <a:rPr sz="1400" i="true">
+                          <a:solidFill>
+                            <a:srgbClr val="000000">
+                              <a:alpha val="100000"/>
+                            </a:srgbClr>
+                          </a:solidFill>
+                          <a:latin typeface="Times New Roman"/>
+                          <a:ea typeface="Times New Roman"/>
+                          <a:cs typeface="Times New Roman"/>
+                        </a:rPr>
+                        <a:t/>
+                      </a:r>
+                      <a:r>
+                        <a:rPr sz="1400" i="true">
+                          <a:solidFill>
+                            <a:srgbClr val="000000">
+                              <a:alpha val="100000"/>
+                            </a:srgbClr>
+                          </a:solidFill>
+                          <a:latin typeface="Times New Roman"/>
+                          <a:ea typeface="Times New Roman"/>
+                          <a:cs typeface="Times New Roman"/>
+                        </a:rPr>
+                        <a:t>0.563</a:t>
+                      </a:r>
+                    </a:p>
+                  </a:txBody>
+                  <a:tcPr marL="0" marR="0" marT="0" marB="0" anchor="ctr">
+                    <a:lnL w="12700" cap="flat" cmpd="sng" algn="ctr">
+                      <a:noFill/>
+                      <a:prstDash val="solid"/>
+                      <a:round/>
+                      <a:headEnd type="none" w="med" len="med"/>
+                      <a:tailEnd type="none" w="med" len="med"/>
+                    </a:lnL>
+                    <a:lnR w="12700" cap="flat" cmpd="sng" algn="ctr">
+                      <a:noFill/>
+                      <a:prstDash val="solid"/>
+                      <a:round/>
+                      <a:headEnd type="none" w="med" len="med"/>
+                      <a:tailEnd type="none" w="med" len="med"/>
+                    </a:lnR>
+                    <a:lnT w="25400">
+                      <a:solidFill>
+                        <a:srgbClr val="000000">
+                          <a:alpha val="100000"/>
+                        </a:srgbClr>
+                      </a:solidFill>
+                      <a:prstDash val="solid"/>
+                    </a:lnT>
+                    <a:lnB w="25400">
+                      <a:solidFill>
+                        <a:srgbClr val="000000">
+                          <a:alpha val="100000"/>
+                        </a:srgbClr>
+                      </a:solidFill>
+                      <a:prstDash val="solid"/>
+                    </a:lnB>
+                    <a:solidFill>
+                      <a:srgbClr val="EEEEEE">
+                        <a:alpha val="100000"/>
+                      </a:srgbClr>
+                    </a:solidFill>
+                  </a:tcPr>
+                </a:tc>
+              </a:tr>
+            </a:tbl>
+          </a:graphicData>
+        </a:graphic>
+      </p:graphicFrame>
+    </p:spTree>
+  </p:cSld>
+</p:sld>
+</file>
+
+<file path=ppt/slides/slide15.xml><?xml version="1.0" encoding="utf-8"?>
+<p:sld xmlns:r="http://schemas.openxmlformats.org/officeDocument/2006/relationships" xmlns:p="http://schemas.openxmlformats.org/presentationml/2006/main" xmlns:a="http://schemas.openxmlformats.org/drawingml/2006/main" xmlns:mc="http://schemas.openxmlformats.org/markup-compatibility/2006" xmlns:c="http://schemas.openxmlformats.org/drawingml/2006/chart" xmlns:ns6="http://schemas.openxmlformats.org/drawingml/2006/chartDrawing" xmlns:dgm="http://schemas.openxmlformats.org/drawingml/2006/diagram" xmlns:pic="http://schemas.openxmlformats.org/drawingml/2006/picture" xmlns:wp="http://schemas.openxmlformats.org/drawingml/2006/wordprocessingDrawing" xmlns:xdr="http://schemas.openxmlformats.org/drawingml/2006/spreadsheetDrawing" xmlns:ns11="http://schemas.openxmlformats.org/drawingml/2006/compatibility" xmlns:ns12="http://schemas.openxmlformats.org/drawingml/2006/lockedCanvas">
+  <p:cSld>
+    <p:spTree>
+      <p:nvGrpSpPr>
+        <p:cNvPr id="1" name=""/>
+        <p:cNvGrpSpPr/>
+        <p:nvPr/>
+      </p:nvGrpSpPr>
+      <p:grpSpPr>
+        <a:xfrm>
+          <a:off x="0" y="0"/>
+          <a:ext cx="0" cy="0"/>
+          <a:chOff x="0" y="0"/>
+          <a:chExt cx="0" cy="0"/>
+        </a:xfrm>
+      </p:grpSpPr>
+      <p:sp>
+        <p:nvSpPr>
+          <p:cNvPr id="1" name="Title 1"/>
+          <p:cNvSpPr/>
+          <p:nvPr>
+            <p:ph type="title" idx="0"/>
+          </p:nvPr>
+        </p:nvSpPr>
+        <p:spPr/>
+        <p:txBody>
+          <a:bodyPr/>
+          <a:lstStyle/>
+          <a:p>
+            <a:r>
+              <a:rPr/>
+              <a:t>Bi-variate analysis Slide  6 of 6</a:t>
+            </a:r>
+          </a:p>
+        </p:txBody>
+      </p:sp>
+      <p:pic>
+        <p:nvPicPr>
+          <p:cNvPr id="2" name="Picture 2"/>
+          <p:cNvPicPr>
+            <a:picLocks noChangeAspect="true"/>
+          </p:cNvPicPr>
+          <p:nvPr>
+            <p:ph idx="2"/>
+          </p:nvPr>
+        </p:nvPicPr>
+        <p:blipFill>
+          <a:blip cstate="print" r:embed="rId2"/>
+          <a:stretch>
+            <a:fillRect/>
+          </a:stretch>
+        </p:blipFill>
+        <p:spPr>
+          <a:xfrm>
+            <a:off x="914400" y="1371600"/>
+            <a:ext cx="5029200" cy="3200400"/>
+          </a:xfrm>
+          <a:prstGeom prst="rect">
+            <a:avLst/>
+          </a:prstGeom>
+        </p:spPr>
+      </p:pic>
+      <p:pic>
+        <p:nvPicPr>
+          <p:cNvPr id="3" name="Picture 3"/>
+          <p:cNvPicPr>
+            <a:picLocks noChangeAspect="true"/>
+          </p:cNvPicPr>
+          <p:nvPr>
+            <p:ph idx="3"/>
+          </p:nvPr>
+        </p:nvPicPr>
+        <p:blipFill>
+          <a:blip cstate="print" r:embed="rId3"/>
+          <a:stretch>
+            <a:fillRect/>
+          </a:stretch>
+        </p:blipFill>
+        <p:spPr>
+          <a:xfrm>
+            <a:off x="6400800" y="1371600"/>
+            <a:ext cx="5029200" cy="3200400"/>
+          </a:xfrm>
+          <a:prstGeom prst="rect">
+            <a:avLst/>
+          </a:prstGeom>
+        </p:spPr>
+      </p:pic>
+      <p:graphicFrame>
+        <p:nvGraphicFramePr>
+          <p:cNvPr id="4" name="nvGraphicFrame 4"/>
+          <p:cNvGraphicFramePr>
+            <a:graphicFrameLocks noGrp="true"/>
+          </p:cNvGraphicFramePr>
+          <p:nvPr/>
+        </p:nvGraphicFramePr>
+        <p:xfrm rot="0">
+          <a:off x="1828800" y="5029200"/>
+          <a:ext cx="9144000" cy="3657600"/>
+        </p:xfrm>
+        <a:graphic>
+          <a:graphicData uri="http://schemas.openxmlformats.org/drawingml/2006/table">
+            <a:tbl>
+              <a:tblPr/>
+              <a:tblGrid>
+                <a:gridCol w="1828800"/>
+                <a:gridCol w="1828800"/>
+              </a:tblGrid>
+              <a:tr h="0">
+                <a:tc>
+                  <a:txBody>
+                    <a:bodyPr/>
+                    <a:lstStyle/>
+                    <a:p>
+                      <a:pPr marL="50800" marR="50800" indent="0" algn="r">
+                        <a:spcBef>
+                          <a:spcPts val="100"/>
+                        </a:spcBef>
+                        <a:spcAft>
+                          <a:spcPts val="100"/>
+                        </a:spcAft>
+                        <a:buNone/>
+                      </a:pPr>
+                      <a:r>
+                        <a:rPr sz="1100" b="true">
+                          <a:solidFill>
+                            <a:srgbClr val="000000">
+                              <a:alpha val="100000"/>
+                            </a:srgbClr>
+                          </a:solidFill>
+                          <a:latin typeface="Times New Roman"/>
+                          <a:ea typeface="Times New Roman"/>
+                          <a:cs typeface="Times New Roman"/>
+                        </a:rPr>
+                        <a:t>Feature</a:t>
+                      </a:r>
+                    </a:p>
+                  </a:txBody>
+                  <a:tcPr marL="0" marR="0" marT="0" marB="0" anchor="ctr">
+                    <a:lnL w="12700" cap="flat" cmpd="sng" algn="ctr">
+                      <a:noFill/>
+                      <a:prstDash val="solid"/>
+                      <a:round/>
+                      <a:headEnd type="none" w="med" len="med"/>
+                      <a:tailEnd type="none" w="med" len="med"/>
+                    </a:lnL>
+                    <a:lnR w="12700" cap="flat" cmpd="sng" algn="ctr">
+                      <a:noFill/>
+                      <a:prstDash val="solid"/>
+                      <a:round/>
+                      <a:headEnd type="none" w="med" len="med"/>
+                      <a:tailEnd type="none" w="med" len="med"/>
+                    </a:lnR>
+                    <a:lnT w="25400">
+                      <a:solidFill>
+                        <a:srgbClr val="000000">
+                          <a:alpha val="100000"/>
+                        </a:srgbClr>
+                      </a:solidFill>
+                      <a:prstDash val="solid"/>
+                    </a:lnT>
+                    <a:lnB w="25400">
+                      <a:solidFill>
+                        <a:srgbClr val="000000">
+                          <a:alpha val="100000"/>
+                        </a:srgbClr>
+                      </a:solidFill>
+                      <a:prstDash val="solid"/>
+                    </a:lnB>
+                    <a:solidFill>
+                      <a:srgbClr val="FFFFFF">
+                        <a:alpha val="0"/>
+                      </a:srgbClr>
+                    </a:solidFill>
+                  </a:tcPr>
+                </a:tc>
+                <a:tc>
+                  <a:txBody>
+                    <a:bodyPr/>
+                    <a:lstStyle/>
+                    <a:p>
+                      <a:pPr marL="50800" marR="50800" indent="0" algn="r">
+                        <a:spcBef>
+                          <a:spcPts val="100"/>
+                        </a:spcBef>
+                        <a:spcAft>
+                          <a:spcPts val="100"/>
+                        </a:spcAft>
+                        <a:buNone/>
+                      </a:pPr>
+                      <a:r>
+                        <a:rPr sz="1100" b="true">
+                          <a:solidFill>
+                            <a:srgbClr val="000000">
+                              <a:alpha val="100000"/>
+                            </a:srgbClr>
+                          </a:solidFill>
+                          <a:latin typeface="Times New Roman"/>
+                          <a:ea typeface="Times New Roman"/>
+                          <a:cs typeface="Times New Roman"/>
+                        </a:rPr>
+                        <a:t>Correlation with Target</a:t>
+                      </a:r>
+                    </a:p>
+                  </a:txBody>
+                  <a:tcPr marL="0" marR="0" marT="0" marB="0" anchor="ctr">
+                    <a:lnL w="12700" cap="flat" cmpd="sng" algn="ctr">
+                      <a:noFill/>
+                      <a:prstDash val="solid"/>
+                      <a:round/>
+                      <a:headEnd type="none" w="med" len="med"/>
+                      <a:tailEnd type="none" w="med" len="med"/>
+                    </a:lnL>
+                    <a:lnR w="12700" cap="flat" cmpd="sng" algn="ctr">
+                      <a:noFill/>
+                      <a:prstDash val="solid"/>
+                      <a:round/>
+                      <a:headEnd type="none" w="med" len="med"/>
+                      <a:tailEnd type="none" w="med" len="med"/>
+                    </a:lnR>
+                    <a:lnT w="25400">
+                      <a:solidFill>
+                        <a:srgbClr val="000000">
+                          <a:alpha val="100000"/>
+                        </a:srgbClr>
+                      </a:solidFill>
+                      <a:prstDash val="solid"/>
+                    </a:lnT>
+                    <a:lnB w="25400">
+                      <a:solidFill>
+                        <a:srgbClr val="000000">
+                          <a:alpha val="100000"/>
+                        </a:srgbClr>
+                      </a:solidFill>
+                      <a:prstDash val="solid"/>
+                    </a:lnB>
+                    <a:solidFill>
+                      <a:srgbClr val="FFFFFF">
+                        <a:alpha val="0"/>
+                      </a:srgbClr>
+                    </a:solidFill>
+                  </a:tcPr>
+                </a:tc>
+              </a:tr>
+              <a:tr h="0">
+                <a:tc>
+                  <a:txBody>
+                    <a:bodyPr/>
+                    <a:lstStyle/>
+                    <a:p>
+                      <a:pPr marL="50800" marR="50800" indent="0" algn="r">
+                        <a:spcBef>
+                          <a:spcPts val="100"/>
+                        </a:spcBef>
+                        <a:spcAft>
+                          <a:spcPts val="100"/>
+                        </a:spcAft>
+                        <a:buNone/>
+                      </a:pPr>
+                      <a:r>
+                        <a:rPr sz="1300" i="true">
+                          <a:solidFill>
+                            <a:srgbClr val="000000">
+                              <a:alpha val="100000"/>
+                            </a:srgbClr>
+                          </a:solidFill>
+                          <a:latin typeface="Times New Roman"/>
+                          <a:ea typeface="Times New Roman"/>
+                          <a:cs typeface="Times New Roman"/>
+                        </a:rPr>
+                        <a:t/>
+                      </a:r>
+                      <a:r>
+                        <a:rPr sz="1300" i="true">
+                          <a:solidFill>
+                            <a:srgbClr val="000000">
+                              <a:alpha val="100000"/>
+                            </a:srgbClr>
+                          </a:solidFill>
+                          <a:latin typeface="Times New Roman"/>
+                          <a:ea typeface="Times New Roman"/>
+                          <a:cs typeface="Times New Roman"/>
+                        </a:rPr>
+                        <a:t>gear</a:t>
+                      </a:r>
+                    </a:p>
+                  </a:txBody>
+                  <a:tcPr marL="0" marR="0" marT="0" marB="0" anchor="ctr">
+                    <a:lnL w="12700" cap="flat" cmpd="sng" algn="ctr">
+                      <a:noFill/>
+                      <a:prstDash val="solid"/>
+                      <a:round/>
+                      <a:headEnd type="none" w="med" len="med"/>
+                      <a:tailEnd type="none" w="med" len="med"/>
+                    </a:lnL>
+                    <a:lnR w="12700" cap="flat" cmpd="sng" algn="ctr">
+                      <a:noFill/>
+                      <a:prstDash val="solid"/>
+                      <a:round/>
+                      <a:headEnd type="none" w="med" len="med"/>
+                      <a:tailEnd type="none" w="med" len="med"/>
+                    </a:lnR>
+                    <a:lnT w="25400">
+                      <a:solidFill>
+                        <a:srgbClr val="000000">
+                          <a:alpha val="100000"/>
+                        </a:srgbClr>
+                      </a:solidFill>
+                      <a:prstDash val="solid"/>
+                    </a:lnT>
+                    <a:lnB w="25400">
+                      <a:solidFill>
+                        <a:srgbClr val="000000">
+                          <a:alpha val="100000"/>
+                        </a:srgbClr>
+                      </a:solidFill>
+                      <a:prstDash val="solid"/>
+                    </a:lnB>
+                    <a:solidFill>
+                      <a:srgbClr val="EEEEEE">
+                        <a:alpha val="100000"/>
+                      </a:srgbClr>
+                    </a:solidFill>
+                  </a:tcPr>
+                </a:tc>
+                <a:tc>
+                  <a:txBody>
+                    <a:bodyPr/>
+                    <a:lstStyle/>
+                    <a:p>
+                      <a:pPr marL="50800" marR="50800" indent="0" algn="r">
+                        <a:spcBef>
+                          <a:spcPts val="100"/>
+                        </a:spcBef>
+                        <a:spcAft>
+                          <a:spcPts val="100"/>
+                        </a:spcAft>
+                        <a:buNone/>
+                      </a:pPr>
+                      <a:r>
+                        <a:rPr sz="1300" i="true">
+                          <a:solidFill>
+                            <a:srgbClr val="000000">
+                              <a:alpha val="100000"/>
+                            </a:srgbClr>
+                          </a:solidFill>
+                          <a:latin typeface="Times New Roman"/>
+                          <a:ea typeface="Times New Roman"/>
+                          <a:cs typeface="Times New Roman"/>
+                        </a:rPr>
+                        <a:t/>
+                      </a:r>
+                      <a:r>
+                        <a:rPr sz="1300" i="true">
+                          <a:solidFill>
+                            <a:srgbClr val="000000">
+                              <a:alpha val="100000"/>
+                            </a:srgbClr>
+                          </a:solidFill>
+                          <a:latin typeface="Times New Roman"/>
+                          <a:ea typeface="Times New Roman"/>
+                          <a:cs typeface="Times New Roman"/>
+                        </a:rPr>
+                        <a:t>0.48</a:t>
+                      </a:r>
+                    </a:p>
+                  </a:txBody>
+                  <a:tcPr marL="0" marR="0" marT="0" marB="0" anchor="ctr">
+                    <a:lnL w="12700" cap="flat" cmpd="sng" algn="ctr">
+                      <a:noFill/>
+                      <a:prstDash val="solid"/>
+                      <a:round/>
+                      <a:headEnd type="none" w="med" len="med"/>
+                      <a:tailEnd type="none" w="med" len="med"/>
+                    </a:lnL>
+                    <a:lnR w="12700" cap="flat" cmpd="sng" algn="ctr">
+                      <a:noFill/>
+                      <a:prstDash val="solid"/>
+                      <a:round/>
+                      <a:headEnd type="none" w="med" len="med"/>
+                      <a:tailEnd type="none" w="med" len="med"/>
+                    </a:lnR>
+                    <a:lnT w="25400">
+                      <a:solidFill>
+                        <a:srgbClr val="000000">
+                          <a:alpha val="100000"/>
+                        </a:srgbClr>
+                      </a:solidFill>
+                      <a:prstDash val="solid"/>
+                    </a:lnT>
+                    <a:lnB w="25400">
+                      <a:solidFill>
+                        <a:srgbClr val="000000">
+                          <a:alpha val="100000"/>
+                        </a:srgbClr>
+                      </a:solidFill>
+                      <a:prstDash val="solid"/>
+                    </a:lnB>
+                    <a:solidFill>
+                      <a:srgbClr val="EEEEEE">
+                        <a:alpha val="100000"/>
+                      </a:srgbClr>
+                    </a:solidFill>
+                  </a:tcPr>
+                </a:tc>
+              </a:tr>
+            </a:tbl>
+          </a:graphicData>
+        </a:graphic>
+      </p:graphicFrame>
+      <p:graphicFrame>
+        <p:nvGraphicFramePr>
+          <p:cNvPr id="5" name="nvGraphicFrame 5"/>
+          <p:cNvGraphicFramePr>
+            <a:graphicFrameLocks noGrp="true"/>
+          </p:cNvGraphicFramePr>
+          <p:nvPr/>
+        </p:nvGraphicFramePr>
+        <p:xfrm rot="0">
+          <a:off x="7315200" y="5029200"/>
+          <a:ext cx="9144000" cy="3657600"/>
+        </p:xfrm>
+        <a:graphic>
+          <a:graphicData uri="http://schemas.openxmlformats.org/drawingml/2006/table">
+            <a:tbl>
+              <a:tblPr/>
+              <a:tblGrid>
+                <a:gridCol w="1828800"/>
+                <a:gridCol w="1828800"/>
+              </a:tblGrid>
+              <a:tr h="0">
+                <a:tc>
+                  <a:txBody>
+                    <a:bodyPr/>
+                    <a:lstStyle/>
+                    <a:p>
+                      <a:pPr marL="50800" marR="50800" indent="0" algn="r">
+                        <a:spcBef>
+                          <a:spcPts val="100"/>
+                        </a:spcBef>
+                        <a:spcAft>
+                          <a:spcPts val="100"/>
+                        </a:spcAft>
+                        <a:buNone/>
+                      </a:pPr>
+                      <a:r>
+                        <a:rPr sz="1100" b="true">
+                          <a:solidFill>
+                            <a:srgbClr val="000000">
+                              <a:alpha val="100000"/>
+                            </a:srgbClr>
+                          </a:solidFill>
+                          <a:latin typeface="Times New Roman"/>
+                          <a:ea typeface="Times New Roman"/>
+                          <a:cs typeface="Times New Roman"/>
+                        </a:rPr>
+                        <a:t>Feature</a:t>
+                      </a:r>
+                    </a:p>
+                  </a:txBody>
+                  <a:tcPr marL="0" marR="0" marT="0" marB="0" anchor="ctr">
+                    <a:lnL w="12700" cap="flat" cmpd="sng" algn="ctr">
+                      <a:noFill/>
+                      <a:prstDash val="solid"/>
+                      <a:round/>
+                      <a:headEnd type="none" w="med" len="med"/>
+                      <a:tailEnd type="none" w="med" len="med"/>
+                    </a:lnL>
+                    <a:lnR w="12700" cap="flat" cmpd="sng" algn="ctr">
+                      <a:noFill/>
+                      <a:prstDash val="solid"/>
+                      <a:round/>
+                      <a:headEnd type="none" w="med" len="med"/>
+                      <a:tailEnd type="none" w="med" len="med"/>
+                    </a:lnR>
+                    <a:lnT w="25400">
+                      <a:solidFill>
+                        <a:srgbClr val="000000">
+                          <a:alpha val="100000"/>
+                        </a:srgbClr>
+                      </a:solidFill>
+                      <a:prstDash val="solid"/>
+                    </a:lnT>
+                    <a:lnB w="25400">
+                      <a:solidFill>
+                        <a:srgbClr val="000000">
+                          <a:alpha val="100000"/>
+                        </a:srgbClr>
+                      </a:solidFill>
+                      <a:prstDash val="solid"/>
+                    </a:lnB>
+                    <a:solidFill>
+                      <a:srgbClr val="FFFFFF">
+                        <a:alpha val="0"/>
+                      </a:srgbClr>
+                    </a:solidFill>
+                  </a:tcPr>
+                </a:tc>
+                <a:tc>
+                  <a:txBody>
+                    <a:bodyPr/>
+                    <a:lstStyle/>
+                    <a:p>
+                      <a:pPr marL="50800" marR="50800" indent="0" algn="r">
+                        <a:spcBef>
+                          <a:spcPts val="100"/>
+                        </a:spcBef>
+                        <a:spcAft>
+                          <a:spcPts val="100"/>
+                        </a:spcAft>
+                        <a:buNone/>
+                      </a:pPr>
+                      <a:r>
+                        <a:rPr sz="1100" b="true">
+                          <a:solidFill>
+                            <a:srgbClr val="000000">
+                              <a:alpha val="100000"/>
+                            </a:srgbClr>
+                          </a:solidFill>
+                          <a:latin typeface="Times New Roman"/>
+                          <a:ea typeface="Times New Roman"/>
+                          <a:cs typeface="Times New Roman"/>
+                        </a:rPr>
+                        <a:t>Correlation with Target</a:t>
+                      </a:r>
+                    </a:p>
+                  </a:txBody>
+                  <a:tcPr marL="0" marR="0" marT="0" marB="0" anchor="ctr">
+                    <a:lnL w="12700" cap="flat" cmpd="sng" algn="ctr">
+                      <a:noFill/>
+                      <a:prstDash val="solid"/>
+                      <a:round/>
+                      <a:headEnd type="none" w="med" len="med"/>
+                      <a:tailEnd type="none" w="med" len="med"/>
+                    </a:lnL>
+                    <a:lnR w="12700" cap="flat" cmpd="sng" algn="ctr">
+                      <a:noFill/>
+                      <a:prstDash val="solid"/>
+                      <a:round/>
+                      <a:headEnd type="none" w="med" len="med"/>
+                      <a:tailEnd type="none" w="med" len="med"/>
+                    </a:lnR>
+                    <a:lnT w="25400">
+                      <a:solidFill>
+                        <a:srgbClr val="000000">
+                          <a:alpha val="100000"/>
+                        </a:srgbClr>
+                      </a:solidFill>
+                      <a:prstDash val="solid"/>
+                    </a:lnT>
+                    <a:lnB w="25400">
+                      <a:solidFill>
+                        <a:srgbClr val="000000">
+                          <a:alpha val="100000"/>
+                        </a:srgbClr>
+                      </a:solidFill>
+                      <a:prstDash val="solid"/>
+                    </a:lnB>
+                    <a:solidFill>
+                      <a:srgbClr val="FFFFFF">
+                        <a:alpha val="0"/>
+                      </a:srgbClr>
+                    </a:solidFill>
+                  </a:tcPr>
+                </a:tc>
+              </a:tr>
+              <a:tr h="0">
+                <a:tc>
+                  <a:txBody>
+                    <a:bodyPr/>
+                    <a:lstStyle/>
+                    <a:p>
+                      <a:pPr marL="50800" marR="50800" indent="0" algn="r">
+                        <a:spcBef>
+                          <a:spcPts val="100"/>
+                        </a:spcBef>
+                        <a:spcAft>
+                          <a:spcPts val="100"/>
+                        </a:spcAft>
+                        <a:buNone/>
+                      </a:pPr>
+                      <a:r>
+                        <a:rPr sz="1400" i="true">
+                          <a:solidFill>
+                            <a:srgbClr val="000000">
+                              <a:alpha val="100000"/>
+                            </a:srgbClr>
+                          </a:solidFill>
+                          <a:latin typeface="Times New Roman"/>
+                          <a:ea typeface="Times New Roman"/>
+                          <a:cs typeface="Times New Roman"/>
+                        </a:rPr>
+                        <a:t/>
+                      </a:r>
+                      <a:r>
+                        <a:rPr sz="1400" i="true">
+                          <a:solidFill>
+                            <a:srgbClr val="000000">
+                              <a:alpha val="100000"/>
+                            </a:srgbClr>
+                          </a:solidFill>
+                          <a:latin typeface="Times New Roman"/>
+                          <a:ea typeface="Times New Roman"/>
+                          <a:cs typeface="Times New Roman"/>
+                        </a:rPr>
+                        <a:t>carb</a:t>
+                      </a:r>
+                    </a:p>
+                  </a:txBody>
+                  <a:tcPr marL="0" marR="0" marT="0" marB="0" anchor="ctr">
+                    <a:lnL w="12700" cap="flat" cmpd="sng" algn="ctr">
+                      <a:noFill/>
+                      <a:prstDash val="solid"/>
+                      <a:round/>
+                      <a:headEnd type="none" w="med" len="med"/>
+                      <a:tailEnd type="none" w="med" len="med"/>
+                    </a:lnL>
+                    <a:lnR w="12700" cap="flat" cmpd="sng" algn="ctr">
+                      <a:noFill/>
+                      <a:prstDash val="solid"/>
+                      <a:round/>
+                      <a:headEnd type="none" w="med" len="med"/>
+                      <a:tailEnd type="none" w="med" len="med"/>
+                    </a:lnR>
+                    <a:lnT w="25400">
+                      <a:solidFill>
+                        <a:srgbClr val="000000">
+                          <a:alpha val="100000"/>
+                        </a:srgbClr>
+                      </a:solidFill>
+                      <a:prstDash val="solid"/>
+                    </a:lnT>
+                    <a:lnB w="25400">
+                      <a:solidFill>
+                        <a:srgbClr val="000000">
+                          <a:alpha val="100000"/>
+                        </a:srgbClr>
+                      </a:solidFill>
+                      <a:prstDash val="solid"/>
+                    </a:lnB>
+                    <a:solidFill>
+                      <a:srgbClr val="EEEEEE">
+                        <a:alpha val="100000"/>
+                      </a:srgbClr>
+                    </a:solidFill>
+                  </a:tcPr>
+                </a:tc>
+                <a:tc>
+                  <a:txBody>
+                    <a:bodyPr/>
+                    <a:lstStyle/>
+                    <a:p>
+                      <a:pPr marL="50800" marR="50800" indent="0" algn="r">
+                        <a:spcBef>
+                          <a:spcPts val="100"/>
+                        </a:spcBef>
+                        <a:spcAft>
+                          <a:spcPts val="100"/>
+                        </a:spcAft>
+                        <a:buNone/>
+                      </a:pPr>
+                      <a:r>
+                        <a:rPr sz="1400" i="true">
+                          <a:solidFill>
+                            <a:srgbClr val="000000">
+                              <a:alpha val="100000"/>
+                            </a:srgbClr>
+                          </a:solidFill>
+                          <a:latin typeface="Times New Roman"/>
+                          <a:ea typeface="Times New Roman"/>
+                          <a:cs typeface="Times New Roman"/>
+                        </a:rPr>
+                        <a:t/>
+                      </a:r>
+                      <a:r>
+                        <a:rPr sz="1400" i="true">
                           <a:solidFill>
                             <a:srgbClr val="000000">
                               <a:alpha val="100000"/>
@@ -5420,7 +8722,7 @@
 </file>
 
 <file path=ppt/slides/slide2.xml><?xml version="1.0" encoding="utf-8"?>
-<p:sld xmlns:p="http://schemas.openxmlformats.org/presentationml/2006/main" xmlns:r="http://schemas.openxmlformats.org/officeDocument/2006/relationships" xmlns:a="http://schemas.openxmlformats.org/drawingml/2006/main" xmlns:mc="http://schemas.openxmlformats.org/markup-compatibility/2006" xmlns:c="http://schemas.openxmlformats.org/drawingml/2006/chart" xmlns:ns6="http://schemas.openxmlformats.org/drawingml/2006/chartDrawing" xmlns:dgm="http://schemas.openxmlformats.org/drawingml/2006/diagram" xmlns:pic="http://schemas.openxmlformats.org/drawingml/2006/picture" xmlns:wp="http://schemas.openxmlformats.org/drawingml/2006/wordprocessingDrawing" xmlns:xdr="http://schemas.openxmlformats.org/drawingml/2006/spreadsheetDrawing" xmlns:ns11="http://schemas.openxmlformats.org/drawingml/2006/compatibility" xmlns:ns12="http://schemas.openxmlformats.org/drawingml/2006/lockedCanvas">
+<p:sld xmlns:r="http://schemas.openxmlformats.org/officeDocument/2006/relationships" xmlns:p="http://schemas.openxmlformats.org/presentationml/2006/main" xmlns:a="http://schemas.openxmlformats.org/drawingml/2006/main" xmlns:mc="http://schemas.openxmlformats.org/markup-compatibility/2006" xmlns:c="http://schemas.openxmlformats.org/drawingml/2006/chart" xmlns:ns6="http://schemas.openxmlformats.org/drawingml/2006/chartDrawing" xmlns:dgm="http://schemas.openxmlformats.org/drawingml/2006/diagram" xmlns:pic="http://schemas.openxmlformats.org/drawingml/2006/picture" xmlns:wp="http://schemas.openxmlformats.org/drawingml/2006/wordprocessingDrawing" xmlns:xdr="http://schemas.openxmlformats.org/drawingml/2006/spreadsheetDrawing" xmlns:ns11="http://schemas.openxmlformats.org/drawingml/2006/compatibility" xmlns:ns12="http://schemas.openxmlformats.org/drawingml/2006/lockedCanvas">
   <p:cSld>
     <p:spTree>
       <p:nvGrpSpPr>
@@ -5559,7 +8861,7 @@
 </file>
 
 <file path=ppt/slides/slide3.xml><?xml version="1.0" encoding="utf-8"?>
-<p:sld xmlns:p="http://schemas.openxmlformats.org/presentationml/2006/main" xmlns:r="http://schemas.openxmlformats.org/officeDocument/2006/relationships" xmlns:a="http://schemas.openxmlformats.org/drawingml/2006/main" xmlns:mc="http://schemas.openxmlformats.org/markup-compatibility/2006" xmlns:c="http://schemas.openxmlformats.org/drawingml/2006/chart" xmlns:ns6="http://schemas.openxmlformats.org/drawingml/2006/chartDrawing" xmlns:dgm="http://schemas.openxmlformats.org/drawingml/2006/diagram" xmlns:pic="http://schemas.openxmlformats.org/drawingml/2006/picture" xmlns:wp="http://schemas.openxmlformats.org/drawingml/2006/wordprocessingDrawing" xmlns:xdr="http://schemas.openxmlformats.org/drawingml/2006/spreadsheetDrawing" xmlns:ns11="http://schemas.openxmlformats.org/drawingml/2006/compatibility" xmlns:ns12="http://schemas.openxmlformats.org/drawingml/2006/lockedCanvas">
+<p:sld xmlns:r="http://schemas.openxmlformats.org/officeDocument/2006/relationships" xmlns:p="http://schemas.openxmlformats.org/presentationml/2006/main" xmlns:a="http://schemas.openxmlformats.org/drawingml/2006/main" xmlns:mc="http://schemas.openxmlformats.org/markup-compatibility/2006" xmlns:c="http://schemas.openxmlformats.org/drawingml/2006/chart" xmlns:ns6="http://schemas.openxmlformats.org/drawingml/2006/chartDrawing" xmlns:dgm="http://schemas.openxmlformats.org/drawingml/2006/diagram" xmlns:pic="http://schemas.openxmlformats.org/drawingml/2006/picture" xmlns:wp="http://schemas.openxmlformats.org/drawingml/2006/wordprocessingDrawing" xmlns:xdr="http://schemas.openxmlformats.org/drawingml/2006/spreadsheetDrawing" xmlns:ns11="http://schemas.openxmlformats.org/drawingml/2006/compatibility" xmlns:ns12="http://schemas.openxmlformats.org/drawingml/2006/lockedCanvas">
   <p:cSld>
     <p:spTree>
       <p:nvGrpSpPr>
@@ -5590,7 +8892,7 @@
           <a:p>
             <a:r>
               <a:rPr/>
-              <a:t>Univariate Analysis Slide  1 of 5</a:t>
+              <a:t>Univariate Analysis Slide  1 of 6</a:t>
             </a:r>
           </a:p>
         </p:txBody>
@@ -7185,7 +10487,7 @@
 </file>
 
 <file path=ppt/slides/slide4.xml><?xml version="1.0" encoding="utf-8"?>
-<p:sld xmlns:p="http://schemas.openxmlformats.org/presentationml/2006/main" xmlns:r="http://schemas.openxmlformats.org/officeDocument/2006/relationships" xmlns:a="http://schemas.openxmlformats.org/drawingml/2006/main" xmlns:mc="http://schemas.openxmlformats.org/markup-compatibility/2006" xmlns:c="http://schemas.openxmlformats.org/drawingml/2006/chart" xmlns:ns6="http://schemas.openxmlformats.org/drawingml/2006/chartDrawing" xmlns:dgm="http://schemas.openxmlformats.org/drawingml/2006/diagram" xmlns:pic="http://schemas.openxmlformats.org/drawingml/2006/picture" xmlns:wp="http://schemas.openxmlformats.org/drawingml/2006/wordprocessingDrawing" xmlns:xdr="http://schemas.openxmlformats.org/drawingml/2006/spreadsheetDrawing" xmlns:ns11="http://schemas.openxmlformats.org/drawingml/2006/compatibility" xmlns:ns12="http://schemas.openxmlformats.org/drawingml/2006/lockedCanvas">
+<p:sld xmlns:r="http://schemas.openxmlformats.org/officeDocument/2006/relationships" xmlns:p="http://schemas.openxmlformats.org/presentationml/2006/main" xmlns:a="http://schemas.openxmlformats.org/drawingml/2006/main" xmlns:mc="http://schemas.openxmlformats.org/markup-compatibility/2006" xmlns:c="http://schemas.openxmlformats.org/drawingml/2006/chart" xmlns:ns6="http://schemas.openxmlformats.org/drawingml/2006/chartDrawing" xmlns:dgm="http://schemas.openxmlformats.org/drawingml/2006/diagram" xmlns:pic="http://schemas.openxmlformats.org/drawingml/2006/picture" xmlns:wp="http://schemas.openxmlformats.org/drawingml/2006/wordprocessingDrawing" xmlns:xdr="http://schemas.openxmlformats.org/drawingml/2006/spreadsheetDrawing" xmlns:ns11="http://schemas.openxmlformats.org/drawingml/2006/compatibility" xmlns:ns12="http://schemas.openxmlformats.org/drawingml/2006/lockedCanvas">
   <p:cSld>
     <p:spTree>
       <p:nvGrpSpPr>
@@ -7216,7 +10518,7 @@
           <a:p>
             <a:r>
               <a:rPr/>
-              <a:t>Univariate Analysis Slide  2 of 5</a:t>
+              <a:t>Univariate Analysis Slide  2 of 6</a:t>
             </a:r>
           </a:p>
         </p:txBody>
@@ -8438,7 +11740,7 @@
                           <a:ea typeface="Times New Roman"/>
                           <a:cs typeface="Times New Roman"/>
                         </a:rPr>
-                        <a:t>0</a:t>
+                        <a:t>2.76</a:t>
                       </a:r>
                     </a:p>
                   </a:txBody>
@@ -8518,7 +11820,7 @@
                           <a:ea typeface="Times New Roman"/>
                           <a:cs typeface="Times New Roman"/>
                         </a:rPr>
-                        <a:t>0</a:t>
+                        <a:t>3.08</a:t>
                       </a:r>
                     </a:p>
                   </a:txBody>
@@ -8598,7 +11900,7 @@
                           <a:ea typeface="Times New Roman"/>
                           <a:cs typeface="Times New Roman"/>
                         </a:rPr>
-                        <a:t>0</a:t>
+                        <a:t>3.66</a:t>
                       </a:r>
                     </a:p>
                   </a:txBody>
@@ -8678,7 +11980,7 @@
                           <a:ea typeface="Times New Roman"/>
                           <a:cs typeface="Times New Roman"/>
                         </a:rPr>
-                        <a:t>1</a:t>
+                        <a:t>3.92</a:t>
                       </a:r>
                     </a:p>
                   </a:txBody>
@@ -8758,7 +12060,7 @@
                           <a:ea typeface="Times New Roman"/>
                           <a:cs typeface="Times New Roman"/>
                         </a:rPr>
-                        <a:t>1</a:t>
+                        <a:t>4.93</a:t>
                       </a:r>
                     </a:p>
                   </a:txBody>
@@ -8811,7 +12113,7 @@
 </file>
 
 <file path=ppt/slides/slide5.xml><?xml version="1.0" encoding="utf-8"?>
-<p:sld xmlns:p="http://schemas.openxmlformats.org/presentationml/2006/main" xmlns:r="http://schemas.openxmlformats.org/officeDocument/2006/relationships" xmlns:a="http://schemas.openxmlformats.org/drawingml/2006/main" xmlns:mc="http://schemas.openxmlformats.org/markup-compatibility/2006" xmlns:c="http://schemas.openxmlformats.org/drawingml/2006/chart" xmlns:ns6="http://schemas.openxmlformats.org/drawingml/2006/chartDrawing" xmlns:dgm="http://schemas.openxmlformats.org/drawingml/2006/diagram" xmlns:pic="http://schemas.openxmlformats.org/drawingml/2006/picture" xmlns:wp="http://schemas.openxmlformats.org/drawingml/2006/wordprocessingDrawing" xmlns:xdr="http://schemas.openxmlformats.org/drawingml/2006/spreadsheetDrawing" xmlns:ns11="http://schemas.openxmlformats.org/drawingml/2006/compatibility" xmlns:ns12="http://schemas.openxmlformats.org/drawingml/2006/lockedCanvas">
+<p:sld xmlns:r="http://schemas.openxmlformats.org/officeDocument/2006/relationships" xmlns:p="http://schemas.openxmlformats.org/presentationml/2006/main" xmlns:a="http://schemas.openxmlformats.org/drawingml/2006/main" xmlns:mc="http://schemas.openxmlformats.org/markup-compatibility/2006" xmlns:c="http://schemas.openxmlformats.org/drawingml/2006/chart" xmlns:ns6="http://schemas.openxmlformats.org/drawingml/2006/chartDrawing" xmlns:dgm="http://schemas.openxmlformats.org/drawingml/2006/diagram" xmlns:pic="http://schemas.openxmlformats.org/drawingml/2006/picture" xmlns:wp="http://schemas.openxmlformats.org/drawingml/2006/wordprocessingDrawing" xmlns:xdr="http://schemas.openxmlformats.org/drawingml/2006/spreadsheetDrawing" xmlns:ns11="http://schemas.openxmlformats.org/drawingml/2006/compatibility" xmlns:ns12="http://schemas.openxmlformats.org/drawingml/2006/lockedCanvas">
   <p:cSld>
     <p:spTree>
       <p:nvGrpSpPr>
@@ -8842,7 +12144,7 @@
           <a:p>
             <a:r>
               <a:rPr/>
-              <a:t>Univariate Analysis Slide  3 of 5</a:t>
+              <a:t>Univariate Analysis Slide  3 of 6</a:t>
             </a:r>
           </a:p>
         </p:txBody>
@@ -9298,7 +12600,7 @@
                           <a:ea typeface="Times New Roman"/>
                           <a:cs typeface="Times New Roman"/>
                         </a:rPr>
-                        <a:t>0</a:t>
+                        <a:t>1.51</a:t>
                       </a:r>
                     </a:p>
                   </a:txBody>
@@ -9378,7 +12680,7 @@
                           <a:ea typeface="Times New Roman"/>
                           <a:cs typeface="Times New Roman"/>
                         </a:rPr>
-                        <a:t>0</a:t>
+                        <a:t>2.46</a:t>
                       </a:r>
                     </a:p>
                   </a:txBody>
@@ -9458,7 +12760,7 @@
                           <a:ea typeface="Times New Roman"/>
                           <a:cs typeface="Times New Roman"/>
                         </a:rPr>
-                        <a:t>0</a:t>
+                        <a:t>3.44</a:t>
                       </a:r>
                     </a:p>
                   </a:txBody>
@@ -9538,7 +12840,7 @@
                           <a:ea typeface="Times New Roman"/>
                           <a:cs typeface="Times New Roman"/>
                         </a:rPr>
-                        <a:t>1</a:t>
+                        <a:t>3.73</a:t>
                       </a:r>
                     </a:p>
                   </a:txBody>
@@ -9618,7 +12920,7 @@
                           <a:ea typeface="Times New Roman"/>
                           <a:cs typeface="Times New Roman"/>
                         </a:rPr>
-                        <a:t>1</a:t>
+                        <a:t>5.42</a:t>
                       </a:r>
                     </a:p>
                   </a:txBody>
@@ -10064,7 +13366,7 @@
                           <a:ea typeface="Times New Roman"/>
                           <a:cs typeface="Times New Roman"/>
                         </a:rPr>
-                        <a:t>3</a:t>
+                        <a:t>14.5</a:t>
                       </a:r>
                     </a:p>
                   </a:txBody>
@@ -10144,7 +13446,7 @@
                           <a:ea typeface="Times New Roman"/>
                           <a:cs typeface="Times New Roman"/>
                         </a:rPr>
-                        <a:t>3</a:t>
+                        <a:t>16.88</a:t>
                       </a:r>
                     </a:p>
                   </a:txBody>
@@ -10224,7 +13526,7 @@
                           <a:ea typeface="Times New Roman"/>
                           <a:cs typeface="Times New Roman"/>
                         </a:rPr>
-                        <a:t>4</a:t>
+                        <a:t>17.82</a:t>
                       </a:r>
                     </a:p>
                   </a:txBody>
@@ -10304,7 +13606,7 @@
                           <a:ea typeface="Times New Roman"/>
                           <a:cs typeface="Times New Roman"/>
                         </a:rPr>
-                        <a:t>4</a:t>
+                        <a:t>18.9</a:t>
                       </a:r>
                     </a:p>
                   </a:txBody>
@@ -10384,7 +13686,7 @@
                           <a:ea typeface="Times New Roman"/>
                           <a:cs typeface="Times New Roman"/>
                         </a:rPr>
-                        <a:t>5</a:t>
+                        <a:t>22.9</a:t>
                       </a:r>
                     </a:p>
                   </a:txBody>
@@ -10437,7 +13739,7 @@
 </file>
 
 <file path=ppt/slides/slide6.xml><?xml version="1.0" encoding="utf-8"?>
-<p:sld xmlns:p="http://schemas.openxmlformats.org/presentationml/2006/main" xmlns:r="http://schemas.openxmlformats.org/officeDocument/2006/relationships" xmlns:a="http://schemas.openxmlformats.org/drawingml/2006/main" xmlns:mc="http://schemas.openxmlformats.org/markup-compatibility/2006" xmlns:c="http://schemas.openxmlformats.org/drawingml/2006/chart" xmlns:ns6="http://schemas.openxmlformats.org/drawingml/2006/chartDrawing" xmlns:dgm="http://schemas.openxmlformats.org/drawingml/2006/diagram" xmlns:pic="http://schemas.openxmlformats.org/drawingml/2006/picture" xmlns:wp="http://schemas.openxmlformats.org/drawingml/2006/wordprocessingDrawing" xmlns:xdr="http://schemas.openxmlformats.org/drawingml/2006/spreadsheetDrawing" xmlns:ns11="http://schemas.openxmlformats.org/drawingml/2006/compatibility" xmlns:ns12="http://schemas.openxmlformats.org/drawingml/2006/lockedCanvas">
+<p:sld xmlns:r="http://schemas.openxmlformats.org/officeDocument/2006/relationships" xmlns:p="http://schemas.openxmlformats.org/presentationml/2006/main" xmlns:a="http://schemas.openxmlformats.org/drawingml/2006/main" xmlns:mc="http://schemas.openxmlformats.org/markup-compatibility/2006" xmlns:c="http://schemas.openxmlformats.org/drawingml/2006/chart" xmlns:ns6="http://schemas.openxmlformats.org/drawingml/2006/chartDrawing" xmlns:dgm="http://schemas.openxmlformats.org/drawingml/2006/diagram" xmlns:pic="http://schemas.openxmlformats.org/drawingml/2006/picture" xmlns:wp="http://schemas.openxmlformats.org/drawingml/2006/wordprocessingDrawing" xmlns:xdr="http://schemas.openxmlformats.org/drawingml/2006/spreadsheetDrawing" xmlns:ns11="http://schemas.openxmlformats.org/drawingml/2006/compatibility" xmlns:ns12="http://schemas.openxmlformats.org/drawingml/2006/lockedCanvas">
   <p:cSld>
     <p:spTree>
       <p:nvGrpSpPr>
@@ -10468,7 +13770,7 @@
           <a:p>
             <a:r>
               <a:rPr/>
-              <a:t>Univariate Analysis Slide  4 of 5</a:t>
+              <a:t>Univariate Analysis Slide  4 of 6</a:t>
             </a:r>
           </a:p>
         </p:txBody>
@@ -10924,7 +14226,7 @@
                           <a:ea typeface="Times New Roman"/>
                           <a:cs typeface="Times New Roman"/>
                         </a:rPr>
-                        <a:t>1</a:t>
+                        <a:t>0</a:t>
                       </a:r>
                     </a:p>
                   </a:txBody>
@@ -11004,7 +14306,7 @@
                           <a:ea typeface="Times New Roman"/>
                           <a:cs typeface="Times New Roman"/>
                         </a:rPr>
-                        <a:t>2</a:t>
+                        <a:t>0</a:t>
                       </a:r>
                     </a:p>
                   </a:txBody>
@@ -11084,7 +14386,7 @@
                           <a:ea typeface="Times New Roman"/>
                           <a:cs typeface="Times New Roman"/>
                         </a:rPr>
-                        <a:t>2</a:t>
+                        <a:t>0</a:t>
                       </a:r>
                     </a:p>
                   </a:txBody>
@@ -11164,7 +14466,7 @@
                           <a:ea typeface="Times New Roman"/>
                           <a:cs typeface="Times New Roman"/>
                         </a:rPr>
-                        <a:t>4</a:t>
+                        <a:t>1</a:t>
                       </a:r>
                     </a:p>
                   </a:txBody>
@@ -11244,7 +14546,7 @@
                           <a:ea typeface="Times New Roman"/>
                           <a:cs typeface="Times New Roman"/>
                         </a:rPr>
-                        <a:t>8</a:t>
+                        <a:t>1</a:t>
                       </a:r>
                     </a:p>
                   </a:txBody>
@@ -11308,9 +14610,11 @@
             <a:tbl>
               <a:tblPr/>
               <a:tblGrid>
-                <a:gridCol w="1219200"/>
-                <a:gridCol w="1219200"/>
-                <a:gridCol w="1219200"/>
+                <a:gridCol w="731520"/>
+                <a:gridCol w="731520"/>
+                <a:gridCol w="731520"/>
+                <a:gridCol w="731520"/>
+                <a:gridCol w="731520"/>
               </a:tblGrid>
               <a:tr h="0">
                 <a:tc>
@@ -11338,7 +14642,7 @@
                           <a:ea typeface="Times New Roman"/>
                           <a:cs typeface="Times New Roman"/>
                         </a:rPr>
-                        <a:t>Metric</a:t>
+                        <a:t>min</a:t>
                       </a:r>
                     </a:p>
                   </a:txBody>
@@ -11405,7 +14709,7 @@
                           <a:ea typeface="Times New Roman"/>
                           <a:cs typeface="Times New Roman"/>
                         </a:rPr>
-                        <a:t>N</a:t>
+                        <a:t>25th</a:t>
                       </a:r>
                     </a:p>
                   </a:txBody>
@@ -11472,7 +14776,141 @@
                           <a:ea typeface="Times New Roman"/>
                           <a:cs typeface="Times New Roman"/>
                         </a:rPr>
-                        <a:t>Y</a:t>
+                        <a:t>50th</a:t>
+                      </a:r>
+                    </a:p>
+                  </a:txBody>
+                  <a:tcPr marL="0" marR="0" marT="0" marB="0" anchor="ctr">
+                    <a:lnL w="12700" cap="flat" cmpd="sng" algn="ctr">
+                      <a:noFill/>
+                      <a:prstDash val="solid"/>
+                      <a:round/>
+                      <a:headEnd type="none" w="med" len="med"/>
+                      <a:tailEnd type="none" w="med" len="med"/>
+                    </a:lnL>
+                    <a:lnR w="12700" cap="flat" cmpd="sng" algn="ctr">
+                      <a:noFill/>
+                      <a:prstDash val="solid"/>
+                      <a:round/>
+                      <a:headEnd type="none" w="med" len="med"/>
+                      <a:tailEnd type="none" w="med" len="med"/>
+                    </a:lnR>
+                    <a:lnT w="25400">
+                      <a:solidFill>
+                        <a:srgbClr val="000000">
+                          <a:alpha val="100000"/>
+                        </a:srgbClr>
+                      </a:solidFill>
+                      <a:prstDash val="solid"/>
+                    </a:lnT>
+                    <a:lnB w="25400">
+                      <a:solidFill>
+                        <a:srgbClr val="000000">
+                          <a:alpha val="100000"/>
+                        </a:srgbClr>
+                      </a:solidFill>
+                      <a:prstDash val="solid"/>
+                    </a:lnB>
+                    <a:solidFill>
+                      <a:srgbClr val="FFFFFF">
+                        <a:alpha val="0"/>
+                      </a:srgbClr>
+                    </a:solidFill>
+                  </a:tcPr>
+                </a:tc>
+                <a:tc>
+                  <a:txBody>
+                    <a:bodyPr/>
+                    <a:lstStyle/>
+                    <a:p>
+                      <a:pPr marL="50800" marR="50800" indent="0" algn="r">
+                        <a:spcBef>
+                          <a:spcPts val="100"/>
+                        </a:spcBef>
+                        <a:spcAft>
+                          <a:spcPts val="100"/>
+                        </a:spcAft>
+                        <a:buNone/>
+                      </a:pPr>
+                      <a:r>
+                        <a:rPr sz="1100" b="true">
+                          <a:solidFill>
+                            <a:srgbClr val="000000">
+                              <a:alpha val="100000"/>
+                            </a:srgbClr>
+                          </a:solidFill>
+                          <a:latin typeface="Times New Roman"/>
+                          <a:ea typeface="Times New Roman"/>
+                          <a:cs typeface="Times New Roman"/>
+                        </a:rPr>
+                        <a:t>75th</a:t>
+                      </a:r>
+                    </a:p>
+                  </a:txBody>
+                  <a:tcPr marL="0" marR="0" marT="0" marB="0" anchor="ctr">
+                    <a:lnL w="12700" cap="flat" cmpd="sng" algn="ctr">
+                      <a:noFill/>
+                      <a:prstDash val="solid"/>
+                      <a:round/>
+                      <a:headEnd type="none" w="med" len="med"/>
+                      <a:tailEnd type="none" w="med" len="med"/>
+                    </a:lnL>
+                    <a:lnR w="12700" cap="flat" cmpd="sng" algn="ctr">
+                      <a:noFill/>
+                      <a:prstDash val="solid"/>
+                      <a:round/>
+                      <a:headEnd type="none" w="med" len="med"/>
+                      <a:tailEnd type="none" w="med" len="med"/>
+                    </a:lnR>
+                    <a:lnT w="25400">
+                      <a:solidFill>
+                        <a:srgbClr val="000000">
+                          <a:alpha val="100000"/>
+                        </a:srgbClr>
+                      </a:solidFill>
+                      <a:prstDash val="solid"/>
+                    </a:lnT>
+                    <a:lnB w="25400">
+                      <a:solidFill>
+                        <a:srgbClr val="000000">
+                          <a:alpha val="100000"/>
+                        </a:srgbClr>
+                      </a:solidFill>
+                      <a:prstDash val="solid"/>
+                    </a:lnB>
+                    <a:solidFill>
+                      <a:srgbClr val="FFFFFF">
+                        <a:alpha val="0"/>
+                      </a:srgbClr>
+                    </a:solidFill>
+                  </a:tcPr>
+                </a:tc>
+                <a:tc>
+                  <a:txBody>
+                    <a:bodyPr/>
+                    <a:lstStyle/>
+                    <a:p>
+                      <a:pPr marL="50800" marR="50800" indent="0" algn="r">
+                        <a:spcBef>
+                          <a:spcPts val="100"/>
+                        </a:spcBef>
+                        <a:spcAft>
+                          <a:spcPts val="100"/>
+                        </a:spcAft>
+                        <a:buNone/>
+                      </a:pPr>
+                      <a:r>
+                        <a:rPr sz="1100" b="true">
+                          <a:solidFill>
+                            <a:srgbClr val="000000">
+                              <a:alpha val="100000"/>
+                            </a:srgbClr>
+                          </a:solidFill>
+                          <a:latin typeface="Times New Roman"/>
+                          <a:ea typeface="Times New Roman"/>
+                          <a:cs typeface="Times New Roman"/>
+                        </a:rPr>
+                        <a:t>max</a:t>
                       </a:r>
                     </a:p>
                   </a:txBody>
@@ -11554,7 +14992,7 @@
                           <a:ea typeface="Times New Roman"/>
                           <a:cs typeface="Times New Roman"/>
                         </a:rPr>
-                        <a:t>Count</a:t>
+                        <a:t>0</a:t>
                       </a:r>
                     </a:p>
                   </a:txBody>
@@ -11581,12 +15019,13 @@
                       </a:solidFill>
                       <a:prstDash val="solid"/>
                     </a:lnT>
-                    <a:lnB w="12700" cap="flat" cmpd="sng" algn="ctr">
-                      <a:noFill/>
-                      <a:prstDash val="solid"/>
-                      <a:round/>
-                      <a:headEnd type="none" w="med" len="med"/>
-                      <a:tailEnd type="none" w="med" len="med"/>
+                    <a:lnB w="25400">
+                      <a:solidFill>
+                        <a:srgbClr val="000000">
+                          <a:alpha val="100000"/>
+                        </a:srgbClr>
+                      </a:solidFill>
+                      <a:prstDash val="solid"/>
                     </a:lnB>
                     <a:solidFill>
                       <a:srgbClr val="EEEEEE">
@@ -11633,7 +15072,7 @@
                           <a:ea typeface="Times New Roman"/>
                           <a:cs typeface="Times New Roman"/>
                         </a:rPr>
-                        <a:t>18</a:t>
+                        <a:t>0</a:t>
                       </a:r>
                     </a:p>
                   </a:txBody>
@@ -11660,12 +15099,13 @@
                       </a:solidFill>
                       <a:prstDash val="solid"/>
                     </a:lnT>
-                    <a:lnB w="12700" cap="flat" cmpd="sng" algn="ctr">
-                      <a:noFill/>
-                      <a:prstDash val="solid"/>
-                      <a:round/>
-                      <a:headEnd type="none" w="med" len="med"/>
-                      <a:tailEnd type="none" w="med" len="med"/>
+                    <a:lnB w="25400">
+                      <a:solidFill>
+                        <a:srgbClr val="000000">
+                          <a:alpha val="100000"/>
+                        </a:srgbClr>
+                      </a:solidFill>
+                      <a:prstDash val="solid"/>
                     </a:lnB>
                     <a:solidFill>
                       <a:srgbClr val="EEEEEE">
@@ -11712,7 +15152,7 @@
                           <a:ea typeface="Times New Roman"/>
                           <a:cs typeface="Times New Roman"/>
                         </a:rPr>
-                        <a:t>9</a:t>
+                        <a:t>0</a:t>
                       </a:r>
                     </a:p>
                   </a:txBody>
@@ -11739,96 +15179,16 @@
                       </a:solidFill>
                       <a:prstDash val="solid"/>
                     </a:lnT>
-                    <a:lnB w="12700" cap="flat" cmpd="sng" algn="ctr">
-                      <a:noFill/>
-                      <a:prstDash val="solid"/>
-                      <a:round/>
-                      <a:headEnd type="none" w="med" len="med"/>
-                      <a:tailEnd type="none" w="med" len="med"/>
+                    <a:lnB w="25400">
+                      <a:solidFill>
+                        <a:srgbClr val="000000">
+                          <a:alpha val="100000"/>
+                        </a:srgbClr>
+                      </a:solidFill>
+                      <a:prstDash val="solid"/>
                     </a:lnB>
                     <a:solidFill>
                       <a:srgbClr val="EEEEEE">
-                        <a:alpha val="100000"/>
-                      </a:srgbClr>
-                    </a:solidFill>
-                  </a:tcPr>
-                </a:tc>
-              </a:tr>
-              <a:tr h="0">
-                <a:tc>
-                  <a:txBody>
-                    <a:bodyPr/>
-                    <a:lstStyle/>
-                    <a:p>
-                      <a:pPr marL="50800" marR="50800" indent="0" algn="r">
-                        <a:spcBef>
-                          <a:spcPts val="100"/>
-                        </a:spcBef>
-                        <a:spcAft>
-                          <a:spcPts val="100"/>
-                        </a:spcAft>
-                        <a:buNone/>
-                      </a:pPr>
-                      <a:r>
-                        <a:rPr sz="1400" i="true">
-                          <a:solidFill>
-                            <a:srgbClr val="000000">
-                              <a:alpha val="100000"/>
-                            </a:srgbClr>
-                          </a:solidFill>
-                          <a:latin typeface="Times New Roman"/>
-                          <a:ea typeface="Times New Roman"/>
-                          <a:cs typeface="Times New Roman"/>
-                        </a:rPr>
-                        <a:t/>
-                      </a:r>
-                      <a:r>
-                        <a:rPr sz="1400" i="true">
-                          <a:solidFill>
-                            <a:srgbClr val="000000">
-                              <a:alpha val="100000"/>
-                            </a:srgbClr>
-                          </a:solidFill>
-                          <a:latin typeface="Times New Roman"/>
-                          <a:ea typeface="Times New Roman"/>
-                          <a:cs typeface="Times New Roman"/>
-                        </a:rPr>
-                        <a:t>Perct.</a:t>
-                      </a:r>
-                    </a:p>
-                  </a:txBody>
-                  <a:tcPr marL="0" marR="0" marT="0" marB="0" anchor="ctr">
-                    <a:lnL w="12700" cap="flat" cmpd="sng" algn="ctr">
-                      <a:noFill/>
-                      <a:prstDash val="solid"/>
-                      <a:round/>
-                      <a:headEnd type="none" w="med" len="med"/>
-                      <a:tailEnd type="none" w="med" len="med"/>
-                    </a:lnL>
-                    <a:lnR w="12700" cap="flat" cmpd="sng" algn="ctr">
-                      <a:noFill/>
-                      <a:prstDash val="solid"/>
-                      <a:round/>
-                      <a:headEnd type="none" w="med" len="med"/>
-                      <a:tailEnd type="none" w="med" len="med"/>
-                    </a:lnR>
-                    <a:lnT w="12700" cap="flat" cmpd="sng" algn="ctr">
-                      <a:noFill/>
-                      <a:prstDash val="solid"/>
-                      <a:round/>
-                      <a:headEnd type="none" w="med" len="med"/>
-                      <a:tailEnd type="none" w="med" len="med"/>
-                    </a:lnT>
-                    <a:lnB w="25400">
-                      <a:solidFill>
-                        <a:srgbClr val="000000">
-                          <a:alpha val="100000"/>
-                        </a:srgbClr>
-                      </a:solidFill>
-                      <a:prstDash val="solid"/>
-                    </a:lnB>
-                    <a:solidFill>
-                      <a:srgbClr val="FFFFFF">
                         <a:alpha val="100000"/>
                       </a:srgbClr>
                     </a:solidFill>
@@ -11872,7 +15232,7 @@
                           <a:ea typeface="Times New Roman"/>
                           <a:cs typeface="Times New Roman"/>
                         </a:rPr>
-                        <a:t>66.67%</a:t>
+                        <a:t>1</a:t>
                       </a:r>
                     </a:p>
                   </a:txBody>
@@ -11891,12 +15251,13 @@
                       <a:headEnd type="none" w="med" len="med"/>
                       <a:tailEnd type="none" w="med" len="med"/>
                     </a:lnR>
-                    <a:lnT w="12700" cap="flat" cmpd="sng" algn="ctr">
-                      <a:noFill/>
-                      <a:prstDash val="solid"/>
-                      <a:round/>
-                      <a:headEnd type="none" w="med" len="med"/>
-                      <a:tailEnd type="none" w="med" len="med"/>
+                    <a:lnT w="25400">
+                      <a:solidFill>
+                        <a:srgbClr val="000000">
+                          <a:alpha val="100000"/>
+                        </a:srgbClr>
+                      </a:solidFill>
+                      <a:prstDash val="solid"/>
                     </a:lnT>
                     <a:lnB w="25400">
                       <a:solidFill>
@@ -11907,7 +15268,7 @@
                       <a:prstDash val="solid"/>
                     </a:lnB>
                     <a:solidFill>
-                      <a:srgbClr val="FFFFFF">
+                      <a:srgbClr val="EEEEEE">
                         <a:alpha val="100000"/>
                       </a:srgbClr>
                     </a:solidFill>
@@ -11951,7 +15312,7 @@
                           <a:ea typeface="Times New Roman"/>
                           <a:cs typeface="Times New Roman"/>
                         </a:rPr>
-                        <a:t>33.33%</a:t>
+                        <a:t>1</a:t>
                       </a:r>
                     </a:p>
                   </a:txBody>
@@ -11970,12 +15331,13 @@
                       <a:headEnd type="none" w="med" len="med"/>
                       <a:tailEnd type="none" w="med" len="med"/>
                     </a:lnR>
-                    <a:lnT w="12700" cap="flat" cmpd="sng" algn="ctr">
-                      <a:noFill/>
-                      <a:prstDash val="solid"/>
-                      <a:round/>
-                      <a:headEnd type="none" w="med" len="med"/>
-                      <a:tailEnd type="none" w="med" len="med"/>
+                    <a:lnT w="25400">
+                      <a:solidFill>
+                        <a:srgbClr val="000000">
+                          <a:alpha val="100000"/>
+                        </a:srgbClr>
+                      </a:solidFill>
+                      <a:prstDash val="solid"/>
                     </a:lnT>
                     <a:lnB w="25400">
                       <a:solidFill>
@@ -11986,7 +15348,7 @@
                       <a:prstDash val="solid"/>
                     </a:lnB>
                     <a:solidFill>
-                      <a:srgbClr val="FFFFFF">
+                      <a:srgbClr val="EEEEEE">
                         <a:alpha val="100000"/>
                       </a:srgbClr>
                     </a:solidFill>
@@ -12003,7 +15365,7 @@
 </file>
 
 <file path=ppt/slides/slide7.xml><?xml version="1.0" encoding="utf-8"?>
-<p:sld xmlns:p="http://schemas.openxmlformats.org/presentationml/2006/main" xmlns:r="http://schemas.openxmlformats.org/officeDocument/2006/relationships" xmlns:a="http://schemas.openxmlformats.org/drawingml/2006/main" xmlns:mc="http://schemas.openxmlformats.org/markup-compatibility/2006" xmlns:c="http://schemas.openxmlformats.org/drawingml/2006/chart" xmlns:ns6="http://schemas.openxmlformats.org/drawingml/2006/chartDrawing" xmlns:dgm="http://schemas.openxmlformats.org/drawingml/2006/diagram" xmlns:pic="http://schemas.openxmlformats.org/drawingml/2006/picture" xmlns:wp="http://schemas.openxmlformats.org/drawingml/2006/wordprocessingDrawing" xmlns:xdr="http://schemas.openxmlformats.org/drawingml/2006/spreadsheetDrawing" xmlns:ns11="http://schemas.openxmlformats.org/drawingml/2006/compatibility" xmlns:ns12="http://schemas.openxmlformats.org/drawingml/2006/lockedCanvas">
+<p:sld xmlns:r="http://schemas.openxmlformats.org/officeDocument/2006/relationships" xmlns:p="http://schemas.openxmlformats.org/presentationml/2006/main" xmlns:a="http://schemas.openxmlformats.org/drawingml/2006/main" xmlns:mc="http://schemas.openxmlformats.org/markup-compatibility/2006" xmlns:c="http://schemas.openxmlformats.org/drawingml/2006/chart" xmlns:ns6="http://schemas.openxmlformats.org/drawingml/2006/chartDrawing" xmlns:dgm="http://schemas.openxmlformats.org/drawingml/2006/diagram" xmlns:pic="http://schemas.openxmlformats.org/drawingml/2006/picture" xmlns:wp="http://schemas.openxmlformats.org/drawingml/2006/wordprocessingDrawing" xmlns:xdr="http://schemas.openxmlformats.org/drawingml/2006/spreadsheetDrawing" xmlns:ns11="http://schemas.openxmlformats.org/drawingml/2006/compatibility" xmlns:ns12="http://schemas.openxmlformats.org/drawingml/2006/lockedCanvas">
   <p:cSld>
     <p:spTree>
       <p:nvGrpSpPr>
@@ -12034,7 +15396,7 @@
           <a:p>
             <a:r>
               <a:rPr/>
-              <a:t>Univariate Analysis Slide  5 of 5</a:t>
+              <a:t>Univariate Analysis Slide  5 of 6</a:t>
             </a:r>
           </a:p>
         </p:txBody>
@@ -12065,9 +15427,35 @@
           </a:prstGeom>
         </p:spPr>
       </p:pic>
+      <p:pic>
+        <p:nvPicPr>
+          <p:cNvPr id="3" name="Picture 3"/>
+          <p:cNvPicPr>
+            <a:picLocks noChangeAspect="true"/>
+          </p:cNvPicPr>
+          <p:nvPr>
+            <p:ph idx="3"/>
+          </p:nvPr>
+        </p:nvPicPr>
+        <p:blipFill>
+          <a:blip cstate="print" r:embed="rId3"/>
+          <a:stretch>
+            <a:fillRect/>
+          </a:stretch>
+        </p:blipFill>
+        <p:spPr>
+          <a:xfrm>
+            <a:off x="6400800" y="1371600"/>
+            <a:ext cx="5029200" cy="3200400"/>
+          </a:xfrm>
+          <a:prstGeom prst="rect">
+            <a:avLst/>
+          </a:prstGeom>
+        </p:spPr>
+      </p:pic>
       <p:graphicFrame>
         <p:nvGraphicFramePr>
-          <p:cNvPr id="3" name="nvGraphicFrame 3"/>
+          <p:cNvPr id="4" name="nvGraphicFrame 4"/>
           <p:cNvGraphicFramePr>
             <a:graphicFrameLocks noGrp="true"/>
           </p:cNvGraphicFramePr>
@@ -12075,6 +15463,2338 @@
         </p:nvGraphicFramePr>
         <p:xfrm rot="0">
           <a:off x="1828800" y="5029200"/>
+          <a:ext cx="9144000" cy="3657600"/>
+        </p:xfrm>
+        <a:graphic>
+          <a:graphicData uri="http://schemas.openxmlformats.org/drawingml/2006/table">
+            <a:tbl>
+              <a:tblPr/>
+              <a:tblGrid>
+                <a:gridCol w="731520"/>
+                <a:gridCol w="731520"/>
+                <a:gridCol w="731520"/>
+                <a:gridCol w="731520"/>
+                <a:gridCol w="731520"/>
+              </a:tblGrid>
+              <a:tr h="0">
+                <a:tc>
+                  <a:txBody>
+                    <a:bodyPr/>
+                    <a:lstStyle/>
+                    <a:p>
+                      <a:pPr marL="50800" marR="50800" indent="0" algn="r">
+                        <a:spcBef>
+                          <a:spcPts val="100"/>
+                        </a:spcBef>
+                        <a:spcAft>
+                          <a:spcPts val="100"/>
+                        </a:spcAft>
+                        <a:buNone/>
+                      </a:pPr>
+                      <a:r>
+                        <a:rPr sz="1100" b="true">
+                          <a:solidFill>
+                            <a:srgbClr val="000000">
+                              <a:alpha val="100000"/>
+                            </a:srgbClr>
+                          </a:solidFill>
+                          <a:latin typeface="Times New Roman"/>
+                          <a:ea typeface="Times New Roman"/>
+                          <a:cs typeface="Times New Roman"/>
+                        </a:rPr>
+                        <a:t>min</a:t>
+                      </a:r>
+                    </a:p>
+                  </a:txBody>
+                  <a:tcPr marL="0" marR="0" marT="0" marB="0" anchor="ctr">
+                    <a:lnL w="12700" cap="flat" cmpd="sng" algn="ctr">
+                      <a:noFill/>
+                      <a:prstDash val="solid"/>
+                      <a:round/>
+                      <a:headEnd type="none" w="med" len="med"/>
+                      <a:tailEnd type="none" w="med" len="med"/>
+                    </a:lnL>
+                    <a:lnR w="12700" cap="flat" cmpd="sng" algn="ctr">
+                      <a:noFill/>
+                      <a:prstDash val="solid"/>
+                      <a:round/>
+                      <a:headEnd type="none" w="med" len="med"/>
+                      <a:tailEnd type="none" w="med" len="med"/>
+                    </a:lnR>
+                    <a:lnT w="25400">
+                      <a:solidFill>
+                        <a:srgbClr val="000000">
+                          <a:alpha val="100000"/>
+                        </a:srgbClr>
+                      </a:solidFill>
+                      <a:prstDash val="solid"/>
+                    </a:lnT>
+                    <a:lnB w="25400">
+                      <a:solidFill>
+                        <a:srgbClr val="000000">
+                          <a:alpha val="100000"/>
+                        </a:srgbClr>
+                      </a:solidFill>
+                      <a:prstDash val="solid"/>
+                    </a:lnB>
+                    <a:solidFill>
+                      <a:srgbClr val="FFFFFF">
+                        <a:alpha val="0"/>
+                      </a:srgbClr>
+                    </a:solidFill>
+                  </a:tcPr>
+                </a:tc>
+                <a:tc>
+                  <a:txBody>
+                    <a:bodyPr/>
+                    <a:lstStyle/>
+                    <a:p>
+                      <a:pPr marL="50800" marR="50800" indent="0" algn="r">
+                        <a:spcBef>
+                          <a:spcPts val="100"/>
+                        </a:spcBef>
+                        <a:spcAft>
+                          <a:spcPts val="100"/>
+                        </a:spcAft>
+                        <a:buNone/>
+                      </a:pPr>
+                      <a:r>
+                        <a:rPr sz="1100" b="true">
+                          <a:solidFill>
+                            <a:srgbClr val="000000">
+                              <a:alpha val="100000"/>
+                            </a:srgbClr>
+                          </a:solidFill>
+                          <a:latin typeface="Times New Roman"/>
+                          <a:ea typeface="Times New Roman"/>
+                          <a:cs typeface="Times New Roman"/>
+                        </a:rPr>
+                        <a:t>25th</a:t>
+                      </a:r>
+                    </a:p>
+                  </a:txBody>
+                  <a:tcPr marL="0" marR="0" marT="0" marB="0" anchor="ctr">
+                    <a:lnL w="12700" cap="flat" cmpd="sng" algn="ctr">
+                      <a:noFill/>
+                      <a:prstDash val="solid"/>
+                      <a:round/>
+                      <a:headEnd type="none" w="med" len="med"/>
+                      <a:tailEnd type="none" w="med" len="med"/>
+                    </a:lnL>
+                    <a:lnR w="12700" cap="flat" cmpd="sng" algn="ctr">
+                      <a:noFill/>
+                      <a:prstDash val="solid"/>
+                      <a:round/>
+                      <a:headEnd type="none" w="med" len="med"/>
+                      <a:tailEnd type="none" w="med" len="med"/>
+                    </a:lnR>
+                    <a:lnT w="25400">
+                      <a:solidFill>
+                        <a:srgbClr val="000000">
+                          <a:alpha val="100000"/>
+                        </a:srgbClr>
+                      </a:solidFill>
+                      <a:prstDash val="solid"/>
+                    </a:lnT>
+                    <a:lnB w="25400">
+                      <a:solidFill>
+                        <a:srgbClr val="000000">
+                          <a:alpha val="100000"/>
+                        </a:srgbClr>
+                      </a:solidFill>
+                      <a:prstDash val="solid"/>
+                    </a:lnB>
+                    <a:solidFill>
+                      <a:srgbClr val="FFFFFF">
+                        <a:alpha val="0"/>
+                      </a:srgbClr>
+                    </a:solidFill>
+                  </a:tcPr>
+                </a:tc>
+                <a:tc>
+                  <a:txBody>
+                    <a:bodyPr/>
+                    <a:lstStyle/>
+                    <a:p>
+                      <a:pPr marL="50800" marR="50800" indent="0" algn="r">
+                        <a:spcBef>
+                          <a:spcPts val="100"/>
+                        </a:spcBef>
+                        <a:spcAft>
+                          <a:spcPts val="100"/>
+                        </a:spcAft>
+                        <a:buNone/>
+                      </a:pPr>
+                      <a:r>
+                        <a:rPr sz="1100" b="true">
+                          <a:solidFill>
+                            <a:srgbClr val="000000">
+                              <a:alpha val="100000"/>
+                            </a:srgbClr>
+                          </a:solidFill>
+                          <a:latin typeface="Times New Roman"/>
+                          <a:ea typeface="Times New Roman"/>
+                          <a:cs typeface="Times New Roman"/>
+                        </a:rPr>
+                        <a:t>50th</a:t>
+                      </a:r>
+                    </a:p>
+                  </a:txBody>
+                  <a:tcPr marL="0" marR="0" marT="0" marB="0" anchor="ctr">
+                    <a:lnL w="12700" cap="flat" cmpd="sng" algn="ctr">
+                      <a:noFill/>
+                      <a:prstDash val="solid"/>
+                      <a:round/>
+                      <a:headEnd type="none" w="med" len="med"/>
+                      <a:tailEnd type="none" w="med" len="med"/>
+                    </a:lnL>
+                    <a:lnR w="12700" cap="flat" cmpd="sng" algn="ctr">
+                      <a:noFill/>
+                      <a:prstDash val="solid"/>
+                      <a:round/>
+                      <a:headEnd type="none" w="med" len="med"/>
+                      <a:tailEnd type="none" w="med" len="med"/>
+                    </a:lnR>
+                    <a:lnT w="25400">
+                      <a:solidFill>
+                        <a:srgbClr val="000000">
+                          <a:alpha val="100000"/>
+                        </a:srgbClr>
+                      </a:solidFill>
+                      <a:prstDash val="solid"/>
+                    </a:lnT>
+                    <a:lnB w="25400">
+                      <a:solidFill>
+                        <a:srgbClr val="000000">
+                          <a:alpha val="100000"/>
+                        </a:srgbClr>
+                      </a:solidFill>
+                      <a:prstDash val="solid"/>
+                    </a:lnB>
+                    <a:solidFill>
+                      <a:srgbClr val="FFFFFF">
+                        <a:alpha val="0"/>
+                      </a:srgbClr>
+                    </a:solidFill>
+                  </a:tcPr>
+                </a:tc>
+                <a:tc>
+                  <a:txBody>
+                    <a:bodyPr/>
+                    <a:lstStyle/>
+                    <a:p>
+                      <a:pPr marL="50800" marR="50800" indent="0" algn="r">
+                        <a:spcBef>
+                          <a:spcPts val="100"/>
+                        </a:spcBef>
+                        <a:spcAft>
+                          <a:spcPts val="100"/>
+                        </a:spcAft>
+                        <a:buNone/>
+                      </a:pPr>
+                      <a:r>
+                        <a:rPr sz="1100" b="true">
+                          <a:solidFill>
+                            <a:srgbClr val="000000">
+                              <a:alpha val="100000"/>
+                            </a:srgbClr>
+                          </a:solidFill>
+                          <a:latin typeface="Times New Roman"/>
+                          <a:ea typeface="Times New Roman"/>
+                          <a:cs typeface="Times New Roman"/>
+                        </a:rPr>
+                        <a:t>75th</a:t>
+                      </a:r>
+                    </a:p>
+                  </a:txBody>
+                  <a:tcPr marL="0" marR="0" marT="0" marB="0" anchor="ctr">
+                    <a:lnL w="12700" cap="flat" cmpd="sng" algn="ctr">
+                      <a:noFill/>
+                      <a:prstDash val="solid"/>
+                      <a:round/>
+                      <a:headEnd type="none" w="med" len="med"/>
+                      <a:tailEnd type="none" w="med" len="med"/>
+                    </a:lnL>
+                    <a:lnR w="12700" cap="flat" cmpd="sng" algn="ctr">
+                      <a:noFill/>
+                      <a:prstDash val="solid"/>
+                      <a:round/>
+                      <a:headEnd type="none" w="med" len="med"/>
+                      <a:tailEnd type="none" w="med" len="med"/>
+                    </a:lnR>
+                    <a:lnT w="25400">
+                      <a:solidFill>
+                        <a:srgbClr val="000000">
+                          <a:alpha val="100000"/>
+                        </a:srgbClr>
+                      </a:solidFill>
+                      <a:prstDash val="solid"/>
+                    </a:lnT>
+                    <a:lnB w="25400">
+                      <a:solidFill>
+                        <a:srgbClr val="000000">
+                          <a:alpha val="100000"/>
+                        </a:srgbClr>
+                      </a:solidFill>
+                      <a:prstDash val="solid"/>
+                    </a:lnB>
+                    <a:solidFill>
+                      <a:srgbClr val="FFFFFF">
+                        <a:alpha val="0"/>
+                      </a:srgbClr>
+                    </a:solidFill>
+                  </a:tcPr>
+                </a:tc>
+                <a:tc>
+                  <a:txBody>
+                    <a:bodyPr/>
+                    <a:lstStyle/>
+                    <a:p>
+                      <a:pPr marL="50800" marR="50800" indent="0" algn="r">
+                        <a:spcBef>
+                          <a:spcPts val="100"/>
+                        </a:spcBef>
+                        <a:spcAft>
+                          <a:spcPts val="100"/>
+                        </a:spcAft>
+                        <a:buNone/>
+                      </a:pPr>
+                      <a:r>
+                        <a:rPr sz="1100" b="true">
+                          <a:solidFill>
+                            <a:srgbClr val="000000">
+                              <a:alpha val="100000"/>
+                            </a:srgbClr>
+                          </a:solidFill>
+                          <a:latin typeface="Times New Roman"/>
+                          <a:ea typeface="Times New Roman"/>
+                          <a:cs typeface="Times New Roman"/>
+                        </a:rPr>
+                        <a:t>max</a:t>
+                      </a:r>
+                    </a:p>
+                  </a:txBody>
+                  <a:tcPr marL="0" marR="0" marT="0" marB="0" anchor="ctr">
+                    <a:lnL w="12700" cap="flat" cmpd="sng" algn="ctr">
+                      <a:noFill/>
+                      <a:prstDash val="solid"/>
+                      <a:round/>
+                      <a:headEnd type="none" w="med" len="med"/>
+                      <a:tailEnd type="none" w="med" len="med"/>
+                    </a:lnL>
+                    <a:lnR w="12700" cap="flat" cmpd="sng" algn="ctr">
+                      <a:noFill/>
+                      <a:prstDash val="solid"/>
+                      <a:round/>
+                      <a:headEnd type="none" w="med" len="med"/>
+                      <a:tailEnd type="none" w="med" len="med"/>
+                    </a:lnR>
+                    <a:lnT w="25400">
+                      <a:solidFill>
+                        <a:srgbClr val="000000">
+                          <a:alpha val="100000"/>
+                        </a:srgbClr>
+                      </a:solidFill>
+                      <a:prstDash val="solid"/>
+                    </a:lnT>
+                    <a:lnB w="25400">
+                      <a:solidFill>
+                        <a:srgbClr val="000000">
+                          <a:alpha val="100000"/>
+                        </a:srgbClr>
+                      </a:solidFill>
+                      <a:prstDash val="solid"/>
+                    </a:lnB>
+                    <a:solidFill>
+                      <a:srgbClr val="FFFFFF">
+                        <a:alpha val="0"/>
+                      </a:srgbClr>
+                    </a:solidFill>
+                  </a:tcPr>
+                </a:tc>
+              </a:tr>
+              <a:tr h="0">
+                <a:tc>
+                  <a:txBody>
+                    <a:bodyPr/>
+                    <a:lstStyle/>
+                    <a:p>
+                      <a:pPr marL="50800" marR="50800" indent="0" algn="r">
+                        <a:spcBef>
+                          <a:spcPts val="100"/>
+                        </a:spcBef>
+                        <a:spcAft>
+                          <a:spcPts val="100"/>
+                        </a:spcAft>
+                        <a:buNone/>
+                      </a:pPr>
+                      <a:r>
+                        <a:rPr sz="1300" i="true">
+                          <a:solidFill>
+                            <a:srgbClr val="000000">
+                              <a:alpha val="100000"/>
+                            </a:srgbClr>
+                          </a:solidFill>
+                          <a:latin typeface="Times New Roman"/>
+                          <a:ea typeface="Times New Roman"/>
+                          <a:cs typeface="Times New Roman"/>
+                        </a:rPr>
+                        <a:t/>
+                      </a:r>
+                      <a:r>
+                        <a:rPr sz="1300" i="true">
+                          <a:solidFill>
+                            <a:srgbClr val="000000">
+                              <a:alpha val="100000"/>
+                            </a:srgbClr>
+                          </a:solidFill>
+                          <a:latin typeface="Times New Roman"/>
+                          <a:ea typeface="Times New Roman"/>
+                          <a:cs typeface="Times New Roman"/>
+                        </a:rPr>
+                        <a:t>3</a:t>
+                      </a:r>
+                    </a:p>
+                  </a:txBody>
+                  <a:tcPr marL="0" marR="0" marT="0" marB="0" anchor="ctr">
+                    <a:lnL w="12700" cap="flat" cmpd="sng" algn="ctr">
+                      <a:noFill/>
+                      <a:prstDash val="solid"/>
+                      <a:round/>
+                      <a:headEnd type="none" w="med" len="med"/>
+                      <a:tailEnd type="none" w="med" len="med"/>
+                    </a:lnL>
+                    <a:lnR w="12700" cap="flat" cmpd="sng" algn="ctr">
+                      <a:noFill/>
+                      <a:prstDash val="solid"/>
+                      <a:round/>
+                      <a:headEnd type="none" w="med" len="med"/>
+                      <a:tailEnd type="none" w="med" len="med"/>
+                    </a:lnR>
+                    <a:lnT w="25400">
+                      <a:solidFill>
+                        <a:srgbClr val="000000">
+                          <a:alpha val="100000"/>
+                        </a:srgbClr>
+                      </a:solidFill>
+                      <a:prstDash val="solid"/>
+                    </a:lnT>
+                    <a:lnB w="25400">
+                      <a:solidFill>
+                        <a:srgbClr val="000000">
+                          <a:alpha val="100000"/>
+                        </a:srgbClr>
+                      </a:solidFill>
+                      <a:prstDash val="solid"/>
+                    </a:lnB>
+                    <a:solidFill>
+                      <a:srgbClr val="EEEEEE">
+                        <a:alpha val="100000"/>
+                      </a:srgbClr>
+                    </a:solidFill>
+                  </a:tcPr>
+                </a:tc>
+                <a:tc>
+                  <a:txBody>
+                    <a:bodyPr/>
+                    <a:lstStyle/>
+                    <a:p>
+                      <a:pPr marL="50800" marR="50800" indent="0" algn="r">
+                        <a:spcBef>
+                          <a:spcPts val="100"/>
+                        </a:spcBef>
+                        <a:spcAft>
+                          <a:spcPts val="100"/>
+                        </a:spcAft>
+                        <a:buNone/>
+                      </a:pPr>
+                      <a:r>
+                        <a:rPr sz="1300" i="true">
+                          <a:solidFill>
+                            <a:srgbClr val="000000">
+                              <a:alpha val="100000"/>
+                            </a:srgbClr>
+                          </a:solidFill>
+                          <a:latin typeface="Times New Roman"/>
+                          <a:ea typeface="Times New Roman"/>
+                          <a:cs typeface="Times New Roman"/>
+                        </a:rPr>
+                        <a:t/>
+                      </a:r>
+                      <a:r>
+                        <a:rPr sz="1300" i="true">
+                          <a:solidFill>
+                            <a:srgbClr val="000000">
+                              <a:alpha val="100000"/>
+                            </a:srgbClr>
+                          </a:solidFill>
+                          <a:latin typeface="Times New Roman"/>
+                          <a:ea typeface="Times New Roman"/>
+                          <a:cs typeface="Times New Roman"/>
+                        </a:rPr>
+                        <a:t>3</a:t>
+                      </a:r>
+                    </a:p>
+                  </a:txBody>
+                  <a:tcPr marL="0" marR="0" marT="0" marB="0" anchor="ctr">
+                    <a:lnL w="12700" cap="flat" cmpd="sng" algn="ctr">
+                      <a:noFill/>
+                      <a:prstDash val="solid"/>
+                      <a:round/>
+                      <a:headEnd type="none" w="med" len="med"/>
+                      <a:tailEnd type="none" w="med" len="med"/>
+                    </a:lnL>
+                    <a:lnR w="12700" cap="flat" cmpd="sng" algn="ctr">
+                      <a:noFill/>
+                      <a:prstDash val="solid"/>
+                      <a:round/>
+                      <a:headEnd type="none" w="med" len="med"/>
+                      <a:tailEnd type="none" w="med" len="med"/>
+                    </a:lnR>
+                    <a:lnT w="25400">
+                      <a:solidFill>
+                        <a:srgbClr val="000000">
+                          <a:alpha val="100000"/>
+                        </a:srgbClr>
+                      </a:solidFill>
+                      <a:prstDash val="solid"/>
+                    </a:lnT>
+                    <a:lnB w="25400">
+                      <a:solidFill>
+                        <a:srgbClr val="000000">
+                          <a:alpha val="100000"/>
+                        </a:srgbClr>
+                      </a:solidFill>
+                      <a:prstDash val="solid"/>
+                    </a:lnB>
+                    <a:solidFill>
+                      <a:srgbClr val="EEEEEE">
+                        <a:alpha val="100000"/>
+                      </a:srgbClr>
+                    </a:solidFill>
+                  </a:tcPr>
+                </a:tc>
+                <a:tc>
+                  <a:txBody>
+                    <a:bodyPr/>
+                    <a:lstStyle/>
+                    <a:p>
+                      <a:pPr marL="50800" marR="50800" indent="0" algn="r">
+                        <a:spcBef>
+                          <a:spcPts val="100"/>
+                        </a:spcBef>
+                        <a:spcAft>
+                          <a:spcPts val="100"/>
+                        </a:spcAft>
+                        <a:buNone/>
+                      </a:pPr>
+                      <a:r>
+                        <a:rPr sz="1300" i="true">
+                          <a:solidFill>
+                            <a:srgbClr val="000000">
+                              <a:alpha val="100000"/>
+                            </a:srgbClr>
+                          </a:solidFill>
+                          <a:latin typeface="Times New Roman"/>
+                          <a:ea typeface="Times New Roman"/>
+                          <a:cs typeface="Times New Roman"/>
+                        </a:rPr>
+                        <a:t/>
+                      </a:r>
+                      <a:r>
+                        <a:rPr sz="1300" i="true">
+                          <a:solidFill>
+                            <a:srgbClr val="000000">
+                              <a:alpha val="100000"/>
+                            </a:srgbClr>
+                          </a:solidFill>
+                          <a:latin typeface="Times New Roman"/>
+                          <a:ea typeface="Times New Roman"/>
+                          <a:cs typeface="Times New Roman"/>
+                        </a:rPr>
+                        <a:t>4</a:t>
+                      </a:r>
+                    </a:p>
+                  </a:txBody>
+                  <a:tcPr marL="0" marR="0" marT="0" marB="0" anchor="ctr">
+                    <a:lnL w="12700" cap="flat" cmpd="sng" algn="ctr">
+                      <a:noFill/>
+                      <a:prstDash val="solid"/>
+                      <a:round/>
+                      <a:headEnd type="none" w="med" len="med"/>
+                      <a:tailEnd type="none" w="med" len="med"/>
+                    </a:lnL>
+                    <a:lnR w="12700" cap="flat" cmpd="sng" algn="ctr">
+                      <a:noFill/>
+                      <a:prstDash val="solid"/>
+                      <a:round/>
+                      <a:headEnd type="none" w="med" len="med"/>
+                      <a:tailEnd type="none" w="med" len="med"/>
+                    </a:lnR>
+                    <a:lnT w="25400">
+                      <a:solidFill>
+                        <a:srgbClr val="000000">
+                          <a:alpha val="100000"/>
+                        </a:srgbClr>
+                      </a:solidFill>
+                      <a:prstDash val="solid"/>
+                    </a:lnT>
+                    <a:lnB w="25400">
+                      <a:solidFill>
+                        <a:srgbClr val="000000">
+                          <a:alpha val="100000"/>
+                        </a:srgbClr>
+                      </a:solidFill>
+                      <a:prstDash val="solid"/>
+                    </a:lnB>
+                    <a:solidFill>
+                      <a:srgbClr val="EEEEEE">
+                        <a:alpha val="100000"/>
+                      </a:srgbClr>
+                    </a:solidFill>
+                  </a:tcPr>
+                </a:tc>
+                <a:tc>
+                  <a:txBody>
+                    <a:bodyPr/>
+                    <a:lstStyle/>
+                    <a:p>
+                      <a:pPr marL="50800" marR="50800" indent="0" algn="r">
+                        <a:spcBef>
+                          <a:spcPts val="100"/>
+                        </a:spcBef>
+                        <a:spcAft>
+                          <a:spcPts val="100"/>
+                        </a:spcAft>
+                        <a:buNone/>
+                      </a:pPr>
+                      <a:r>
+                        <a:rPr sz="1300" i="true">
+                          <a:solidFill>
+                            <a:srgbClr val="000000">
+                              <a:alpha val="100000"/>
+                            </a:srgbClr>
+                          </a:solidFill>
+                          <a:latin typeface="Times New Roman"/>
+                          <a:ea typeface="Times New Roman"/>
+                          <a:cs typeface="Times New Roman"/>
+                        </a:rPr>
+                        <a:t/>
+                      </a:r>
+                      <a:r>
+                        <a:rPr sz="1300" i="true">
+                          <a:solidFill>
+                            <a:srgbClr val="000000">
+                              <a:alpha val="100000"/>
+                            </a:srgbClr>
+                          </a:solidFill>
+                          <a:latin typeface="Times New Roman"/>
+                          <a:ea typeface="Times New Roman"/>
+                          <a:cs typeface="Times New Roman"/>
+                        </a:rPr>
+                        <a:t>4</a:t>
+                      </a:r>
+                    </a:p>
+                  </a:txBody>
+                  <a:tcPr marL="0" marR="0" marT="0" marB="0" anchor="ctr">
+                    <a:lnL w="12700" cap="flat" cmpd="sng" algn="ctr">
+                      <a:noFill/>
+                      <a:prstDash val="solid"/>
+                      <a:round/>
+                      <a:headEnd type="none" w="med" len="med"/>
+                      <a:tailEnd type="none" w="med" len="med"/>
+                    </a:lnL>
+                    <a:lnR w="12700" cap="flat" cmpd="sng" algn="ctr">
+                      <a:noFill/>
+                      <a:prstDash val="solid"/>
+                      <a:round/>
+                      <a:headEnd type="none" w="med" len="med"/>
+                      <a:tailEnd type="none" w="med" len="med"/>
+                    </a:lnR>
+                    <a:lnT w="25400">
+                      <a:solidFill>
+                        <a:srgbClr val="000000">
+                          <a:alpha val="100000"/>
+                        </a:srgbClr>
+                      </a:solidFill>
+                      <a:prstDash val="solid"/>
+                    </a:lnT>
+                    <a:lnB w="25400">
+                      <a:solidFill>
+                        <a:srgbClr val="000000">
+                          <a:alpha val="100000"/>
+                        </a:srgbClr>
+                      </a:solidFill>
+                      <a:prstDash val="solid"/>
+                    </a:lnB>
+                    <a:solidFill>
+                      <a:srgbClr val="EEEEEE">
+                        <a:alpha val="100000"/>
+                      </a:srgbClr>
+                    </a:solidFill>
+                  </a:tcPr>
+                </a:tc>
+                <a:tc>
+                  <a:txBody>
+                    <a:bodyPr/>
+                    <a:lstStyle/>
+                    <a:p>
+                      <a:pPr marL="50800" marR="50800" indent="0" algn="r">
+                        <a:spcBef>
+                          <a:spcPts val="100"/>
+                        </a:spcBef>
+                        <a:spcAft>
+                          <a:spcPts val="100"/>
+                        </a:spcAft>
+                        <a:buNone/>
+                      </a:pPr>
+                      <a:r>
+                        <a:rPr sz="1300" i="true">
+                          <a:solidFill>
+                            <a:srgbClr val="000000">
+                              <a:alpha val="100000"/>
+                            </a:srgbClr>
+                          </a:solidFill>
+                          <a:latin typeface="Times New Roman"/>
+                          <a:ea typeface="Times New Roman"/>
+                          <a:cs typeface="Times New Roman"/>
+                        </a:rPr>
+                        <a:t/>
+                      </a:r>
+                      <a:r>
+                        <a:rPr sz="1300" i="true">
+                          <a:solidFill>
+                            <a:srgbClr val="000000">
+                              <a:alpha val="100000"/>
+                            </a:srgbClr>
+                          </a:solidFill>
+                          <a:latin typeface="Times New Roman"/>
+                          <a:ea typeface="Times New Roman"/>
+                          <a:cs typeface="Times New Roman"/>
+                        </a:rPr>
+                        <a:t>5</a:t>
+                      </a:r>
+                    </a:p>
+                  </a:txBody>
+                  <a:tcPr marL="0" marR="0" marT="0" marB="0" anchor="ctr">
+                    <a:lnL w="12700" cap="flat" cmpd="sng" algn="ctr">
+                      <a:noFill/>
+                      <a:prstDash val="solid"/>
+                      <a:round/>
+                      <a:headEnd type="none" w="med" len="med"/>
+                      <a:tailEnd type="none" w="med" len="med"/>
+                    </a:lnL>
+                    <a:lnR w="12700" cap="flat" cmpd="sng" algn="ctr">
+                      <a:noFill/>
+                      <a:prstDash val="solid"/>
+                      <a:round/>
+                      <a:headEnd type="none" w="med" len="med"/>
+                      <a:tailEnd type="none" w="med" len="med"/>
+                    </a:lnR>
+                    <a:lnT w="25400">
+                      <a:solidFill>
+                        <a:srgbClr val="000000">
+                          <a:alpha val="100000"/>
+                        </a:srgbClr>
+                      </a:solidFill>
+                      <a:prstDash val="solid"/>
+                    </a:lnT>
+                    <a:lnB w="25400">
+                      <a:solidFill>
+                        <a:srgbClr val="000000">
+                          <a:alpha val="100000"/>
+                        </a:srgbClr>
+                      </a:solidFill>
+                      <a:prstDash val="solid"/>
+                    </a:lnB>
+                    <a:solidFill>
+                      <a:srgbClr val="EEEEEE">
+                        <a:alpha val="100000"/>
+                      </a:srgbClr>
+                    </a:solidFill>
+                  </a:tcPr>
+                </a:tc>
+              </a:tr>
+            </a:tbl>
+          </a:graphicData>
+        </a:graphic>
+      </p:graphicFrame>
+      <p:graphicFrame>
+        <p:nvGraphicFramePr>
+          <p:cNvPr id="5" name="nvGraphicFrame 5"/>
+          <p:cNvGraphicFramePr>
+            <a:graphicFrameLocks noGrp="true"/>
+          </p:cNvGraphicFramePr>
+          <p:nvPr/>
+        </p:nvGraphicFramePr>
+        <p:xfrm rot="0">
+          <a:off x="7315200" y="5029200"/>
+          <a:ext cx="9144000" cy="3657600"/>
+        </p:xfrm>
+        <a:graphic>
+          <a:graphicData uri="http://schemas.openxmlformats.org/drawingml/2006/table">
+            <a:tbl>
+              <a:tblPr/>
+              <a:tblGrid>
+                <a:gridCol w="731520"/>
+                <a:gridCol w="731520"/>
+                <a:gridCol w="731520"/>
+                <a:gridCol w="731520"/>
+                <a:gridCol w="731520"/>
+              </a:tblGrid>
+              <a:tr h="0">
+                <a:tc>
+                  <a:txBody>
+                    <a:bodyPr/>
+                    <a:lstStyle/>
+                    <a:p>
+                      <a:pPr marL="50800" marR="50800" indent="0" algn="r">
+                        <a:spcBef>
+                          <a:spcPts val="100"/>
+                        </a:spcBef>
+                        <a:spcAft>
+                          <a:spcPts val="100"/>
+                        </a:spcAft>
+                        <a:buNone/>
+                      </a:pPr>
+                      <a:r>
+                        <a:rPr sz="1100" b="true">
+                          <a:solidFill>
+                            <a:srgbClr val="000000">
+                              <a:alpha val="100000"/>
+                            </a:srgbClr>
+                          </a:solidFill>
+                          <a:latin typeface="Times New Roman"/>
+                          <a:ea typeface="Times New Roman"/>
+                          <a:cs typeface="Times New Roman"/>
+                        </a:rPr>
+                        <a:t>min</a:t>
+                      </a:r>
+                    </a:p>
+                  </a:txBody>
+                  <a:tcPr marL="0" marR="0" marT="0" marB="0" anchor="ctr">
+                    <a:lnL w="12700" cap="flat" cmpd="sng" algn="ctr">
+                      <a:noFill/>
+                      <a:prstDash val="solid"/>
+                      <a:round/>
+                      <a:headEnd type="none" w="med" len="med"/>
+                      <a:tailEnd type="none" w="med" len="med"/>
+                    </a:lnL>
+                    <a:lnR w="12700" cap="flat" cmpd="sng" algn="ctr">
+                      <a:noFill/>
+                      <a:prstDash val="solid"/>
+                      <a:round/>
+                      <a:headEnd type="none" w="med" len="med"/>
+                      <a:tailEnd type="none" w="med" len="med"/>
+                    </a:lnR>
+                    <a:lnT w="25400">
+                      <a:solidFill>
+                        <a:srgbClr val="000000">
+                          <a:alpha val="100000"/>
+                        </a:srgbClr>
+                      </a:solidFill>
+                      <a:prstDash val="solid"/>
+                    </a:lnT>
+                    <a:lnB w="25400">
+                      <a:solidFill>
+                        <a:srgbClr val="000000">
+                          <a:alpha val="100000"/>
+                        </a:srgbClr>
+                      </a:solidFill>
+                      <a:prstDash val="solid"/>
+                    </a:lnB>
+                    <a:solidFill>
+                      <a:srgbClr val="FFFFFF">
+                        <a:alpha val="0"/>
+                      </a:srgbClr>
+                    </a:solidFill>
+                  </a:tcPr>
+                </a:tc>
+                <a:tc>
+                  <a:txBody>
+                    <a:bodyPr/>
+                    <a:lstStyle/>
+                    <a:p>
+                      <a:pPr marL="50800" marR="50800" indent="0" algn="r">
+                        <a:spcBef>
+                          <a:spcPts val="100"/>
+                        </a:spcBef>
+                        <a:spcAft>
+                          <a:spcPts val="100"/>
+                        </a:spcAft>
+                        <a:buNone/>
+                      </a:pPr>
+                      <a:r>
+                        <a:rPr sz="1100" b="true">
+                          <a:solidFill>
+                            <a:srgbClr val="000000">
+                              <a:alpha val="100000"/>
+                            </a:srgbClr>
+                          </a:solidFill>
+                          <a:latin typeface="Times New Roman"/>
+                          <a:ea typeface="Times New Roman"/>
+                          <a:cs typeface="Times New Roman"/>
+                        </a:rPr>
+                        <a:t>25th</a:t>
+                      </a:r>
+                    </a:p>
+                  </a:txBody>
+                  <a:tcPr marL="0" marR="0" marT="0" marB="0" anchor="ctr">
+                    <a:lnL w="12700" cap="flat" cmpd="sng" algn="ctr">
+                      <a:noFill/>
+                      <a:prstDash val="solid"/>
+                      <a:round/>
+                      <a:headEnd type="none" w="med" len="med"/>
+                      <a:tailEnd type="none" w="med" len="med"/>
+                    </a:lnL>
+                    <a:lnR w="12700" cap="flat" cmpd="sng" algn="ctr">
+                      <a:noFill/>
+                      <a:prstDash val="solid"/>
+                      <a:round/>
+                      <a:headEnd type="none" w="med" len="med"/>
+                      <a:tailEnd type="none" w="med" len="med"/>
+                    </a:lnR>
+                    <a:lnT w="25400">
+                      <a:solidFill>
+                        <a:srgbClr val="000000">
+                          <a:alpha val="100000"/>
+                        </a:srgbClr>
+                      </a:solidFill>
+                      <a:prstDash val="solid"/>
+                    </a:lnT>
+                    <a:lnB w="25400">
+                      <a:solidFill>
+                        <a:srgbClr val="000000">
+                          <a:alpha val="100000"/>
+                        </a:srgbClr>
+                      </a:solidFill>
+                      <a:prstDash val="solid"/>
+                    </a:lnB>
+                    <a:solidFill>
+                      <a:srgbClr val="FFFFFF">
+                        <a:alpha val="0"/>
+                      </a:srgbClr>
+                    </a:solidFill>
+                  </a:tcPr>
+                </a:tc>
+                <a:tc>
+                  <a:txBody>
+                    <a:bodyPr/>
+                    <a:lstStyle/>
+                    <a:p>
+                      <a:pPr marL="50800" marR="50800" indent="0" algn="r">
+                        <a:spcBef>
+                          <a:spcPts val="100"/>
+                        </a:spcBef>
+                        <a:spcAft>
+                          <a:spcPts val="100"/>
+                        </a:spcAft>
+                        <a:buNone/>
+                      </a:pPr>
+                      <a:r>
+                        <a:rPr sz="1100" b="true">
+                          <a:solidFill>
+                            <a:srgbClr val="000000">
+                              <a:alpha val="100000"/>
+                            </a:srgbClr>
+                          </a:solidFill>
+                          <a:latin typeface="Times New Roman"/>
+                          <a:ea typeface="Times New Roman"/>
+                          <a:cs typeface="Times New Roman"/>
+                        </a:rPr>
+                        <a:t>50th</a:t>
+                      </a:r>
+                    </a:p>
+                  </a:txBody>
+                  <a:tcPr marL="0" marR="0" marT="0" marB="0" anchor="ctr">
+                    <a:lnL w="12700" cap="flat" cmpd="sng" algn="ctr">
+                      <a:noFill/>
+                      <a:prstDash val="solid"/>
+                      <a:round/>
+                      <a:headEnd type="none" w="med" len="med"/>
+                      <a:tailEnd type="none" w="med" len="med"/>
+                    </a:lnL>
+                    <a:lnR w="12700" cap="flat" cmpd="sng" algn="ctr">
+                      <a:noFill/>
+                      <a:prstDash val="solid"/>
+                      <a:round/>
+                      <a:headEnd type="none" w="med" len="med"/>
+                      <a:tailEnd type="none" w="med" len="med"/>
+                    </a:lnR>
+                    <a:lnT w="25400">
+                      <a:solidFill>
+                        <a:srgbClr val="000000">
+                          <a:alpha val="100000"/>
+                        </a:srgbClr>
+                      </a:solidFill>
+                      <a:prstDash val="solid"/>
+                    </a:lnT>
+                    <a:lnB w="25400">
+                      <a:solidFill>
+                        <a:srgbClr val="000000">
+                          <a:alpha val="100000"/>
+                        </a:srgbClr>
+                      </a:solidFill>
+                      <a:prstDash val="solid"/>
+                    </a:lnB>
+                    <a:solidFill>
+                      <a:srgbClr val="FFFFFF">
+                        <a:alpha val="0"/>
+                      </a:srgbClr>
+                    </a:solidFill>
+                  </a:tcPr>
+                </a:tc>
+                <a:tc>
+                  <a:txBody>
+                    <a:bodyPr/>
+                    <a:lstStyle/>
+                    <a:p>
+                      <a:pPr marL="50800" marR="50800" indent="0" algn="r">
+                        <a:spcBef>
+                          <a:spcPts val="100"/>
+                        </a:spcBef>
+                        <a:spcAft>
+                          <a:spcPts val="100"/>
+                        </a:spcAft>
+                        <a:buNone/>
+                      </a:pPr>
+                      <a:r>
+                        <a:rPr sz="1100" b="true">
+                          <a:solidFill>
+                            <a:srgbClr val="000000">
+                              <a:alpha val="100000"/>
+                            </a:srgbClr>
+                          </a:solidFill>
+                          <a:latin typeface="Times New Roman"/>
+                          <a:ea typeface="Times New Roman"/>
+                          <a:cs typeface="Times New Roman"/>
+                        </a:rPr>
+                        <a:t>75th</a:t>
+                      </a:r>
+                    </a:p>
+                  </a:txBody>
+                  <a:tcPr marL="0" marR="0" marT="0" marB="0" anchor="ctr">
+                    <a:lnL w="12700" cap="flat" cmpd="sng" algn="ctr">
+                      <a:noFill/>
+                      <a:prstDash val="solid"/>
+                      <a:round/>
+                      <a:headEnd type="none" w="med" len="med"/>
+                      <a:tailEnd type="none" w="med" len="med"/>
+                    </a:lnL>
+                    <a:lnR w="12700" cap="flat" cmpd="sng" algn="ctr">
+                      <a:noFill/>
+                      <a:prstDash val="solid"/>
+                      <a:round/>
+                      <a:headEnd type="none" w="med" len="med"/>
+                      <a:tailEnd type="none" w="med" len="med"/>
+                    </a:lnR>
+                    <a:lnT w="25400">
+                      <a:solidFill>
+                        <a:srgbClr val="000000">
+                          <a:alpha val="100000"/>
+                        </a:srgbClr>
+                      </a:solidFill>
+                      <a:prstDash val="solid"/>
+                    </a:lnT>
+                    <a:lnB w="25400">
+                      <a:solidFill>
+                        <a:srgbClr val="000000">
+                          <a:alpha val="100000"/>
+                        </a:srgbClr>
+                      </a:solidFill>
+                      <a:prstDash val="solid"/>
+                    </a:lnB>
+                    <a:solidFill>
+                      <a:srgbClr val="FFFFFF">
+                        <a:alpha val="0"/>
+                      </a:srgbClr>
+                    </a:solidFill>
+                  </a:tcPr>
+                </a:tc>
+                <a:tc>
+                  <a:txBody>
+                    <a:bodyPr/>
+                    <a:lstStyle/>
+                    <a:p>
+                      <a:pPr marL="50800" marR="50800" indent="0" algn="r">
+                        <a:spcBef>
+                          <a:spcPts val="100"/>
+                        </a:spcBef>
+                        <a:spcAft>
+                          <a:spcPts val="100"/>
+                        </a:spcAft>
+                        <a:buNone/>
+                      </a:pPr>
+                      <a:r>
+                        <a:rPr sz="1100" b="true">
+                          <a:solidFill>
+                            <a:srgbClr val="000000">
+                              <a:alpha val="100000"/>
+                            </a:srgbClr>
+                          </a:solidFill>
+                          <a:latin typeface="Times New Roman"/>
+                          <a:ea typeface="Times New Roman"/>
+                          <a:cs typeface="Times New Roman"/>
+                        </a:rPr>
+                        <a:t>max</a:t>
+                      </a:r>
+                    </a:p>
+                  </a:txBody>
+                  <a:tcPr marL="0" marR="0" marT="0" marB="0" anchor="ctr">
+                    <a:lnL w="12700" cap="flat" cmpd="sng" algn="ctr">
+                      <a:noFill/>
+                      <a:prstDash val="solid"/>
+                      <a:round/>
+                      <a:headEnd type="none" w="med" len="med"/>
+                      <a:tailEnd type="none" w="med" len="med"/>
+                    </a:lnL>
+                    <a:lnR w="12700" cap="flat" cmpd="sng" algn="ctr">
+                      <a:noFill/>
+                      <a:prstDash val="solid"/>
+                      <a:round/>
+                      <a:headEnd type="none" w="med" len="med"/>
+                      <a:tailEnd type="none" w="med" len="med"/>
+                    </a:lnR>
+                    <a:lnT w="25400">
+                      <a:solidFill>
+                        <a:srgbClr val="000000">
+                          <a:alpha val="100000"/>
+                        </a:srgbClr>
+                      </a:solidFill>
+                      <a:prstDash val="solid"/>
+                    </a:lnT>
+                    <a:lnB w="25400">
+                      <a:solidFill>
+                        <a:srgbClr val="000000">
+                          <a:alpha val="100000"/>
+                        </a:srgbClr>
+                      </a:solidFill>
+                      <a:prstDash val="solid"/>
+                    </a:lnB>
+                    <a:solidFill>
+                      <a:srgbClr val="FFFFFF">
+                        <a:alpha val="0"/>
+                      </a:srgbClr>
+                    </a:solidFill>
+                  </a:tcPr>
+                </a:tc>
+              </a:tr>
+              <a:tr h="0">
+                <a:tc>
+                  <a:txBody>
+                    <a:bodyPr/>
+                    <a:lstStyle/>
+                    <a:p>
+                      <a:pPr marL="50800" marR="50800" indent="0" algn="r">
+                        <a:spcBef>
+                          <a:spcPts val="100"/>
+                        </a:spcBef>
+                        <a:spcAft>
+                          <a:spcPts val="100"/>
+                        </a:spcAft>
+                        <a:buNone/>
+                      </a:pPr>
+                      <a:r>
+                        <a:rPr sz="1400" i="true">
+                          <a:solidFill>
+                            <a:srgbClr val="000000">
+                              <a:alpha val="100000"/>
+                            </a:srgbClr>
+                          </a:solidFill>
+                          <a:latin typeface="Times New Roman"/>
+                          <a:ea typeface="Times New Roman"/>
+                          <a:cs typeface="Times New Roman"/>
+                        </a:rPr>
+                        <a:t/>
+                      </a:r>
+                      <a:r>
+                        <a:rPr sz="1400" i="true">
+                          <a:solidFill>
+                            <a:srgbClr val="000000">
+                              <a:alpha val="100000"/>
+                            </a:srgbClr>
+                          </a:solidFill>
+                          <a:latin typeface="Times New Roman"/>
+                          <a:ea typeface="Times New Roman"/>
+                          <a:cs typeface="Times New Roman"/>
+                        </a:rPr>
+                        <a:t>1</a:t>
+                      </a:r>
+                    </a:p>
+                  </a:txBody>
+                  <a:tcPr marL="0" marR="0" marT="0" marB="0" anchor="ctr">
+                    <a:lnL w="12700" cap="flat" cmpd="sng" algn="ctr">
+                      <a:noFill/>
+                      <a:prstDash val="solid"/>
+                      <a:round/>
+                      <a:headEnd type="none" w="med" len="med"/>
+                      <a:tailEnd type="none" w="med" len="med"/>
+                    </a:lnL>
+                    <a:lnR w="12700" cap="flat" cmpd="sng" algn="ctr">
+                      <a:noFill/>
+                      <a:prstDash val="solid"/>
+                      <a:round/>
+                      <a:headEnd type="none" w="med" len="med"/>
+                      <a:tailEnd type="none" w="med" len="med"/>
+                    </a:lnR>
+                    <a:lnT w="25400">
+                      <a:solidFill>
+                        <a:srgbClr val="000000">
+                          <a:alpha val="100000"/>
+                        </a:srgbClr>
+                      </a:solidFill>
+                      <a:prstDash val="solid"/>
+                    </a:lnT>
+                    <a:lnB w="25400">
+                      <a:solidFill>
+                        <a:srgbClr val="000000">
+                          <a:alpha val="100000"/>
+                        </a:srgbClr>
+                      </a:solidFill>
+                      <a:prstDash val="solid"/>
+                    </a:lnB>
+                    <a:solidFill>
+                      <a:srgbClr val="EEEEEE">
+                        <a:alpha val="100000"/>
+                      </a:srgbClr>
+                    </a:solidFill>
+                  </a:tcPr>
+                </a:tc>
+                <a:tc>
+                  <a:txBody>
+                    <a:bodyPr/>
+                    <a:lstStyle/>
+                    <a:p>
+                      <a:pPr marL="50800" marR="50800" indent="0" algn="r">
+                        <a:spcBef>
+                          <a:spcPts val="100"/>
+                        </a:spcBef>
+                        <a:spcAft>
+                          <a:spcPts val="100"/>
+                        </a:spcAft>
+                        <a:buNone/>
+                      </a:pPr>
+                      <a:r>
+                        <a:rPr sz="1400" i="true">
+                          <a:solidFill>
+                            <a:srgbClr val="000000">
+                              <a:alpha val="100000"/>
+                            </a:srgbClr>
+                          </a:solidFill>
+                          <a:latin typeface="Times New Roman"/>
+                          <a:ea typeface="Times New Roman"/>
+                          <a:cs typeface="Times New Roman"/>
+                        </a:rPr>
+                        <a:t/>
+                      </a:r>
+                      <a:r>
+                        <a:rPr sz="1400" i="true">
+                          <a:solidFill>
+                            <a:srgbClr val="000000">
+                              <a:alpha val="100000"/>
+                            </a:srgbClr>
+                          </a:solidFill>
+                          <a:latin typeface="Times New Roman"/>
+                          <a:ea typeface="Times New Roman"/>
+                          <a:cs typeface="Times New Roman"/>
+                        </a:rPr>
+                        <a:t>2</a:t>
+                      </a:r>
+                    </a:p>
+                  </a:txBody>
+                  <a:tcPr marL="0" marR="0" marT="0" marB="0" anchor="ctr">
+                    <a:lnL w="12700" cap="flat" cmpd="sng" algn="ctr">
+                      <a:noFill/>
+                      <a:prstDash val="solid"/>
+                      <a:round/>
+                      <a:headEnd type="none" w="med" len="med"/>
+                      <a:tailEnd type="none" w="med" len="med"/>
+                    </a:lnL>
+                    <a:lnR w="12700" cap="flat" cmpd="sng" algn="ctr">
+                      <a:noFill/>
+                      <a:prstDash val="solid"/>
+                      <a:round/>
+                      <a:headEnd type="none" w="med" len="med"/>
+                      <a:tailEnd type="none" w="med" len="med"/>
+                    </a:lnR>
+                    <a:lnT w="25400">
+                      <a:solidFill>
+                        <a:srgbClr val="000000">
+                          <a:alpha val="100000"/>
+                        </a:srgbClr>
+                      </a:solidFill>
+                      <a:prstDash val="solid"/>
+                    </a:lnT>
+                    <a:lnB w="25400">
+                      <a:solidFill>
+                        <a:srgbClr val="000000">
+                          <a:alpha val="100000"/>
+                        </a:srgbClr>
+                      </a:solidFill>
+                      <a:prstDash val="solid"/>
+                    </a:lnB>
+                    <a:solidFill>
+                      <a:srgbClr val="EEEEEE">
+                        <a:alpha val="100000"/>
+                      </a:srgbClr>
+                    </a:solidFill>
+                  </a:tcPr>
+                </a:tc>
+                <a:tc>
+                  <a:txBody>
+                    <a:bodyPr/>
+                    <a:lstStyle/>
+                    <a:p>
+                      <a:pPr marL="50800" marR="50800" indent="0" algn="r">
+                        <a:spcBef>
+                          <a:spcPts val="100"/>
+                        </a:spcBef>
+                        <a:spcAft>
+                          <a:spcPts val="100"/>
+                        </a:spcAft>
+                        <a:buNone/>
+                      </a:pPr>
+                      <a:r>
+                        <a:rPr sz="1400" i="true">
+                          <a:solidFill>
+                            <a:srgbClr val="000000">
+                              <a:alpha val="100000"/>
+                            </a:srgbClr>
+                          </a:solidFill>
+                          <a:latin typeface="Times New Roman"/>
+                          <a:ea typeface="Times New Roman"/>
+                          <a:cs typeface="Times New Roman"/>
+                        </a:rPr>
+                        <a:t/>
+                      </a:r>
+                      <a:r>
+                        <a:rPr sz="1400" i="true">
+                          <a:solidFill>
+                            <a:srgbClr val="000000">
+                              <a:alpha val="100000"/>
+                            </a:srgbClr>
+                          </a:solidFill>
+                          <a:latin typeface="Times New Roman"/>
+                          <a:ea typeface="Times New Roman"/>
+                          <a:cs typeface="Times New Roman"/>
+                        </a:rPr>
+                        <a:t>2</a:t>
+                      </a:r>
+                    </a:p>
+                  </a:txBody>
+                  <a:tcPr marL="0" marR="0" marT="0" marB="0" anchor="ctr">
+                    <a:lnL w="12700" cap="flat" cmpd="sng" algn="ctr">
+                      <a:noFill/>
+                      <a:prstDash val="solid"/>
+                      <a:round/>
+                      <a:headEnd type="none" w="med" len="med"/>
+                      <a:tailEnd type="none" w="med" len="med"/>
+                    </a:lnL>
+                    <a:lnR w="12700" cap="flat" cmpd="sng" algn="ctr">
+                      <a:noFill/>
+                      <a:prstDash val="solid"/>
+                      <a:round/>
+                      <a:headEnd type="none" w="med" len="med"/>
+                      <a:tailEnd type="none" w="med" len="med"/>
+                    </a:lnR>
+                    <a:lnT w="25400">
+                      <a:solidFill>
+                        <a:srgbClr val="000000">
+                          <a:alpha val="100000"/>
+                        </a:srgbClr>
+                      </a:solidFill>
+                      <a:prstDash val="solid"/>
+                    </a:lnT>
+                    <a:lnB w="25400">
+                      <a:solidFill>
+                        <a:srgbClr val="000000">
+                          <a:alpha val="100000"/>
+                        </a:srgbClr>
+                      </a:solidFill>
+                      <a:prstDash val="solid"/>
+                    </a:lnB>
+                    <a:solidFill>
+                      <a:srgbClr val="EEEEEE">
+                        <a:alpha val="100000"/>
+                      </a:srgbClr>
+                    </a:solidFill>
+                  </a:tcPr>
+                </a:tc>
+                <a:tc>
+                  <a:txBody>
+                    <a:bodyPr/>
+                    <a:lstStyle/>
+                    <a:p>
+                      <a:pPr marL="50800" marR="50800" indent="0" algn="r">
+                        <a:spcBef>
+                          <a:spcPts val="100"/>
+                        </a:spcBef>
+                        <a:spcAft>
+                          <a:spcPts val="100"/>
+                        </a:spcAft>
+                        <a:buNone/>
+                      </a:pPr>
+                      <a:r>
+                        <a:rPr sz="1400" i="true">
+                          <a:solidFill>
+                            <a:srgbClr val="000000">
+                              <a:alpha val="100000"/>
+                            </a:srgbClr>
+                          </a:solidFill>
+                          <a:latin typeface="Times New Roman"/>
+                          <a:ea typeface="Times New Roman"/>
+                          <a:cs typeface="Times New Roman"/>
+                        </a:rPr>
+                        <a:t/>
+                      </a:r>
+                      <a:r>
+                        <a:rPr sz="1400" i="true">
+                          <a:solidFill>
+                            <a:srgbClr val="000000">
+                              <a:alpha val="100000"/>
+                            </a:srgbClr>
+                          </a:solidFill>
+                          <a:latin typeface="Times New Roman"/>
+                          <a:ea typeface="Times New Roman"/>
+                          <a:cs typeface="Times New Roman"/>
+                        </a:rPr>
+                        <a:t>4</a:t>
+                      </a:r>
+                    </a:p>
+                  </a:txBody>
+                  <a:tcPr marL="0" marR="0" marT="0" marB="0" anchor="ctr">
+                    <a:lnL w="12700" cap="flat" cmpd="sng" algn="ctr">
+                      <a:noFill/>
+                      <a:prstDash val="solid"/>
+                      <a:round/>
+                      <a:headEnd type="none" w="med" len="med"/>
+                      <a:tailEnd type="none" w="med" len="med"/>
+                    </a:lnL>
+                    <a:lnR w="12700" cap="flat" cmpd="sng" algn="ctr">
+                      <a:noFill/>
+                      <a:prstDash val="solid"/>
+                      <a:round/>
+                      <a:headEnd type="none" w="med" len="med"/>
+                      <a:tailEnd type="none" w="med" len="med"/>
+                    </a:lnR>
+                    <a:lnT w="25400">
+                      <a:solidFill>
+                        <a:srgbClr val="000000">
+                          <a:alpha val="100000"/>
+                        </a:srgbClr>
+                      </a:solidFill>
+                      <a:prstDash val="solid"/>
+                    </a:lnT>
+                    <a:lnB w="25400">
+                      <a:solidFill>
+                        <a:srgbClr val="000000">
+                          <a:alpha val="100000"/>
+                        </a:srgbClr>
+                      </a:solidFill>
+                      <a:prstDash val="solid"/>
+                    </a:lnB>
+                    <a:solidFill>
+                      <a:srgbClr val="EEEEEE">
+                        <a:alpha val="100000"/>
+                      </a:srgbClr>
+                    </a:solidFill>
+                  </a:tcPr>
+                </a:tc>
+                <a:tc>
+                  <a:txBody>
+                    <a:bodyPr/>
+                    <a:lstStyle/>
+                    <a:p>
+                      <a:pPr marL="50800" marR="50800" indent="0" algn="r">
+                        <a:spcBef>
+                          <a:spcPts val="100"/>
+                        </a:spcBef>
+                        <a:spcAft>
+                          <a:spcPts val="100"/>
+                        </a:spcAft>
+                        <a:buNone/>
+                      </a:pPr>
+                      <a:r>
+                        <a:rPr sz="1400" i="true">
+                          <a:solidFill>
+                            <a:srgbClr val="000000">
+                              <a:alpha val="100000"/>
+                            </a:srgbClr>
+                          </a:solidFill>
+                          <a:latin typeface="Times New Roman"/>
+                          <a:ea typeface="Times New Roman"/>
+                          <a:cs typeface="Times New Roman"/>
+                        </a:rPr>
+                        <a:t/>
+                      </a:r>
+                      <a:r>
+                        <a:rPr sz="1400" i="true">
+                          <a:solidFill>
+                            <a:srgbClr val="000000">
+                              <a:alpha val="100000"/>
+                            </a:srgbClr>
+                          </a:solidFill>
+                          <a:latin typeface="Times New Roman"/>
+                          <a:ea typeface="Times New Roman"/>
+                          <a:cs typeface="Times New Roman"/>
+                        </a:rPr>
+                        <a:t>8</a:t>
+                      </a:r>
+                    </a:p>
+                  </a:txBody>
+                  <a:tcPr marL="0" marR="0" marT="0" marB="0" anchor="ctr">
+                    <a:lnL w="12700" cap="flat" cmpd="sng" algn="ctr">
+                      <a:noFill/>
+                      <a:prstDash val="solid"/>
+                      <a:round/>
+                      <a:headEnd type="none" w="med" len="med"/>
+                      <a:tailEnd type="none" w="med" len="med"/>
+                    </a:lnL>
+                    <a:lnR w="12700" cap="flat" cmpd="sng" algn="ctr">
+                      <a:noFill/>
+                      <a:prstDash val="solid"/>
+                      <a:round/>
+                      <a:headEnd type="none" w="med" len="med"/>
+                      <a:tailEnd type="none" w="med" len="med"/>
+                    </a:lnR>
+                    <a:lnT w="25400">
+                      <a:solidFill>
+                        <a:srgbClr val="000000">
+                          <a:alpha val="100000"/>
+                        </a:srgbClr>
+                      </a:solidFill>
+                      <a:prstDash val="solid"/>
+                    </a:lnT>
+                    <a:lnB w="25400">
+                      <a:solidFill>
+                        <a:srgbClr val="000000">
+                          <a:alpha val="100000"/>
+                        </a:srgbClr>
+                      </a:solidFill>
+                      <a:prstDash val="solid"/>
+                    </a:lnB>
+                    <a:solidFill>
+                      <a:srgbClr val="EEEEEE">
+                        <a:alpha val="100000"/>
+                      </a:srgbClr>
+                    </a:solidFill>
+                  </a:tcPr>
+                </a:tc>
+              </a:tr>
+            </a:tbl>
+          </a:graphicData>
+        </a:graphic>
+      </p:graphicFrame>
+    </p:spTree>
+  </p:cSld>
+</p:sld>
+</file>
+
+<file path=ppt/slides/slide8.xml><?xml version="1.0" encoding="utf-8"?>
+<p:sld xmlns:r="http://schemas.openxmlformats.org/officeDocument/2006/relationships" xmlns:p="http://schemas.openxmlformats.org/presentationml/2006/main" xmlns:a="http://schemas.openxmlformats.org/drawingml/2006/main" xmlns:mc="http://schemas.openxmlformats.org/markup-compatibility/2006" xmlns:c="http://schemas.openxmlformats.org/drawingml/2006/chart" xmlns:ns6="http://schemas.openxmlformats.org/drawingml/2006/chartDrawing" xmlns:dgm="http://schemas.openxmlformats.org/drawingml/2006/diagram" xmlns:pic="http://schemas.openxmlformats.org/drawingml/2006/picture" xmlns:wp="http://schemas.openxmlformats.org/drawingml/2006/wordprocessingDrawing" xmlns:xdr="http://schemas.openxmlformats.org/drawingml/2006/spreadsheetDrawing" xmlns:ns11="http://schemas.openxmlformats.org/drawingml/2006/compatibility" xmlns:ns12="http://schemas.openxmlformats.org/drawingml/2006/lockedCanvas">
+  <p:cSld>
+    <p:spTree>
+      <p:nvGrpSpPr>
+        <p:cNvPr id="1" name=""/>
+        <p:cNvGrpSpPr/>
+        <p:nvPr/>
+      </p:nvGrpSpPr>
+      <p:grpSpPr>
+        <a:xfrm>
+          <a:off x="0" y="0"/>
+          <a:ext cx="0" cy="0"/>
+          <a:chOff x="0" y="0"/>
+          <a:chExt cx="0" cy="0"/>
+        </a:xfrm>
+      </p:grpSpPr>
+      <p:sp>
+        <p:nvSpPr>
+          <p:cNvPr id="1" name="Title 1"/>
+          <p:cNvSpPr/>
+          <p:nvPr>
+            <p:ph type="title" idx="0"/>
+          </p:nvPr>
+        </p:nvSpPr>
+        <p:spPr/>
+        <p:txBody>
+          <a:bodyPr/>
+          <a:lstStyle/>
+          <a:p>
+            <a:r>
+              <a:rPr/>
+              <a:t>Univariate Analysis Slide  6 of 6</a:t>
+            </a:r>
+          </a:p>
+        </p:txBody>
+      </p:sp>
+      <p:pic>
+        <p:nvPicPr>
+          <p:cNvPr id="2" name="Picture 2"/>
+          <p:cNvPicPr>
+            <a:picLocks noChangeAspect="true"/>
+          </p:cNvPicPr>
+          <p:nvPr>
+            <p:ph idx="2"/>
+          </p:nvPr>
+        </p:nvPicPr>
+        <p:blipFill>
+          <a:blip cstate="print" r:embed="rId2"/>
+          <a:stretch>
+            <a:fillRect/>
+          </a:stretch>
+        </p:blipFill>
+        <p:spPr>
+          <a:xfrm>
+            <a:off x="914400" y="1371600"/>
+            <a:ext cx="5029200" cy="3200400"/>
+          </a:xfrm>
+          <a:prstGeom prst="rect">
+            <a:avLst/>
+          </a:prstGeom>
+        </p:spPr>
+      </p:pic>
+      <p:pic>
+        <p:nvPicPr>
+          <p:cNvPr id="3" name="Picture 3"/>
+          <p:cNvPicPr>
+            <a:picLocks noChangeAspect="true"/>
+          </p:cNvPicPr>
+          <p:nvPr>
+            <p:ph idx="3"/>
+          </p:nvPr>
+        </p:nvPicPr>
+        <p:blipFill>
+          <a:blip cstate="print" r:embed="rId3"/>
+          <a:stretch>
+            <a:fillRect/>
+          </a:stretch>
+        </p:blipFill>
+        <p:spPr>
+          <a:xfrm>
+            <a:off x="6400800" y="1371600"/>
+            <a:ext cx="5029200" cy="3200400"/>
+          </a:xfrm>
+          <a:prstGeom prst="rect">
+            <a:avLst/>
+          </a:prstGeom>
+        </p:spPr>
+      </p:pic>
+      <p:graphicFrame>
+        <p:nvGraphicFramePr>
+          <p:cNvPr id="4" name="nvGraphicFrame 4"/>
+          <p:cNvGraphicFramePr>
+            <a:graphicFrameLocks noGrp="true"/>
+          </p:cNvGraphicFramePr>
+          <p:nvPr/>
+        </p:nvGraphicFramePr>
+        <p:xfrm rot="0">
+          <a:off x="1828800" y="5029200"/>
+          <a:ext cx="9144000" cy="3657600"/>
+        </p:xfrm>
+        <a:graphic>
+          <a:graphicData uri="http://schemas.openxmlformats.org/drawingml/2006/table">
+            <a:tbl>
+              <a:tblPr/>
+              <a:tblGrid>
+                <a:gridCol w="1219200"/>
+                <a:gridCol w="1219200"/>
+                <a:gridCol w="1219200"/>
+              </a:tblGrid>
+              <a:tr h="0">
+                <a:tc>
+                  <a:txBody>
+                    <a:bodyPr/>
+                    <a:lstStyle/>
+                    <a:p>
+                      <a:pPr marL="50800" marR="50800" indent="0" algn="r">
+                        <a:spcBef>
+                          <a:spcPts val="100"/>
+                        </a:spcBef>
+                        <a:spcAft>
+                          <a:spcPts val="100"/>
+                        </a:spcAft>
+                        <a:buNone/>
+                      </a:pPr>
+                      <a:r>
+                        <a:rPr sz="1100" b="true">
+                          <a:solidFill>
+                            <a:srgbClr val="000000">
+                              <a:alpha val="100000"/>
+                            </a:srgbClr>
+                          </a:solidFill>
+                          <a:latin typeface="Times New Roman"/>
+                          <a:ea typeface="Times New Roman"/>
+                          <a:cs typeface="Times New Roman"/>
+                        </a:rPr>
+                        <a:t>Metric</a:t>
+                      </a:r>
+                    </a:p>
+                  </a:txBody>
+                  <a:tcPr marL="0" marR="0" marT="0" marB="0" anchor="ctr">
+                    <a:lnL w="12700" cap="flat" cmpd="sng" algn="ctr">
+                      <a:noFill/>
+                      <a:prstDash val="solid"/>
+                      <a:round/>
+                      <a:headEnd type="none" w="med" len="med"/>
+                      <a:tailEnd type="none" w="med" len="med"/>
+                    </a:lnL>
+                    <a:lnR w="12700" cap="flat" cmpd="sng" algn="ctr">
+                      <a:noFill/>
+                      <a:prstDash val="solid"/>
+                      <a:round/>
+                      <a:headEnd type="none" w="med" len="med"/>
+                      <a:tailEnd type="none" w="med" len="med"/>
+                    </a:lnR>
+                    <a:lnT w="25400">
+                      <a:solidFill>
+                        <a:srgbClr val="000000">
+                          <a:alpha val="100000"/>
+                        </a:srgbClr>
+                      </a:solidFill>
+                      <a:prstDash val="solid"/>
+                    </a:lnT>
+                    <a:lnB w="25400">
+                      <a:solidFill>
+                        <a:srgbClr val="000000">
+                          <a:alpha val="100000"/>
+                        </a:srgbClr>
+                      </a:solidFill>
+                      <a:prstDash val="solid"/>
+                    </a:lnB>
+                    <a:solidFill>
+                      <a:srgbClr val="FFFFFF">
+                        <a:alpha val="0"/>
+                      </a:srgbClr>
+                    </a:solidFill>
+                  </a:tcPr>
+                </a:tc>
+                <a:tc>
+                  <a:txBody>
+                    <a:bodyPr/>
+                    <a:lstStyle/>
+                    <a:p>
+                      <a:pPr marL="50800" marR="50800" indent="0" algn="r">
+                        <a:spcBef>
+                          <a:spcPts val="100"/>
+                        </a:spcBef>
+                        <a:spcAft>
+                          <a:spcPts val="100"/>
+                        </a:spcAft>
+                        <a:buNone/>
+                      </a:pPr>
+                      <a:r>
+                        <a:rPr sz="1100" b="true">
+                          <a:solidFill>
+                            <a:srgbClr val="000000">
+                              <a:alpha val="100000"/>
+                            </a:srgbClr>
+                          </a:solidFill>
+                          <a:latin typeface="Times New Roman"/>
+                          <a:ea typeface="Times New Roman"/>
+                          <a:cs typeface="Times New Roman"/>
+                        </a:rPr>
+                        <a:t>N</a:t>
+                      </a:r>
+                    </a:p>
+                  </a:txBody>
+                  <a:tcPr marL="0" marR="0" marT="0" marB="0" anchor="ctr">
+                    <a:lnL w="12700" cap="flat" cmpd="sng" algn="ctr">
+                      <a:noFill/>
+                      <a:prstDash val="solid"/>
+                      <a:round/>
+                      <a:headEnd type="none" w="med" len="med"/>
+                      <a:tailEnd type="none" w="med" len="med"/>
+                    </a:lnL>
+                    <a:lnR w="12700" cap="flat" cmpd="sng" algn="ctr">
+                      <a:noFill/>
+                      <a:prstDash val="solid"/>
+                      <a:round/>
+                      <a:headEnd type="none" w="med" len="med"/>
+                      <a:tailEnd type="none" w="med" len="med"/>
+                    </a:lnR>
+                    <a:lnT w="25400">
+                      <a:solidFill>
+                        <a:srgbClr val="000000">
+                          <a:alpha val="100000"/>
+                        </a:srgbClr>
+                      </a:solidFill>
+                      <a:prstDash val="solid"/>
+                    </a:lnT>
+                    <a:lnB w="25400">
+                      <a:solidFill>
+                        <a:srgbClr val="000000">
+                          <a:alpha val="100000"/>
+                        </a:srgbClr>
+                      </a:solidFill>
+                      <a:prstDash val="solid"/>
+                    </a:lnB>
+                    <a:solidFill>
+                      <a:srgbClr val="FFFFFF">
+                        <a:alpha val="0"/>
+                      </a:srgbClr>
+                    </a:solidFill>
+                  </a:tcPr>
+                </a:tc>
+                <a:tc>
+                  <a:txBody>
+                    <a:bodyPr/>
+                    <a:lstStyle/>
+                    <a:p>
+                      <a:pPr marL="50800" marR="50800" indent="0" algn="r">
+                        <a:spcBef>
+                          <a:spcPts val="100"/>
+                        </a:spcBef>
+                        <a:spcAft>
+                          <a:spcPts val="100"/>
+                        </a:spcAft>
+                        <a:buNone/>
+                      </a:pPr>
+                      <a:r>
+                        <a:rPr sz="1100" b="true">
+                          <a:solidFill>
+                            <a:srgbClr val="000000">
+                              <a:alpha val="100000"/>
+                            </a:srgbClr>
+                          </a:solidFill>
+                          <a:latin typeface="Times New Roman"/>
+                          <a:ea typeface="Times New Roman"/>
+                          <a:cs typeface="Times New Roman"/>
+                        </a:rPr>
+                        <a:t>Y</a:t>
+                      </a:r>
+                    </a:p>
+                  </a:txBody>
+                  <a:tcPr marL="0" marR="0" marT="0" marB="0" anchor="ctr">
+                    <a:lnL w="12700" cap="flat" cmpd="sng" algn="ctr">
+                      <a:noFill/>
+                      <a:prstDash val="solid"/>
+                      <a:round/>
+                      <a:headEnd type="none" w="med" len="med"/>
+                      <a:tailEnd type="none" w="med" len="med"/>
+                    </a:lnL>
+                    <a:lnR w="12700" cap="flat" cmpd="sng" algn="ctr">
+                      <a:noFill/>
+                      <a:prstDash val="solid"/>
+                      <a:round/>
+                      <a:headEnd type="none" w="med" len="med"/>
+                      <a:tailEnd type="none" w="med" len="med"/>
+                    </a:lnR>
+                    <a:lnT w="25400">
+                      <a:solidFill>
+                        <a:srgbClr val="000000">
+                          <a:alpha val="100000"/>
+                        </a:srgbClr>
+                      </a:solidFill>
+                      <a:prstDash val="solid"/>
+                    </a:lnT>
+                    <a:lnB w="25400">
+                      <a:solidFill>
+                        <a:srgbClr val="000000">
+                          <a:alpha val="100000"/>
+                        </a:srgbClr>
+                      </a:solidFill>
+                      <a:prstDash val="solid"/>
+                    </a:lnB>
+                    <a:solidFill>
+                      <a:srgbClr val="FFFFFF">
+                        <a:alpha val="0"/>
+                      </a:srgbClr>
+                    </a:solidFill>
+                  </a:tcPr>
+                </a:tc>
+              </a:tr>
+              <a:tr h="0">
+                <a:tc>
+                  <a:txBody>
+                    <a:bodyPr/>
+                    <a:lstStyle/>
+                    <a:p>
+                      <a:pPr marL="50800" marR="50800" indent="0" algn="r">
+                        <a:spcBef>
+                          <a:spcPts val="100"/>
+                        </a:spcBef>
+                        <a:spcAft>
+                          <a:spcPts val="100"/>
+                        </a:spcAft>
+                        <a:buNone/>
+                      </a:pPr>
+                      <a:r>
+                        <a:rPr sz="1300" i="true">
+                          <a:solidFill>
+                            <a:srgbClr val="000000">
+                              <a:alpha val="100000"/>
+                            </a:srgbClr>
+                          </a:solidFill>
+                          <a:latin typeface="Times New Roman"/>
+                          <a:ea typeface="Times New Roman"/>
+                          <a:cs typeface="Times New Roman"/>
+                        </a:rPr>
+                        <a:t/>
+                      </a:r>
+                      <a:r>
+                        <a:rPr sz="1300" i="true">
+                          <a:solidFill>
+                            <a:srgbClr val="000000">
+                              <a:alpha val="100000"/>
+                            </a:srgbClr>
+                          </a:solidFill>
+                          <a:latin typeface="Times New Roman"/>
+                          <a:ea typeface="Times New Roman"/>
+                          <a:cs typeface="Times New Roman"/>
+                        </a:rPr>
+                        <a:t>Count</a:t>
+                      </a:r>
+                    </a:p>
+                  </a:txBody>
+                  <a:tcPr marL="0" marR="0" marT="0" marB="0" anchor="ctr">
+                    <a:lnL w="12700" cap="flat" cmpd="sng" algn="ctr">
+                      <a:noFill/>
+                      <a:prstDash val="solid"/>
+                      <a:round/>
+                      <a:headEnd type="none" w="med" len="med"/>
+                      <a:tailEnd type="none" w="med" len="med"/>
+                    </a:lnL>
+                    <a:lnR w="12700" cap="flat" cmpd="sng" algn="ctr">
+                      <a:noFill/>
+                      <a:prstDash val="solid"/>
+                      <a:round/>
+                      <a:headEnd type="none" w="med" len="med"/>
+                      <a:tailEnd type="none" w="med" len="med"/>
+                    </a:lnR>
+                    <a:lnT w="25400">
+                      <a:solidFill>
+                        <a:srgbClr val="000000">
+                          <a:alpha val="100000"/>
+                        </a:srgbClr>
+                      </a:solidFill>
+                      <a:prstDash val="solid"/>
+                    </a:lnT>
+                    <a:lnB w="12700" cap="flat" cmpd="sng" algn="ctr">
+                      <a:noFill/>
+                      <a:prstDash val="solid"/>
+                      <a:round/>
+                      <a:headEnd type="none" w="med" len="med"/>
+                      <a:tailEnd type="none" w="med" len="med"/>
+                    </a:lnB>
+                    <a:solidFill>
+                      <a:srgbClr val="EEEEEE">
+                        <a:alpha val="100000"/>
+                      </a:srgbClr>
+                    </a:solidFill>
+                  </a:tcPr>
+                </a:tc>
+                <a:tc>
+                  <a:txBody>
+                    <a:bodyPr/>
+                    <a:lstStyle/>
+                    <a:p>
+                      <a:pPr marL="50800" marR="50800" indent="0" algn="r">
+                        <a:spcBef>
+                          <a:spcPts val="100"/>
+                        </a:spcBef>
+                        <a:spcAft>
+                          <a:spcPts val="100"/>
+                        </a:spcAft>
+                        <a:buNone/>
+                      </a:pPr>
+                      <a:r>
+                        <a:rPr sz="1300" i="true">
+                          <a:solidFill>
+                            <a:srgbClr val="000000">
+                              <a:alpha val="100000"/>
+                            </a:srgbClr>
+                          </a:solidFill>
+                          <a:latin typeface="Times New Roman"/>
+                          <a:ea typeface="Times New Roman"/>
+                          <a:cs typeface="Times New Roman"/>
+                        </a:rPr>
+                        <a:t/>
+                      </a:r>
+                      <a:r>
+                        <a:rPr sz="1300" i="true">
+                          <a:solidFill>
+                            <a:srgbClr val="000000">
+                              <a:alpha val="100000"/>
+                            </a:srgbClr>
+                          </a:solidFill>
+                          <a:latin typeface="Times New Roman"/>
+                          <a:ea typeface="Times New Roman"/>
+                          <a:cs typeface="Times New Roman"/>
+                        </a:rPr>
+                        <a:t>18</a:t>
+                      </a:r>
+                    </a:p>
+                  </a:txBody>
+                  <a:tcPr marL="0" marR="0" marT="0" marB="0" anchor="ctr">
+                    <a:lnL w="12700" cap="flat" cmpd="sng" algn="ctr">
+                      <a:noFill/>
+                      <a:prstDash val="solid"/>
+                      <a:round/>
+                      <a:headEnd type="none" w="med" len="med"/>
+                      <a:tailEnd type="none" w="med" len="med"/>
+                    </a:lnL>
+                    <a:lnR w="12700" cap="flat" cmpd="sng" algn="ctr">
+                      <a:noFill/>
+                      <a:prstDash val="solid"/>
+                      <a:round/>
+                      <a:headEnd type="none" w="med" len="med"/>
+                      <a:tailEnd type="none" w="med" len="med"/>
+                    </a:lnR>
+                    <a:lnT w="25400">
+                      <a:solidFill>
+                        <a:srgbClr val="000000">
+                          <a:alpha val="100000"/>
+                        </a:srgbClr>
+                      </a:solidFill>
+                      <a:prstDash val="solid"/>
+                    </a:lnT>
+                    <a:lnB w="12700" cap="flat" cmpd="sng" algn="ctr">
+                      <a:noFill/>
+                      <a:prstDash val="solid"/>
+                      <a:round/>
+                      <a:headEnd type="none" w="med" len="med"/>
+                      <a:tailEnd type="none" w="med" len="med"/>
+                    </a:lnB>
+                    <a:solidFill>
+                      <a:srgbClr val="EEEEEE">
+                        <a:alpha val="100000"/>
+                      </a:srgbClr>
+                    </a:solidFill>
+                  </a:tcPr>
+                </a:tc>
+                <a:tc>
+                  <a:txBody>
+                    <a:bodyPr/>
+                    <a:lstStyle/>
+                    <a:p>
+                      <a:pPr marL="50800" marR="50800" indent="0" algn="r">
+                        <a:spcBef>
+                          <a:spcPts val="100"/>
+                        </a:spcBef>
+                        <a:spcAft>
+                          <a:spcPts val="100"/>
+                        </a:spcAft>
+                        <a:buNone/>
+                      </a:pPr>
+                      <a:r>
+                        <a:rPr sz="1300" i="true">
+                          <a:solidFill>
+                            <a:srgbClr val="000000">
+                              <a:alpha val="100000"/>
+                            </a:srgbClr>
+                          </a:solidFill>
+                          <a:latin typeface="Times New Roman"/>
+                          <a:ea typeface="Times New Roman"/>
+                          <a:cs typeface="Times New Roman"/>
+                        </a:rPr>
+                        <a:t/>
+                      </a:r>
+                      <a:r>
+                        <a:rPr sz="1300" i="true">
+                          <a:solidFill>
+                            <a:srgbClr val="000000">
+                              <a:alpha val="100000"/>
+                            </a:srgbClr>
+                          </a:solidFill>
+                          <a:latin typeface="Times New Roman"/>
+                          <a:ea typeface="Times New Roman"/>
+                          <a:cs typeface="Times New Roman"/>
+                        </a:rPr>
+                        <a:t>9</a:t>
+                      </a:r>
+                    </a:p>
+                  </a:txBody>
+                  <a:tcPr marL="0" marR="0" marT="0" marB="0" anchor="ctr">
+                    <a:lnL w="12700" cap="flat" cmpd="sng" algn="ctr">
+                      <a:noFill/>
+                      <a:prstDash val="solid"/>
+                      <a:round/>
+                      <a:headEnd type="none" w="med" len="med"/>
+                      <a:tailEnd type="none" w="med" len="med"/>
+                    </a:lnL>
+                    <a:lnR w="12700" cap="flat" cmpd="sng" algn="ctr">
+                      <a:noFill/>
+                      <a:prstDash val="solid"/>
+                      <a:round/>
+                      <a:headEnd type="none" w="med" len="med"/>
+                      <a:tailEnd type="none" w="med" len="med"/>
+                    </a:lnR>
+                    <a:lnT w="25400">
+                      <a:solidFill>
+                        <a:srgbClr val="000000">
+                          <a:alpha val="100000"/>
+                        </a:srgbClr>
+                      </a:solidFill>
+                      <a:prstDash val="solid"/>
+                    </a:lnT>
+                    <a:lnB w="12700" cap="flat" cmpd="sng" algn="ctr">
+                      <a:noFill/>
+                      <a:prstDash val="solid"/>
+                      <a:round/>
+                      <a:headEnd type="none" w="med" len="med"/>
+                      <a:tailEnd type="none" w="med" len="med"/>
+                    </a:lnB>
+                    <a:solidFill>
+                      <a:srgbClr val="EEEEEE">
+                        <a:alpha val="100000"/>
+                      </a:srgbClr>
+                    </a:solidFill>
+                  </a:tcPr>
+                </a:tc>
+              </a:tr>
+              <a:tr h="0">
+                <a:tc>
+                  <a:txBody>
+                    <a:bodyPr/>
+                    <a:lstStyle/>
+                    <a:p>
+                      <a:pPr marL="50800" marR="50800" indent="0" algn="r">
+                        <a:spcBef>
+                          <a:spcPts val="100"/>
+                        </a:spcBef>
+                        <a:spcAft>
+                          <a:spcPts val="100"/>
+                        </a:spcAft>
+                        <a:buNone/>
+                      </a:pPr>
+                      <a:r>
+                        <a:rPr sz="1300" i="true">
+                          <a:solidFill>
+                            <a:srgbClr val="000000">
+                              <a:alpha val="100000"/>
+                            </a:srgbClr>
+                          </a:solidFill>
+                          <a:latin typeface="Times New Roman"/>
+                          <a:ea typeface="Times New Roman"/>
+                          <a:cs typeface="Times New Roman"/>
+                        </a:rPr>
+                        <a:t/>
+                      </a:r>
+                      <a:r>
+                        <a:rPr sz="1300" i="true">
+                          <a:solidFill>
+                            <a:srgbClr val="000000">
+                              <a:alpha val="100000"/>
+                            </a:srgbClr>
+                          </a:solidFill>
+                          <a:latin typeface="Times New Roman"/>
+                          <a:ea typeface="Times New Roman"/>
+                          <a:cs typeface="Times New Roman"/>
+                        </a:rPr>
+                        <a:t>Perct.</a:t>
+                      </a:r>
+                    </a:p>
+                  </a:txBody>
+                  <a:tcPr marL="0" marR="0" marT="0" marB="0" anchor="ctr">
+                    <a:lnL w="12700" cap="flat" cmpd="sng" algn="ctr">
+                      <a:noFill/>
+                      <a:prstDash val="solid"/>
+                      <a:round/>
+                      <a:headEnd type="none" w="med" len="med"/>
+                      <a:tailEnd type="none" w="med" len="med"/>
+                    </a:lnL>
+                    <a:lnR w="12700" cap="flat" cmpd="sng" algn="ctr">
+                      <a:noFill/>
+                      <a:prstDash val="solid"/>
+                      <a:round/>
+                      <a:headEnd type="none" w="med" len="med"/>
+                      <a:tailEnd type="none" w="med" len="med"/>
+                    </a:lnR>
+                    <a:lnT w="12700" cap="flat" cmpd="sng" algn="ctr">
+                      <a:noFill/>
+                      <a:prstDash val="solid"/>
+                      <a:round/>
+                      <a:headEnd type="none" w="med" len="med"/>
+                      <a:tailEnd type="none" w="med" len="med"/>
+                    </a:lnT>
+                    <a:lnB w="25400">
+                      <a:solidFill>
+                        <a:srgbClr val="000000">
+                          <a:alpha val="100000"/>
+                        </a:srgbClr>
+                      </a:solidFill>
+                      <a:prstDash val="solid"/>
+                    </a:lnB>
+                    <a:solidFill>
+                      <a:srgbClr val="FFFFFF">
+                        <a:alpha val="100000"/>
+                      </a:srgbClr>
+                    </a:solidFill>
+                  </a:tcPr>
+                </a:tc>
+                <a:tc>
+                  <a:txBody>
+                    <a:bodyPr/>
+                    <a:lstStyle/>
+                    <a:p>
+                      <a:pPr marL="50800" marR="50800" indent="0" algn="r">
+                        <a:spcBef>
+                          <a:spcPts val="100"/>
+                        </a:spcBef>
+                        <a:spcAft>
+                          <a:spcPts val="100"/>
+                        </a:spcAft>
+                        <a:buNone/>
+                      </a:pPr>
+                      <a:r>
+                        <a:rPr sz="1300" i="true">
+                          <a:solidFill>
+                            <a:srgbClr val="000000">
+                              <a:alpha val="100000"/>
+                            </a:srgbClr>
+                          </a:solidFill>
+                          <a:latin typeface="Times New Roman"/>
+                          <a:ea typeface="Times New Roman"/>
+                          <a:cs typeface="Times New Roman"/>
+                        </a:rPr>
+                        <a:t/>
+                      </a:r>
+                      <a:r>
+                        <a:rPr sz="1300" i="true">
+                          <a:solidFill>
+                            <a:srgbClr val="000000">
+                              <a:alpha val="100000"/>
+                            </a:srgbClr>
+                          </a:solidFill>
+                          <a:latin typeface="Times New Roman"/>
+                          <a:ea typeface="Times New Roman"/>
+                          <a:cs typeface="Times New Roman"/>
+                        </a:rPr>
+                        <a:t>66.67%</a:t>
+                      </a:r>
+                    </a:p>
+                  </a:txBody>
+                  <a:tcPr marL="0" marR="0" marT="0" marB="0" anchor="ctr">
+                    <a:lnL w="12700" cap="flat" cmpd="sng" algn="ctr">
+                      <a:noFill/>
+                      <a:prstDash val="solid"/>
+                      <a:round/>
+                      <a:headEnd type="none" w="med" len="med"/>
+                      <a:tailEnd type="none" w="med" len="med"/>
+                    </a:lnL>
+                    <a:lnR w="12700" cap="flat" cmpd="sng" algn="ctr">
+                      <a:noFill/>
+                      <a:prstDash val="solid"/>
+                      <a:round/>
+                      <a:headEnd type="none" w="med" len="med"/>
+                      <a:tailEnd type="none" w="med" len="med"/>
+                    </a:lnR>
+                    <a:lnT w="12700" cap="flat" cmpd="sng" algn="ctr">
+                      <a:noFill/>
+                      <a:prstDash val="solid"/>
+                      <a:round/>
+                      <a:headEnd type="none" w="med" len="med"/>
+                      <a:tailEnd type="none" w="med" len="med"/>
+                    </a:lnT>
+                    <a:lnB w="25400">
+                      <a:solidFill>
+                        <a:srgbClr val="000000">
+                          <a:alpha val="100000"/>
+                        </a:srgbClr>
+                      </a:solidFill>
+                      <a:prstDash val="solid"/>
+                    </a:lnB>
+                    <a:solidFill>
+                      <a:srgbClr val="FFFFFF">
+                        <a:alpha val="100000"/>
+                      </a:srgbClr>
+                    </a:solidFill>
+                  </a:tcPr>
+                </a:tc>
+                <a:tc>
+                  <a:txBody>
+                    <a:bodyPr/>
+                    <a:lstStyle/>
+                    <a:p>
+                      <a:pPr marL="50800" marR="50800" indent="0" algn="r">
+                        <a:spcBef>
+                          <a:spcPts val="100"/>
+                        </a:spcBef>
+                        <a:spcAft>
+                          <a:spcPts val="100"/>
+                        </a:spcAft>
+                        <a:buNone/>
+                      </a:pPr>
+                      <a:r>
+                        <a:rPr sz="1300" i="true">
+                          <a:solidFill>
+                            <a:srgbClr val="000000">
+                              <a:alpha val="100000"/>
+                            </a:srgbClr>
+                          </a:solidFill>
+                          <a:latin typeface="Times New Roman"/>
+                          <a:ea typeface="Times New Roman"/>
+                          <a:cs typeface="Times New Roman"/>
+                        </a:rPr>
+                        <a:t/>
+                      </a:r>
+                      <a:r>
+                        <a:rPr sz="1300" i="true">
+                          <a:solidFill>
+                            <a:srgbClr val="000000">
+                              <a:alpha val="100000"/>
+                            </a:srgbClr>
+                          </a:solidFill>
+                          <a:latin typeface="Times New Roman"/>
+                          <a:ea typeface="Times New Roman"/>
+                          <a:cs typeface="Times New Roman"/>
+                        </a:rPr>
+                        <a:t>33.33%</a:t>
+                      </a:r>
+                    </a:p>
+                  </a:txBody>
+                  <a:tcPr marL="0" marR="0" marT="0" marB="0" anchor="ctr">
+                    <a:lnL w="12700" cap="flat" cmpd="sng" algn="ctr">
+                      <a:noFill/>
+                      <a:prstDash val="solid"/>
+                      <a:round/>
+                      <a:headEnd type="none" w="med" len="med"/>
+                      <a:tailEnd type="none" w="med" len="med"/>
+                    </a:lnL>
+                    <a:lnR w="12700" cap="flat" cmpd="sng" algn="ctr">
+                      <a:noFill/>
+                      <a:prstDash val="solid"/>
+                      <a:round/>
+                      <a:headEnd type="none" w="med" len="med"/>
+                      <a:tailEnd type="none" w="med" len="med"/>
+                    </a:lnR>
+                    <a:lnT w="12700" cap="flat" cmpd="sng" algn="ctr">
+                      <a:noFill/>
+                      <a:prstDash val="solid"/>
+                      <a:round/>
+                      <a:headEnd type="none" w="med" len="med"/>
+                      <a:tailEnd type="none" w="med" len="med"/>
+                    </a:lnT>
+                    <a:lnB w="25400">
+                      <a:solidFill>
+                        <a:srgbClr val="000000">
+                          <a:alpha val="100000"/>
+                        </a:srgbClr>
+                      </a:solidFill>
+                      <a:prstDash val="solid"/>
+                    </a:lnB>
+                    <a:solidFill>
+                      <a:srgbClr val="FFFFFF">
+                        <a:alpha val="100000"/>
+                      </a:srgbClr>
+                    </a:solidFill>
+                  </a:tcPr>
+                </a:tc>
+              </a:tr>
+            </a:tbl>
+          </a:graphicData>
+        </a:graphic>
+      </p:graphicFrame>
+      <p:graphicFrame>
+        <p:nvGraphicFramePr>
+          <p:cNvPr id="5" name="nvGraphicFrame 5"/>
+          <p:cNvGraphicFramePr>
+            <a:graphicFrameLocks noGrp="true"/>
+          </p:cNvGraphicFramePr>
+          <p:nvPr/>
+        </p:nvGraphicFramePr>
+        <p:xfrm rot="0">
+          <a:off x="7315200" y="5029200"/>
           <a:ext cx="9144000" cy="3657600"/>
         </p:xfrm>
         <a:graphic>
@@ -12373,7 +18093,7 @@
                         <a:buNone/>
                       </a:pPr>
                       <a:r>
-                        <a:rPr sz="1300" i="true">
+                        <a:rPr sz="1400" i="true">
                           <a:solidFill>
                             <a:srgbClr val="000000">
                               <a:alpha val="100000"/>
@@ -12386,7 +18106,7 @@
                         <a:t/>
                       </a:r>
                       <a:r>
-                        <a:rPr sz="1300" i="true">
+                        <a:rPr sz="1400" i="true">
                           <a:solidFill>
                             <a:srgbClr val="000000">
                               <a:alpha val="100000"/>
@@ -12452,7 +18172,7 @@
                         <a:buNone/>
                       </a:pPr>
                       <a:r>
-                        <a:rPr sz="1300" i="true">
+                        <a:rPr sz="1400" i="true">
                           <a:solidFill>
                             <a:srgbClr val="000000">
                               <a:alpha val="100000"/>
@@ -12465,7 +18185,7 @@
                         <a:t/>
                       </a:r>
                       <a:r>
-                        <a:rPr sz="1300" i="true">
+                        <a:rPr sz="1400" i="true">
                           <a:solidFill>
                             <a:srgbClr val="000000">
                               <a:alpha val="100000"/>
@@ -12531,7 +18251,7 @@
                         <a:buNone/>
                       </a:pPr>
                       <a:r>
-                        <a:rPr sz="1300" i="true">
+                        <a:rPr sz="1400" i="true">
                           <a:solidFill>
                             <a:srgbClr val="000000">
                               <a:alpha val="100000"/>
@@ -12544,7 +18264,7 @@
                         <a:t/>
                       </a:r>
                       <a:r>
-                        <a:rPr sz="1300" i="true">
+                        <a:rPr sz="1400" i="true">
                           <a:solidFill>
                             <a:srgbClr val="000000">
                               <a:alpha val="100000"/>
@@ -12610,7 +18330,7 @@
                         <a:buNone/>
                       </a:pPr>
                       <a:r>
-                        <a:rPr sz="1300" i="true">
+                        <a:rPr sz="1400" i="true">
                           <a:solidFill>
                             <a:srgbClr val="000000">
                               <a:alpha val="100000"/>
@@ -12623,7 +18343,7 @@
                         <a:t/>
                       </a:r>
                       <a:r>
-                        <a:rPr sz="1300" i="true">
+                        <a:rPr sz="1400" i="true">
                           <a:solidFill>
                             <a:srgbClr val="000000">
                               <a:alpha val="100000"/>
@@ -12691,7 +18411,7 @@
                         <a:buNone/>
                       </a:pPr>
                       <a:r>
-                        <a:rPr sz="1300" i="true">
+                        <a:rPr sz="1400" i="true">
                           <a:solidFill>
                             <a:srgbClr val="000000">
                               <a:alpha val="100000"/>
@@ -12704,7 +18424,7 @@
                         <a:t/>
                       </a:r>
                       <a:r>
-                        <a:rPr sz="1300" i="true">
+                        <a:rPr sz="1400" i="true">
                           <a:solidFill>
                             <a:srgbClr val="000000">
                               <a:alpha val="100000"/>
@@ -12770,7 +18490,7 @@
                         <a:buNone/>
                       </a:pPr>
                       <a:r>
-                        <a:rPr sz="1300" i="true">
+                        <a:rPr sz="1400" i="true">
                           <a:solidFill>
                             <a:srgbClr val="000000">
                               <a:alpha val="100000"/>
@@ -12783,7 +18503,7 @@
                         <a:t/>
                       </a:r>
                       <a:r>
-                        <a:rPr sz="1300" i="true">
+                        <a:rPr sz="1400" i="true">
                           <a:solidFill>
                             <a:srgbClr val="000000">
                               <a:alpha val="100000"/>
@@ -12849,7 +18569,7 @@
                         <a:buNone/>
                       </a:pPr>
                       <a:r>
-                        <a:rPr sz="1300" i="true">
+                        <a:rPr sz="1400" i="true">
                           <a:solidFill>
                             <a:srgbClr val="000000">
                               <a:alpha val="100000"/>
@@ -12862,7 +18582,7 @@
                         <a:t/>
                       </a:r>
                       <a:r>
-                        <a:rPr sz="1300" i="true">
+                        <a:rPr sz="1400" i="true">
                           <a:solidFill>
                             <a:srgbClr val="000000">
                               <a:alpha val="100000"/>
@@ -12928,7 +18648,7 @@
                         <a:buNone/>
                       </a:pPr>
                       <a:r>
-                        <a:rPr sz="1300" i="true">
+                        <a:rPr sz="1400" i="true">
                           <a:solidFill>
                             <a:srgbClr val="000000">
                               <a:alpha val="100000"/>
@@ -12941,7 +18661,7 @@
                         <a:t/>
                       </a:r>
                       <a:r>
-                        <a:rPr sz="1300" i="true">
+                        <a:rPr sz="1400" i="true">
                           <a:solidFill>
                             <a:srgbClr val="000000">
                               <a:alpha val="100000"/>
@@ -13002,8 +18722,8 @@
 </p:sld>
 </file>
 
-<file path=ppt/slides/slide8.xml><?xml version="1.0" encoding="utf-8"?>
-<p:sld xmlns:p="http://schemas.openxmlformats.org/presentationml/2006/main" xmlns:r="http://schemas.openxmlformats.org/officeDocument/2006/relationships" xmlns:a="http://schemas.openxmlformats.org/drawingml/2006/main" xmlns:mc="http://schemas.openxmlformats.org/markup-compatibility/2006" xmlns:c="http://schemas.openxmlformats.org/drawingml/2006/chart" xmlns:ns6="http://schemas.openxmlformats.org/drawingml/2006/chartDrawing" xmlns:dgm="http://schemas.openxmlformats.org/drawingml/2006/diagram" xmlns:pic="http://schemas.openxmlformats.org/drawingml/2006/picture" xmlns:wp="http://schemas.openxmlformats.org/drawingml/2006/wordprocessingDrawing" xmlns:xdr="http://schemas.openxmlformats.org/drawingml/2006/spreadsheetDrawing" xmlns:ns11="http://schemas.openxmlformats.org/drawingml/2006/compatibility" xmlns:ns12="http://schemas.openxmlformats.org/drawingml/2006/lockedCanvas">
+<file path=ppt/slides/slide9.xml><?xml version="1.0" encoding="utf-8"?>
+<p:sld xmlns:r="http://schemas.openxmlformats.org/officeDocument/2006/relationships" xmlns:p="http://schemas.openxmlformats.org/presentationml/2006/main" xmlns:a="http://schemas.openxmlformats.org/drawingml/2006/main" xmlns:mc="http://schemas.openxmlformats.org/markup-compatibility/2006" xmlns:c="http://schemas.openxmlformats.org/drawingml/2006/chart" xmlns:ns6="http://schemas.openxmlformats.org/drawingml/2006/chartDrawing" xmlns:dgm="http://schemas.openxmlformats.org/drawingml/2006/diagram" xmlns:pic="http://schemas.openxmlformats.org/drawingml/2006/picture" xmlns:wp="http://schemas.openxmlformats.org/drawingml/2006/wordprocessingDrawing" xmlns:xdr="http://schemas.openxmlformats.org/drawingml/2006/spreadsheetDrawing" xmlns:ns11="http://schemas.openxmlformats.org/drawingml/2006/compatibility" xmlns:ns12="http://schemas.openxmlformats.org/drawingml/2006/lockedCanvas">
   <p:cSld>
     <p:spTree>
       <p:nvGrpSpPr>
@@ -13136,2220 +18856,6 @@
           </a:p>
         </p:txBody>
       </p:sp>
-    </p:spTree>
-  </p:cSld>
-</p:sld>
-</file>
-
-<file path=ppt/slides/slide9.xml><?xml version="1.0" encoding="utf-8"?>
-<p:sld xmlns:p="http://schemas.openxmlformats.org/presentationml/2006/main" xmlns:r="http://schemas.openxmlformats.org/officeDocument/2006/relationships" xmlns:a="http://schemas.openxmlformats.org/drawingml/2006/main" xmlns:mc="http://schemas.openxmlformats.org/markup-compatibility/2006" xmlns:c="http://schemas.openxmlformats.org/drawingml/2006/chart" xmlns:ns6="http://schemas.openxmlformats.org/drawingml/2006/chartDrawing" xmlns:dgm="http://schemas.openxmlformats.org/drawingml/2006/diagram" xmlns:pic="http://schemas.openxmlformats.org/drawingml/2006/picture" xmlns:wp="http://schemas.openxmlformats.org/drawingml/2006/wordprocessingDrawing" xmlns:xdr="http://schemas.openxmlformats.org/drawingml/2006/spreadsheetDrawing" xmlns:ns11="http://schemas.openxmlformats.org/drawingml/2006/compatibility" xmlns:ns12="http://schemas.openxmlformats.org/drawingml/2006/lockedCanvas">
-  <p:cSld>
-    <p:spTree>
-      <p:nvGrpSpPr>
-        <p:cNvPr id="1" name=""/>
-        <p:cNvGrpSpPr/>
-        <p:nvPr/>
-      </p:nvGrpSpPr>
-      <p:grpSpPr>
-        <a:xfrm>
-          <a:off x="0" y="0"/>
-          <a:ext cx="0" cy="0"/>
-          <a:chOff x="0" y="0"/>
-          <a:chExt cx="0" cy="0"/>
-        </a:xfrm>
-      </p:grpSpPr>
-      <p:sp>
-        <p:nvSpPr>
-          <p:cNvPr id="1" name="Title 1"/>
-          <p:cNvSpPr/>
-          <p:nvPr>
-            <p:ph type="title" idx="0"/>
-          </p:nvPr>
-        </p:nvSpPr>
-        <p:spPr/>
-        <p:txBody>
-          <a:bodyPr/>
-          <a:lstStyle/>
-          <a:p>
-            <a:r>
-              <a:rPr/>
-              <a:t>Bi-variate analysis Slide  1 of 5</a:t>
-            </a:r>
-          </a:p>
-        </p:txBody>
-      </p:sp>
-      <p:pic>
-        <p:nvPicPr>
-          <p:cNvPr id="2" name="Picture 2"/>
-          <p:cNvPicPr>
-            <a:picLocks noChangeAspect="true"/>
-          </p:cNvPicPr>
-          <p:nvPr>
-            <p:ph idx="2"/>
-          </p:nvPr>
-        </p:nvPicPr>
-        <p:blipFill>
-          <a:blip cstate="print" r:embed="rId2"/>
-          <a:stretch>
-            <a:fillRect/>
-          </a:stretch>
-        </p:blipFill>
-        <p:spPr>
-          <a:xfrm>
-            <a:off x="914400" y="1371600"/>
-            <a:ext cx="5029200" cy="3200400"/>
-          </a:xfrm>
-          <a:prstGeom prst="rect">
-            <a:avLst/>
-          </a:prstGeom>
-        </p:spPr>
-      </p:pic>
-      <p:pic>
-        <p:nvPicPr>
-          <p:cNvPr id="3" name="Picture 3"/>
-          <p:cNvPicPr>
-            <a:picLocks noChangeAspect="true"/>
-          </p:cNvPicPr>
-          <p:nvPr>
-            <p:ph idx="3"/>
-          </p:nvPr>
-        </p:nvPicPr>
-        <p:blipFill>
-          <a:blip cstate="print" r:embed="rId3"/>
-          <a:stretch>
-            <a:fillRect/>
-          </a:stretch>
-        </p:blipFill>
-        <p:spPr>
-          <a:xfrm>
-            <a:off x="6400800" y="1371600"/>
-            <a:ext cx="5029200" cy="3200400"/>
-          </a:xfrm>
-          <a:prstGeom prst="rect">
-            <a:avLst/>
-          </a:prstGeom>
-        </p:spPr>
-      </p:pic>
-      <p:graphicFrame>
-        <p:nvGraphicFramePr>
-          <p:cNvPr id="4" name="nvGraphicFrame 4"/>
-          <p:cNvGraphicFramePr>
-            <a:graphicFrameLocks noGrp="true"/>
-          </p:cNvGraphicFramePr>
-          <p:nvPr/>
-        </p:nvGraphicFramePr>
-        <p:xfrm rot="0">
-          <a:off x="1828800" y="5029200"/>
-          <a:ext cx="9144000" cy="3657600"/>
-        </p:xfrm>
-        <a:graphic>
-          <a:graphicData uri="http://schemas.openxmlformats.org/drawingml/2006/table">
-            <a:tbl>
-              <a:tblPr/>
-              <a:tblGrid>
-                <a:gridCol w="1219200"/>
-                <a:gridCol w="1219200"/>
-                <a:gridCol w="1219200"/>
-              </a:tblGrid>
-              <a:tr h="0">
-                <a:tc>
-                  <a:txBody>
-                    <a:bodyPr/>
-                    <a:lstStyle/>
-                    <a:p>
-                      <a:pPr marL="50800" marR="50800" indent="0" algn="r">
-                        <a:spcBef>
-                          <a:spcPts val="100"/>
-                        </a:spcBef>
-                        <a:spcAft>
-                          <a:spcPts val="100"/>
-                        </a:spcAft>
-                        <a:buNone/>
-                      </a:pPr>
-                      <a:r>
-                        <a:rPr sz="1100" b="true">
-                          <a:solidFill>
-                            <a:srgbClr val="000000">
-                              <a:alpha val="100000"/>
-                            </a:srgbClr>
-                          </a:solidFill>
-                          <a:latin typeface="Times New Roman"/>
-                          <a:ea typeface="Times New Roman"/>
-                          <a:cs typeface="Times New Roman"/>
-                        </a:rPr>
-                        <a:t>tt</a:t>
-                      </a:r>
-                    </a:p>
-                  </a:txBody>
-                  <a:tcPr marL="0" marR="0" marT="0" marB="0" anchor="ctr">
-                    <a:lnL w="12700" cap="flat" cmpd="sng" algn="ctr">
-                      <a:noFill/>
-                      <a:prstDash val="solid"/>
-                      <a:round/>
-                      <a:headEnd type="none" w="med" len="med"/>
-                      <a:tailEnd type="none" w="med" len="med"/>
-                    </a:lnL>
-                    <a:lnR w="12700" cap="flat" cmpd="sng" algn="ctr">
-                      <a:noFill/>
-                      <a:prstDash val="solid"/>
-                      <a:round/>
-                      <a:headEnd type="none" w="med" len="med"/>
-                      <a:tailEnd type="none" w="med" len="med"/>
-                    </a:lnR>
-                    <a:lnT w="25400">
-                      <a:solidFill>
-                        <a:srgbClr val="000000">
-                          <a:alpha val="100000"/>
-                        </a:srgbClr>
-                      </a:solidFill>
-                      <a:prstDash val="solid"/>
-                    </a:lnT>
-                    <a:lnB w="25400">
-                      <a:solidFill>
-                        <a:srgbClr val="000000">
-                          <a:alpha val="100000"/>
-                        </a:srgbClr>
-                      </a:solidFill>
-                      <a:prstDash val="solid"/>
-                    </a:lnB>
-                    <a:solidFill>
-                      <a:srgbClr val="FFFFFF">
-                        <a:alpha val="0"/>
-                      </a:srgbClr>
-                    </a:solidFill>
-                  </a:tcPr>
-                </a:tc>
-                <a:tc>
-                  <a:txBody>
-                    <a:bodyPr/>
-                    <a:lstStyle/>
-                    <a:p>
-                      <a:pPr marL="50800" marR="50800" indent="0" algn="r">
-                        <a:spcBef>
-                          <a:spcPts val="100"/>
-                        </a:spcBef>
-                        <a:spcAft>
-                          <a:spcPts val="100"/>
-                        </a:spcAft>
-                        <a:buNone/>
-                      </a:pPr>
-                      <a:r>
-                        <a:rPr sz="1100" b="true">
-                          <a:solidFill>
-                            <a:srgbClr val="000000">
-                              <a:alpha val="100000"/>
-                            </a:srgbClr>
-                          </a:solidFill>
-                          <a:latin typeface="Times New Roman"/>
-                          <a:ea typeface="Times New Roman"/>
-                          <a:cs typeface="Times New Roman"/>
-                        </a:rPr>
-                        <a:t>mean - mpg</a:t>
-                      </a:r>
-                    </a:p>
-                  </a:txBody>
-                  <a:tcPr marL="0" marR="0" marT="0" marB="0" anchor="ctr">
-                    <a:lnL w="12700" cap="flat" cmpd="sng" algn="ctr">
-                      <a:noFill/>
-                      <a:prstDash val="solid"/>
-                      <a:round/>
-                      <a:headEnd type="none" w="med" len="med"/>
-                      <a:tailEnd type="none" w="med" len="med"/>
-                    </a:lnL>
-                    <a:lnR w="12700" cap="flat" cmpd="sng" algn="ctr">
-                      <a:noFill/>
-                      <a:prstDash val="solid"/>
-                      <a:round/>
-                      <a:headEnd type="none" w="med" len="med"/>
-                      <a:tailEnd type="none" w="med" len="med"/>
-                    </a:lnR>
-                    <a:lnT w="25400">
-                      <a:solidFill>
-                        <a:srgbClr val="000000">
-                          <a:alpha val="100000"/>
-                        </a:srgbClr>
-                      </a:solidFill>
-                      <a:prstDash val="solid"/>
-                    </a:lnT>
-                    <a:lnB w="25400">
-                      <a:solidFill>
-                        <a:srgbClr val="000000">
-                          <a:alpha val="100000"/>
-                        </a:srgbClr>
-                      </a:solidFill>
-                      <a:prstDash val="solid"/>
-                    </a:lnB>
-                    <a:solidFill>
-                      <a:srgbClr val="FFFFFF">
-                        <a:alpha val="0"/>
-                      </a:srgbClr>
-                    </a:solidFill>
-                  </a:tcPr>
-                </a:tc>
-                <a:tc>
-                  <a:txBody>
-                    <a:bodyPr/>
-                    <a:lstStyle/>
-                    <a:p>
-                      <a:pPr marL="50800" marR="50800" indent="0" algn="r">
-                        <a:spcBef>
-                          <a:spcPts val="100"/>
-                        </a:spcBef>
-                        <a:spcAft>
-                          <a:spcPts val="100"/>
-                        </a:spcAft>
-                        <a:buNone/>
-                      </a:pPr>
-                      <a:r>
-                        <a:rPr sz="1100" b="true">
-                          <a:solidFill>
-                            <a:srgbClr val="000000">
-                              <a:alpha val="100000"/>
-                            </a:srgbClr>
-                          </a:solidFill>
-                          <a:latin typeface="Times New Roman"/>
-                          <a:ea typeface="Times New Roman"/>
-                          <a:cs typeface="Times New Roman"/>
-                        </a:rPr>
-                        <a:t>median - mpg</a:t>
-                      </a:r>
-                    </a:p>
-                  </a:txBody>
-                  <a:tcPr marL="0" marR="0" marT="0" marB="0" anchor="ctr">
-                    <a:lnL w="12700" cap="flat" cmpd="sng" algn="ctr">
-                      <a:noFill/>
-                      <a:prstDash val="solid"/>
-                      <a:round/>
-                      <a:headEnd type="none" w="med" len="med"/>
-                      <a:tailEnd type="none" w="med" len="med"/>
-                    </a:lnL>
-                    <a:lnR w="12700" cap="flat" cmpd="sng" algn="ctr">
-                      <a:noFill/>
-                      <a:prstDash val="solid"/>
-                      <a:round/>
-                      <a:headEnd type="none" w="med" len="med"/>
-                      <a:tailEnd type="none" w="med" len="med"/>
-                    </a:lnR>
-                    <a:lnT w="25400">
-                      <a:solidFill>
-                        <a:srgbClr val="000000">
-                          <a:alpha val="100000"/>
-                        </a:srgbClr>
-                      </a:solidFill>
-                      <a:prstDash val="solid"/>
-                    </a:lnT>
-                    <a:lnB w="25400">
-                      <a:solidFill>
-                        <a:srgbClr val="000000">
-                          <a:alpha val="100000"/>
-                        </a:srgbClr>
-                      </a:solidFill>
-                      <a:prstDash val="solid"/>
-                    </a:lnB>
-                    <a:solidFill>
-                      <a:srgbClr val="FFFFFF">
-                        <a:alpha val="0"/>
-                      </a:srgbClr>
-                    </a:solidFill>
-                  </a:tcPr>
-                </a:tc>
-              </a:tr>
-              <a:tr h="0">
-                <a:tc>
-                  <a:txBody>
-                    <a:bodyPr/>
-                    <a:lstStyle/>
-                    <a:p>
-                      <a:pPr marL="50800" marR="50800" indent="0" algn="r">
-                        <a:spcBef>
-                          <a:spcPts val="100"/>
-                        </a:spcBef>
-                        <a:spcAft>
-                          <a:spcPts val="100"/>
-                        </a:spcAft>
-                        <a:buNone/>
-                      </a:pPr>
-                      <a:r>
-                        <a:rPr sz="1300" i="true">
-                          <a:solidFill>
-                            <a:srgbClr val="000000">
-                              <a:alpha val="100000"/>
-                            </a:srgbClr>
-                          </a:solidFill>
-                          <a:latin typeface="Times New Roman"/>
-                          <a:ea typeface="Times New Roman"/>
-                          <a:cs typeface="Times New Roman"/>
-                        </a:rPr>
-                        <a:t/>
-                      </a:r>
-                      <a:r>
-                        <a:rPr sz="1300" i="true">
-                          <a:solidFill>
-                            <a:srgbClr val="000000">
-                              <a:alpha val="100000"/>
-                            </a:srgbClr>
-                          </a:solidFill>
-                          <a:latin typeface="Times New Roman"/>
-                          <a:ea typeface="Times New Roman"/>
-                          <a:cs typeface="Times New Roman"/>
-                        </a:rPr>
-                        <a:t>N</a:t>
-                      </a:r>
-                    </a:p>
-                  </a:txBody>
-                  <a:tcPr marL="0" marR="0" marT="0" marB="0" anchor="ctr">
-                    <a:lnL w="12700" cap="flat" cmpd="sng" algn="ctr">
-                      <a:noFill/>
-                      <a:prstDash val="solid"/>
-                      <a:round/>
-                      <a:headEnd type="none" w="med" len="med"/>
-                      <a:tailEnd type="none" w="med" len="med"/>
-                    </a:lnL>
-                    <a:lnR w="12700" cap="flat" cmpd="sng" algn="ctr">
-                      <a:noFill/>
-                      <a:prstDash val="solid"/>
-                      <a:round/>
-                      <a:headEnd type="none" w="med" len="med"/>
-                      <a:tailEnd type="none" w="med" len="med"/>
-                    </a:lnR>
-                    <a:lnT w="25400">
-                      <a:solidFill>
-                        <a:srgbClr val="000000">
-                          <a:alpha val="100000"/>
-                        </a:srgbClr>
-                      </a:solidFill>
-                      <a:prstDash val="solid"/>
-                    </a:lnT>
-                    <a:lnB w="12700" cap="flat" cmpd="sng" algn="ctr">
-                      <a:noFill/>
-                      <a:prstDash val="solid"/>
-                      <a:round/>
-                      <a:headEnd type="none" w="med" len="med"/>
-                      <a:tailEnd type="none" w="med" len="med"/>
-                    </a:lnB>
-                    <a:solidFill>
-                      <a:srgbClr val="EEEEEE">
-                        <a:alpha val="100000"/>
-                      </a:srgbClr>
-                    </a:solidFill>
-                  </a:tcPr>
-                </a:tc>
-                <a:tc>
-                  <a:txBody>
-                    <a:bodyPr/>
-                    <a:lstStyle/>
-                    <a:p>
-                      <a:pPr marL="50800" marR="50800" indent="0" algn="r">
-                        <a:spcBef>
-                          <a:spcPts val="100"/>
-                        </a:spcBef>
-                        <a:spcAft>
-                          <a:spcPts val="100"/>
-                        </a:spcAft>
-                        <a:buNone/>
-                      </a:pPr>
-                      <a:r>
-                        <a:rPr sz="1300" i="true">
-                          <a:solidFill>
-                            <a:srgbClr val="000000">
-                              <a:alpha val="100000"/>
-                            </a:srgbClr>
-                          </a:solidFill>
-                          <a:latin typeface="Times New Roman"/>
-                          <a:ea typeface="Times New Roman"/>
-                          <a:cs typeface="Times New Roman"/>
-                        </a:rPr>
-                        <a:t/>
-                      </a:r>
-                      <a:r>
-                        <a:rPr sz="1300" i="true">
-                          <a:solidFill>
-                            <a:srgbClr val="000000">
-                              <a:alpha val="100000"/>
-                            </a:srgbClr>
-                          </a:solidFill>
-                          <a:latin typeface="Times New Roman"/>
-                          <a:ea typeface="Times New Roman"/>
-                          <a:cs typeface="Times New Roman"/>
-                        </a:rPr>
-                        <a:t>18.99</a:t>
-                      </a:r>
-                    </a:p>
-                  </a:txBody>
-                  <a:tcPr marL="0" marR="0" marT="0" marB="0" anchor="ctr">
-                    <a:lnL w="12700" cap="flat" cmpd="sng" algn="ctr">
-                      <a:noFill/>
-                      <a:prstDash val="solid"/>
-                      <a:round/>
-                      <a:headEnd type="none" w="med" len="med"/>
-                      <a:tailEnd type="none" w="med" len="med"/>
-                    </a:lnL>
-                    <a:lnR w="12700" cap="flat" cmpd="sng" algn="ctr">
-                      <a:noFill/>
-                      <a:prstDash val="solid"/>
-                      <a:round/>
-                      <a:headEnd type="none" w="med" len="med"/>
-                      <a:tailEnd type="none" w="med" len="med"/>
-                    </a:lnR>
-                    <a:lnT w="25400">
-                      <a:solidFill>
-                        <a:srgbClr val="000000">
-                          <a:alpha val="100000"/>
-                        </a:srgbClr>
-                      </a:solidFill>
-                      <a:prstDash val="solid"/>
-                    </a:lnT>
-                    <a:lnB w="12700" cap="flat" cmpd="sng" algn="ctr">
-                      <a:noFill/>
-                      <a:prstDash val="solid"/>
-                      <a:round/>
-                      <a:headEnd type="none" w="med" len="med"/>
-                      <a:tailEnd type="none" w="med" len="med"/>
-                    </a:lnB>
-                    <a:solidFill>
-                      <a:srgbClr val="EEEEEE">
-                        <a:alpha val="100000"/>
-                      </a:srgbClr>
-                    </a:solidFill>
-                  </a:tcPr>
-                </a:tc>
-                <a:tc>
-                  <a:txBody>
-                    <a:bodyPr/>
-                    <a:lstStyle/>
-                    <a:p>
-                      <a:pPr marL="50800" marR="50800" indent="0" algn="r">
-                        <a:spcBef>
-                          <a:spcPts val="100"/>
-                        </a:spcBef>
-                        <a:spcAft>
-                          <a:spcPts val="100"/>
-                        </a:spcAft>
-                        <a:buNone/>
-                      </a:pPr>
-                      <a:r>
-                        <a:rPr sz="1300" i="true">
-                          <a:solidFill>
-                            <a:srgbClr val="000000">
-                              <a:alpha val="100000"/>
-                            </a:srgbClr>
-                          </a:solidFill>
-                          <a:latin typeface="Times New Roman"/>
-                          <a:ea typeface="Times New Roman"/>
-                          <a:cs typeface="Times New Roman"/>
-                        </a:rPr>
-                        <a:t/>
-                      </a:r>
-                      <a:r>
-                        <a:rPr sz="1300" i="true">
-                          <a:solidFill>
-                            <a:srgbClr val="000000">
-                              <a:alpha val="100000"/>
-                            </a:srgbClr>
-                          </a:solidFill>
-                          <a:latin typeface="Times New Roman"/>
-                          <a:ea typeface="Times New Roman"/>
-                          <a:cs typeface="Times New Roman"/>
-                        </a:rPr>
-                        <a:t>17.55</a:t>
-                      </a:r>
-                    </a:p>
-                  </a:txBody>
-                  <a:tcPr marL="0" marR="0" marT="0" marB="0" anchor="ctr">
-                    <a:lnL w="12700" cap="flat" cmpd="sng" algn="ctr">
-                      <a:noFill/>
-                      <a:prstDash val="solid"/>
-                      <a:round/>
-                      <a:headEnd type="none" w="med" len="med"/>
-                      <a:tailEnd type="none" w="med" len="med"/>
-                    </a:lnL>
-                    <a:lnR w="12700" cap="flat" cmpd="sng" algn="ctr">
-                      <a:noFill/>
-                      <a:prstDash val="solid"/>
-                      <a:round/>
-                      <a:headEnd type="none" w="med" len="med"/>
-                      <a:tailEnd type="none" w="med" len="med"/>
-                    </a:lnR>
-                    <a:lnT w="25400">
-                      <a:solidFill>
-                        <a:srgbClr val="000000">
-                          <a:alpha val="100000"/>
-                        </a:srgbClr>
-                      </a:solidFill>
-                      <a:prstDash val="solid"/>
-                    </a:lnT>
-                    <a:lnB w="12700" cap="flat" cmpd="sng" algn="ctr">
-                      <a:noFill/>
-                      <a:prstDash val="solid"/>
-                      <a:round/>
-                      <a:headEnd type="none" w="med" len="med"/>
-                      <a:tailEnd type="none" w="med" len="med"/>
-                    </a:lnB>
-                    <a:solidFill>
-                      <a:srgbClr val="EEEEEE">
-                        <a:alpha val="100000"/>
-                      </a:srgbClr>
-                    </a:solidFill>
-                  </a:tcPr>
-                </a:tc>
-              </a:tr>
-              <a:tr h="0">
-                <a:tc>
-                  <a:txBody>
-                    <a:bodyPr/>
-                    <a:lstStyle/>
-                    <a:p>
-                      <a:pPr marL="50800" marR="50800" indent="0" algn="r">
-                        <a:spcBef>
-                          <a:spcPts val="100"/>
-                        </a:spcBef>
-                        <a:spcAft>
-                          <a:spcPts val="100"/>
-                        </a:spcAft>
-                        <a:buNone/>
-                      </a:pPr>
-                      <a:r>
-                        <a:rPr sz="1300" i="true">
-                          <a:solidFill>
-                            <a:srgbClr val="000000">
-                              <a:alpha val="100000"/>
-                            </a:srgbClr>
-                          </a:solidFill>
-                          <a:latin typeface="Times New Roman"/>
-                          <a:ea typeface="Times New Roman"/>
-                          <a:cs typeface="Times New Roman"/>
-                        </a:rPr>
-                        <a:t/>
-                      </a:r>
-                      <a:r>
-                        <a:rPr sz="1300" i="true">
-                          <a:solidFill>
-                            <a:srgbClr val="000000">
-                              <a:alpha val="100000"/>
-                            </a:srgbClr>
-                          </a:solidFill>
-                          <a:latin typeface="Times New Roman"/>
-                          <a:ea typeface="Times New Roman"/>
-                          <a:cs typeface="Times New Roman"/>
-                        </a:rPr>
-                        <a:t>Y</a:t>
-                      </a:r>
-                    </a:p>
-                  </a:txBody>
-                  <a:tcPr marL="0" marR="0" marT="0" marB="0" anchor="ctr">
-                    <a:lnL w="12700" cap="flat" cmpd="sng" algn="ctr">
-                      <a:noFill/>
-                      <a:prstDash val="solid"/>
-                      <a:round/>
-                      <a:headEnd type="none" w="med" len="med"/>
-                      <a:tailEnd type="none" w="med" len="med"/>
-                    </a:lnL>
-                    <a:lnR w="12700" cap="flat" cmpd="sng" algn="ctr">
-                      <a:noFill/>
-                      <a:prstDash val="solid"/>
-                      <a:round/>
-                      <a:headEnd type="none" w="med" len="med"/>
-                      <a:tailEnd type="none" w="med" len="med"/>
-                    </a:lnR>
-                    <a:lnT w="12700" cap="flat" cmpd="sng" algn="ctr">
-                      <a:noFill/>
-                      <a:prstDash val="solid"/>
-                      <a:round/>
-                      <a:headEnd type="none" w="med" len="med"/>
-                      <a:tailEnd type="none" w="med" len="med"/>
-                    </a:lnT>
-                    <a:lnB w="12700" cap="flat" cmpd="sng" algn="ctr">
-                      <a:noFill/>
-                      <a:prstDash val="solid"/>
-                      <a:round/>
-                      <a:headEnd type="none" w="med" len="med"/>
-                      <a:tailEnd type="none" w="med" len="med"/>
-                    </a:lnB>
-                    <a:solidFill>
-                      <a:srgbClr val="FFFFFF">
-                        <a:alpha val="100000"/>
-                      </a:srgbClr>
-                    </a:solidFill>
-                  </a:tcPr>
-                </a:tc>
-                <a:tc>
-                  <a:txBody>
-                    <a:bodyPr/>
-                    <a:lstStyle/>
-                    <a:p>
-                      <a:pPr marL="50800" marR="50800" indent="0" algn="r">
-                        <a:spcBef>
-                          <a:spcPts val="100"/>
-                        </a:spcBef>
-                        <a:spcAft>
-                          <a:spcPts val="100"/>
-                        </a:spcAft>
-                        <a:buNone/>
-                      </a:pPr>
-                      <a:r>
-                        <a:rPr sz="1300" i="true">
-                          <a:solidFill>
-                            <a:srgbClr val="000000">
-                              <a:alpha val="100000"/>
-                            </a:srgbClr>
-                          </a:solidFill>
-                          <a:latin typeface="Times New Roman"/>
-                          <a:ea typeface="Times New Roman"/>
-                          <a:cs typeface="Times New Roman"/>
-                        </a:rPr>
-                        <a:t/>
-                      </a:r>
-                      <a:r>
-                        <a:rPr sz="1300" i="true">
-                          <a:solidFill>
-                            <a:srgbClr val="000000">
-                              <a:alpha val="100000"/>
-                            </a:srgbClr>
-                          </a:solidFill>
-                          <a:latin typeface="Times New Roman"/>
-                          <a:ea typeface="Times New Roman"/>
-                          <a:cs typeface="Times New Roman"/>
-                        </a:rPr>
-                        <a:t>20.50</a:t>
-                      </a:r>
-                    </a:p>
-                  </a:txBody>
-                  <a:tcPr marL="0" marR="0" marT="0" marB="0" anchor="ctr">
-                    <a:lnL w="12700" cap="flat" cmpd="sng" algn="ctr">
-                      <a:noFill/>
-                      <a:prstDash val="solid"/>
-                      <a:round/>
-                      <a:headEnd type="none" w="med" len="med"/>
-                      <a:tailEnd type="none" w="med" len="med"/>
-                    </a:lnL>
-                    <a:lnR w="12700" cap="flat" cmpd="sng" algn="ctr">
-                      <a:noFill/>
-                      <a:prstDash val="solid"/>
-                      <a:round/>
-                      <a:headEnd type="none" w="med" len="med"/>
-                      <a:tailEnd type="none" w="med" len="med"/>
-                    </a:lnR>
-                    <a:lnT w="12700" cap="flat" cmpd="sng" algn="ctr">
-                      <a:noFill/>
-                      <a:prstDash val="solid"/>
-                      <a:round/>
-                      <a:headEnd type="none" w="med" len="med"/>
-                      <a:tailEnd type="none" w="med" len="med"/>
-                    </a:lnT>
-                    <a:lnB w="12700" cap="flat" cmpd="sng" algn="ctr">
-                      <a:noFill/>
-                      <a:prstDash val="solid"/>
-                      <a:round/>
-                      <a:headEnd type="none" w="med" len="med"/>
-                      <a:tailEnd type="none" w="med" len="med"/>
-                    </a:lnB>
-                    <a:solidFill>
-                      <a:srgbClr val="FFFFFF">
-                        <a:alpha val="100000"/>
-                      </a:srgbClr>
-                    </a:solidFill>
-                  </a:tcPr>
-                </a:tc>
-                <a:tc>
-                  <a:txBody>
-                    <a:bodyPr/>
-                    <a:lstStyle/>
-                    <a:p>
-                      <a:pPr marL="50800" marR="50800" indent="0" algn="r">
-                        <a:spcBef>
-                          <a:spcPts val="100"/>
-                        </a:spcBef>
-                        <a:spcAft>
-                          <a:spcPts val="100"/>
-                        </a:spcAft>
-                        <a:buNone/>
-                      </a:pPr>
-                      <a:r>
-                        <a:rPr sz="1300" i="true">
-                          <a:solidFill>
-                            <a:srgbClr val="000000">
-                              <a:alpha val="100000"/>
-                            </a:srgbClr>
-                          </a:solidFill>
-                          <a:latin typeface="Times New Roman"/>
-                          <a:ea typeface="Times New Roman"/>
-                          <a:cs typeface="Times New Roman"/>
-                        </a:rPr>
-                        <a:t/>
-                      </a:r>
-                      <a:r>
-                        <a:rPr sz="1300" i="true">
-                          <a:solidFill>
-                            <a:srgbClr val="000000">
-                              <a:alpha val="100000"/>
-                            </a:srgbClr>
-                          </a:solidFill>
-                          <a:latin typeface="Times New Roman"/>
-                          <a:ea typeface="Times New Roman"/>
-                          <a:cs typeface="Times New Roman"/>
-                        </a:rPr>
-                        <a:t>21.00</a:t>
-                      </a:r>
-                    </a:p>
-                  </a:txBody>
-                  <a:tcPr marL="0" marR="0" marT="0" marB="0" anchor="ctr">
-                    <a:lnL w="12700" cap="flat" cmpd="sng" algn="ctr">
-                      <a:noFill/>
-                      <a:prstDash val="solid"/>
-                      <a:round/>
-                      <a:headEnd type="none" w="med" len="med"/>
-                      <a:tailEnd type="none" w="med" len="med"/>
-                    </a:lnL>
-                    <a:lnR w="12700" cap="flat" cmpd="sng" algn="ctr">
-                      <a:noFill/>
-                      <a:prstDash val="solid"/>
-                      <a:round/>
-                      <a:headEnd type="none" w="med" len="med"/>
-                      <a:tailEnd type="none" w="med" len="med"/>
-                    </a:lnR>
-                    <a:lnT w="12700" cap="flat" cmpd="sng" algn="ctr">
-                      <a:noFill/>
-                      <a:prstDash val="solid"/>
-                      <a:round/>
-                      <a:headEnd type="none" w="med" len="med"/>
-                      <a:tailEnd type="none" w="med" len="med"/>
-                    </a:lnT>
-                    <a:lnB w="12700" cap="flat" cmpd="sng" algn="ctr">
-                      <a:noFill/>
-                      <a:prstDash val="solid"/>
-                      <a:round/>
-                      <a:headEnd type="none" w="med" len="med"/>
-                      <a:tailEnd type="none" w="med" len="med"/>
-                    </a:lnB>
-                    <a:solidFill>
-                      <a:srgbClr val="FFFFFF">
-                        <a:alpha val="100000"/>
-                      </a:srgbClr>
-                    </a:solidFill>
-                  </a:tcPr>
-                </a:tc>
-              </a:tr>
-              <a:tr h="0">
-                <a:tc>
-                  <a:txBody>
-                    <a:bodyPr/>
-                    <a:lstStyle/>
-                    <a:p>
-                      <a:pPr marL="50800" marR="50800" indent="0" algn="r">
-                        <a:spcBef>
-                          <a:spcPts val="100"/>
-                        </a:spcBef>
-                        <a:spcAft>
-                          <a:spcPts val="100"/>
-                        </a:spcAft>
-                        <a:buNone/>
-                      </a:pPr>
-                      <a:r>
-                        <a:rPr sz="1300" i="true">
-                          <a:solidFill>
-                            <a:srgbClr val="000000">
-                              <a:alpha val="100000"/>
-                            </a:srgbClr>
-                          </a:solidFill>
-                          <a:latin typeface="Times New Roman"/>
-                          <a:ea typeface="Times New Roman"/>
-                          <a:cs typeface="Times New Roman"/>
-                        </a:rPr>
-                        <a:t/>
-                      </a:r>
-                      <a:r>
-                        <a:rPr sz="1300" i="true">
-                          <a:solidFill>
-                            <a:srgbClr val="000000">
-                              <a:alpha val="100000"/>
-                            </a:srgbClr>
-                          </a:solidFill>
-                          <a:latin typeface="Times New Roman"/>
-                          <a:ea typeface="Times New Roman"/>
-                          <a:cs typeface="Times New Roman"/>
-                        </a:rPr>
-                        <a:t/>
-                      </a:r>
-                    </a:p>
-                  </a:txBody>
-                  <a:tcPr marL="0" marR="0" marT="0" marB="0" anchor="ctr">
-                    <a:lnL w="12700" cap="flat" cmpd="sng" algn="ctr">
-                      <a:noFill/>
-                      <a:prstDash val="solid"/>
-                      <a:round/>
-                      <a:headEnd type="none" w="med" len="med"/>
-                      <a:tailEnd type="none" w="med" len="med"/>
-                    </a:lnL>
-                    <a:lnR w="12700" cap="flat" cmpd="sng" algn="ctr">
-                      <a:noFill/>
-                      <a:prstDash val="solid"/>
-                      <a:round/>
-                      <a:headEnd type="none" w="med" len="med"/>
-                      <a:tailEnd type="none" w="med" len="med"/>
-                    </a:lnR>
-                    <a:lnT w="12700" cap="flat" cmpd="sng" algn="ctr">
-                      <a:noFill/>
-                      <a:prstDash val="solid"/>
-                      <a:round/>
-                      <a:headEnd type="none" w="med" len="med"/>
-                      <a:tailEnd type="none" w="med" len="med"/>
-                    </a:lnT>
-                    <a:lnB w="25400">
-                      <a:solidFill>
-                        <a:srgbClr val="000000">
-                          <a:alpha val="100000"/>
-                        </a:srgbClr>
-                      </a:solidFill>
-                      <a:prstDash val="solid"/>
-                    </a:lnB>
-                    <a:solidFill>
-                      <a:srgbClr val="EEEEEE">
-                        <a:alpha val="100000"/>
-                      </a:srgbClr>
-                    </a:solidFill>
-                  </a:tcPr>
-                </a:tc>
-                <a:tc>
-                  <a:txBody>
-                    <a:bodyPr/>
-                    <a:lstStyle/>
-                    <a:p>
-                      <a:pPr marL="50800" marR="50800" indent="0" algn="r">
-                        <a:spcBef>
-                          <a:spcPts val="100"/>
-                        </a:spcBef>
-                        <a:spcAft>
-                          <a:spcPts val="100"/>
-                        </a:spcAft>
-                        <a:buNone/>
-                      </a:pPr>
-                      <a:r>
-                        <a:rPr sz="1300" i="true">
-                          <a:solidFill>
-                            <a:srgbClr val="000000">
-                              <a:alpha val="100000"/>
-                            </a:srgbClr>
-                          </a:solidFill>
-                          <a:latin typeface="Times New Roman"/>
-                          <a:ea typeface="Times New Roman"/>
-                          <a:cs typeface="Times New Roman"/>
-                        </a:rPr>
-                        <a:t/>
-                      </a:r>
-                      <a:r>
-                        <a:rPr sz="1300" i="true">
-                          <a:solidFill>
-                            <a:srgbClr val="000000">
-                              <a:alpha val="100000"/>
-                            </a:srgbClr>
-                          </a:solidFill>
-                          <a:latin typeface="Times New Roman"/>
-                          <a:ea typeface="Times New Roman"/>
-                          <a:cs typeface="Times New Roman"/>
-                        </a:rPr>
-                        <a:t>23.30</a:t>
-                      </a:r>
-                    </a:p>
-                  </a:txBody>
-                  <a:tcPr marL="0" marR="0" marT="0" marB="0" anchor="ctr">
-                    <a:lnL w="12700" cap="flat" cmpd="sng" algn="ctr">
-                      <a:noFill/>
-                      <a:prstDash val="solid"/>
-                      <a:round/>
-                      <a:headEnd type="none" w="med" len="med"/>
-                      <a:tailEnd type="none" w="med" len="med"/>
-                    </a:lnL>
-                    <a:lnR w="12700" cap="flat" cmpd="sng" algn="ctr">
-                      <a:noFill/>
-                      <a:prstDash val="solid"/>
-                      <a:round/>
-                      <a:headEnd type="none" w="med" len="med"/>
-                      <a:tailEnd type="none" w="med" len="med"/>
-                    </a:lnR>
-                    <a:lnT w="12700" cap="flat" cmpd="sng" algn="ctr">
-                      <a:noFill/>
-                      <a:prstDash val="solid"/>
-                      <a:round/>
-                      <a:headEnd type="none" w="med" len="med"/>
-                      <a:tailEnd type="none" w="med" len="med"/>
-                    </a:lnT>
-                    <a:lnB w="25400">
-                      <a:solidFill>
-                        <a:srgbClr val="000000">
-                          <a:alpha val="100000"/>
-                        </a:srgbClr>
-                      </a:solidFill>
-                      <a:prstDash val="solid"/>
-                    </a:lnB>
-                    <a:solidFill>
-                      <a:srgbClr val="EEEEEE">
-                        <a:alpha val="100000"/>
-                      </a:srgbClr>
-                    </a:solidFill>
-                  </a:tcPr>
-                </a:tc>
-                <a:tc>
-                  <a:txBody>
-                    <a:bodyPr/>
-                    <a:lstStyle/>
-                    <a:p>
-                      <a:pPr marL="50800" marR="50800" indent="0" algn="r">
-                        <a:spcBef>
-                          <a:spcPts val="100"/>
-                        </a:spcBef>
-                        <a:spcAft>
-                          <a:spcPts val="100"/>
-                        </a:spcAft>
-                        <a:buNone/>
-                      </a:pPr>
-                      <a:r>
-                        <a:rPr sz="1300" i="true">
-                          <a:solidFill>
-                            <a:srgbClr val="000000">
-                              <a:alpha val="100000"/>
-                            </a:srgbClr>
-                          </a:solidFill>
-                          <a:latin typeface="Times New Roman"/>
-                          <a:ea typeface="Times New Roman"/>
-                          <a:cs typeface="Times New Roman"/>
-                        </a:rPr>
-                        <a:t/>
-                      </a:r>
-                      <a:r>
-                        <a:rPr sz="1300" i="true">
-                          <a:solidFill>
-                            <a:srgbClr val="000000">
-                              <a:alpha val="100000"/>
-                            </a:srgbClr>
-                          </a:solidFill>
-                          <a:latin typeface="Times New Roman"/>
-                          <a:ea typeface="Times New Roman"/>
-                          <a:cs typeface="Times New Roman"/>
-                        </a:rPr>
-                        <a:t>21.50</a:t>
-                      </a:r>
-                    </a:p>
-                  </a:txBody>
-                  <a:tcPr marL="0" marR="0" marT="0" marB="0" anchor="ctr">
-                    <a:lnL w="12700" cap="flat" cmpd="sng" algn="ctr">
-                      <a:noFill/>
-                      <a:prstDash val="solid"/>
-                      <a:round/>
-                      <a:headEnd type="none" w="med" len="med"/>
-                      <a:tailEnd type="none" w="med" len="med"/>
-                    </a:lnL>
-                    <a:lnR w="12700" cap="flat" cmpd="sng" algn="ctr">
-                      <a:noFill/>
-                      <a:prstDash val="solid"/>
-                      <a:round/>
-                      <a:headEnd type="none" w="med" len="med"/>
-                      <a:tailEnd type="none" w="med" len="med"/>
-                    </a:lnR>
-                    <a:lnT w="12700" cap="flat" cmpd="sng" algn="ctr">
-                      <a:noFill/>
-                      <a:prstDash val="solid"/>
-                      <a:round/>
-                      <a:headEnd type="none" w="med" len="med"/>
-                      <a:tailEnd type="none" w="med" len="med"/>
-                    </a:lnT>
-                    <a:lnB w="25400">
-                      <a:solidFill>
-                        <a:srgbClr val="000000">
-                          <a:alpha val="100000"/>
-                        </a:srgbClr>
-                      </a:solidFill>
-                      <a:prstDash val="solid"/>
-                    </a:lnB>
-                    <a:solidFill>
-                      <a:srgbClr val="EEEEEE">
-                        <a:alpha val="100000"/>
-                      </a:srgbClr>
-                    </a:solidFill>
-                  </a:tcPr>
-                </a:tc>
-              </a:tr>
-            </a:tbl>
-          </a:graphicData>
-        </a:graphic>
-      </p:graphicFrame>
-      <p:graphicFrame>
-        <p:nvGraphicFramePr>
-          <p:cNvPr id="5" name="nvGraphicFrame 5"/>
-          <p:cNvGraphicFramePr>
-            <a:graphicFrameLocks noGrp="true"/>
-          </p:cNvGraphicFramePr>
-          <p:nvPr/>
-        </p:nvGraphicFramePr>
-        <p:xfrm rot="0">
-          <a:off x="7315200" y="5029200"/>
-          <a:ext cx="9144000" cy="3657600"/>
-        </p:xfrm>
-        <a:graphic>
-          <a:graphicData uri="http://schemas.openxmlformats.org/drawingml/2006/table">
-            <a:tbl>
-              <a:tblPr/>
-              <a:tblGrid>
-                <a:gridCol w="1219200"/>
-                <a:gridCol w="1219200"/>
-                <a:gridCol w="1219200"/>
-              </a:tblGrid>
-              <a:tr h="0">
-                <a:tc>
-                  <a:txBody>
-                    <a:bodyPr/>
-                    <a:lstStyle/>
-                    <a:p>
-                      <a:pPr marL="50800" marR="50800" indent="0" algn="r">
-                        <a:spcBef>
-                          <a:spcPts val="100"/>
-                        </a:spcBef>
-                        <a:spcAft>
-                          <a:spcPts val="100"/>
-                        </a:spcAft>
-                        <a:buNone/>
-                      </a:pPr>
-                      <a:r>
-                        <a:rPr sz="1100" b="true">
-                          <a:solidFill>
-                            <a:srgbClr val="000000">
-                              <a:alpha val="100000"/>
-                            </a:srgbClr>
-                          </a:solidFill>
-                          <a:latin typeface="Times New Roman"/>
-                          <a:ea typeface="Times New Roman"/>
-                          <a:cs typeface="Times New Roman"/>
-                        </a:rPr>
-                        <a:t>bb</a:t>
-                      </a:r>
-                    </a:p>
-                  </a:txBody>
-                  <a:tcPr marL="0" marR="0" marT="0" marB="0" anchor="ctr">
-                    <a:lnL w="12700" cap="flat" cmpd="sng" algn="ctr">
-                      <a:noFill/>
-                      <a:prstDash val="solid"/>
-                      <a:round/>
-                      <a:headEnd type="none" w="med" len="med"/>
-                      <a:tailEnd type="none" w="med" len="med"/>
-                    </a:lnL>
-                    <a:lnR w="12700" cap="flat" cmpd="sng" algn="ctr">
-                      <a:noFill/>
-                      <a:prstDash val="solid"/>
-                      <a:round/>
-                      <a:headEnd type="none" w="med" len="med"/>
-                      <a:tailEnd type="none" w="med" len="med"/>
-                    </a:lnR>
-                    <a:lnT w="25400">
-                      <a:solidFill>
-                        <a:srgbClr val="000000">
-                          <a:alpha val="100000"/>
-                        </a:srgbClr>
-                      </a:solidFill>
-                      <a:prstDash val="solid"/>
-                    </a:lnT>
-                    <a:lnB w="25400">
-                      <a:solidFill>
-                        <a:srgbClr val="000000">
-                          <a:alpha val="100000"/>
-                        </a:srgbClr>
-                      </a:solidFill>
-                      <a:prstDash val="solid"/>
-                    </a:lnB>
-                    <a:solidFill>
-                      <a:srgbClr val="FFFFFF">
-                        <a:alpha val="0"/>
-                      </a:srgbClr>
-                    </a:solidFill>
-                  </a:tcPr>
-                </a:tc>
-                <a:tc>
-                  <a:txBody>
-                    <a:bodyPr/>
-                    <a:lstStyle/>
-                    <a:p>
-                      <a:pPr marL="50800" marR="50800" indent="0" algn="r">
-                        <a:spcBef>
-                          <a:spcPts val="100"/>
-                        </a:spcBef>
-                        <a:spcAft>
-                          <a:spcPts val="100"/>
-                        </a:spcAft>
-                        <a:buNone/>
-                      </a:pPr>
-                      <a:r>
-                        <a:rPr sz="1100" b="true">
-                          <a:solidFill>
-                            <a:srgbClr val="000000">
-                              <a:alpha val="100000"/>
-                            </a:srgbClr>
-                          </a:solidFill>
-                          <a:latin typeface="Times New Roman"/>
-                          <a:ea typeface="Times New Roman"/>
-                          <a:cs typeface="Times New Roman"/>
-                        </a:rPr>
-                        <a:t>mean - mpg</a:t>
-                      </a:r>
-                    </a:p>
-                  </a:txBody>
-                  <a:tcPr marL="0" marR="0" marT="0" marB="0" anchor="ctr">
-                    <a:lnL w="12700" cap="flat" cmpd="sng" algn="ctr">
-                      <a:noFill/>
-                      <a:prstDash val="solid"/>
-                      <a:round/>
-                      <a:headEnd type="none" w="med" len="med"/>
-                      <a:tailEnd type="none" w="med" len="med"/>
-                    </a:lnL>
-                    <a:lnR w="12700" cap="flat" cmpd="sng" algn="ctr">
-                      <a:noFill/>
-                      <a:prstDash val="solid"/>
-                      <a:round/>
-                      <a:headEnd type="none" w="med" len="med"/>
-                      <a:tailEnd type="none" w="med" len="med"/>
-                    </a:lnR>
-                    <a:lnT w="25400">
-                      <a:solidFill>
-                        <a:srgbClr val="000000">
-                          <a:alpha val="100000"/>
-                        </a:srgbClr>
-                      </a:solidFill>
-                      <a:prstDash val="solid"/>
-                    </a:lnT>
-                    <a:lnB w="25400">
-                      <a:solidFill>
-                        <a:srgbClr val="000000">
-                          <a:alpha val="100000"/>
-                        </a:srgbClr>
-                      </a:solidFill>
-                      <a:prstDash val="solid"/>
-                    </a:lnB>
-                    <a:solidFill>
-                      <a:srgbClr val="FFFFFF">
-                        <a:alpha val="0"/>
-                      </a:srgbClr>
-                    </a:solidFill>
-                  </a:tcPr>
-                </a:tc>
-                <a:tc>
-                  <a:txBody>
-                    <a:bodyPr/>
-                    <a:lstStyle/>
-                    <a:p>
-                      <a:pPr marL="50800" marR="50800" indent="0" algn="r">
-                        <a:spcBef>
-                          <a:spcPts val="100"/>
-                        </a:spcBef>
-                        <a:spcAft>
-                          <a:spcPts val="100"/>
-                        </a:spcAft>
-                        <a:buNone/>
-                      </a:pPr>
-                      <a:r>
-                        <a:rPr sz="1100" b="true">
-                          <a:solidFill>
-                            <a:srgbClr val="000000">
-                              <a:alpha val="100000"/>
-                            </a:srgbClr>
-                          </a:solidFill>
-                          <a:latin typeface="Times New Roman"/>
-                          <a:ea typeface="Times New Roman"/>
-                          <a:cs typeface="Times New Roman"/>
-                        </a:rPr>
-                        <a:t>median - mpg</a:t>
-                      </a:r>
-                    </a:p>
-                  </a:txBody>
-                  <a:tcPr marL="0" marR="0" marT="0" marB="0" anchor="ctr">
-                    <a:lnL w="12700" cap="flat" cmpd="sng" algn="ctr">
-                      <a:noFill/>
-                      <a:prstDash val="solid"/>
-                      <a:round/>
-                      <a:headEnd type="none" w="med" len="med"/>
-                      <a:tailEnd type="none" w="med" len="med"/>
-                    </a:lnL>
-                    <a:lnR w="12700" cap="flat" cmpd="sng" algn="ctr">
-                      <a:noFill/>
-                      <a:prstDash val="solid"/>
-                      <a:round/>
-                      <a:headEnd type="none" w="med" len="med"/>
-                      <a:tailEnd type="none" w="med" len="med"/>
-                    </a:lnR>
-                    <a:lnT w="25400">
-                      <a:solidFill>
-                        <a:srgbClr val="000000">
-                          <a:alpha val="100000"/>
-                        </a:srgbClr>
-                      </a:solidFill>
-                      <a:prstDash val="solid"/>
-                    </a:lnT>
-                    <a:lnB w="25400">
-                      <a:solidFill>
-                        <a:srgbClr val="000000">
-                          <a:alpha val="100000"/>
-                        </a:srgbClr>
-                      </a:solidFill>
-                      <a:prstDash val="solid"/>
-                    </a:lnB>
-                    <a:solidFill>
-                      <a:srgbClr val="FFFFFF">
-                        <a:alpha val="0"/>
-                      </a:srgbClr>
-                    </a:solidFill>
-                  </a:tcPr>
-                </a:tc>
-              </a:tr>
-              <a:tr h="0">
-                <a:tc>
-                  <a:txBody>
-                    <a:bodyPr/>
-                    <a:lstStyle/>
-                    <a:p>
-                      <a:pPr marL="50800" marR="50800" indent="0" algn="r">
-                        <a:spcBef>
-                          <a:spcPts val="100"/>
-                        </a:spcBef>
-                        <a:spcAft>
-                          <a:spcPts val="100"/>
-                        </a:spcAft>
-                        <a:buNone/>
-                      </a:pPr>
-                      <a:r>
-                        <a:rPr sz="1400" i="true">
-                          <a:solidFill>
-                            <a:srgbClr val="000000">
-                              <a:alpha val="100000"/>
-                            </a:srgbClr>
-                          </a:solidFill>
-                          <a:latin typeface="Times New Roman"/>
-                          <a:ea typeface="Times New Roman"/>
-                          <a:cs typeface="Times New Roman"/>
-                        </a:rPr>
-                        <a:t/>
-                      </a:r>
-                      <a:r>
-                        <a:rPr sz="1400" i="true">
-                          <a:solidFill>
-                            <a:srgbClr val="000000">
-                              <a:alpha val="100000"/>
-                            </a:srgbClr>
-                          </a:solidFill>
-                          <a:latin typeface="Times New Roman"/>
-                          <a:ea typeface="Times New Roman"/>
-                          <a:cs typeface="Times New Roman"/>
-                        </a:rPr>
-                        <a:t>A</a:t>
-                      </a:r>
-                    </a:p>
-                  </a:txBody>
-                  <a:tcPr marL="0" marR="0" marT="0" marB="0" anchor="ctr">
-                    <a:lnL w="12700" cap="flat" cmpd="sng" algn="ctr">
-                      <a:noFill/>
-                      <a:prstDash val="solid"/>
-                      <a:round/>
-                      <a:headEnd type="none" w="med" len="med"/>
-                      <a:tailEnd type="none" w="med" len="med"/>
-                    </a:lnL>
-                    <a:lnR w="12700" cap="flat" cmpd="sng" algn="ctr">
-                      <a:noFill/>
-                      <a:prstDash val="solid"/>
-                      <a:round/>
-                      <a:headEnd type="none" w="med" len="med"/>
-                      <a:tailEnd type="none" w="med" len="med"/>
-                    </a:lnR>
-                    <a:lnT w="25400">
-                      <a:solidFill>
-                        <a:srgbClr val="000000">
-                          <a:alpha val="100000"/>
-                        </a:srgbClr>
-                      </a:solidFill>
-                      <a:prstDash val="solid"/>
-                    </a:lnT>
-                    <a:lnB w="12700" cap="flat" cmpd="sng" algn="ctr">
-                      <a:noFill/>
-                      <a:prstDash val="solid"/>
-                      <a:round/>
-                      <a:headEnd type="none" w="med" len="med"/>
-                      <a:tailEnd type="none" w="med" len="med"/>
-                    </a:lnB>
-                    <a:solidFill>
-                      <a:srgbClr val="EEEEEE">
-                        <a:alpha val="100000"/>
-                      </a:srgbClr>
-                    </a:solidFill>
-                  </a:tcPr>
-                </a:tc>
-                <a:tc>
-                  <a:txBody>
-                    <a:bodyPr/>
-                    <a:lstStyle/>
-                    <a:p>
-                      <a:pPr marL="50800" marR="50800" indent="0" algn="r">
-                        <a:spcBef>
-                          <a:spcPts val="100"/>
-                        </a:spcBef>
-                        <a:spcAft>
-                          <a:spcPts val="100"/>
-                        </a:spcAft>
-                        <a:buNone/>
-                      </a:pPr>
-                      <a:r>
-                        <a:rPr sz="1400" i="true">
-                          <a:solidFill>
-                            <a:srgbClr val="000000">
-                              <a:alpha val="100000"/>
-                            </a:srgbClr>
-                          </a:solidFill>
-                          <a:latin typeface="Times New Roman"/>
-                          <a:ea typeface="Times New Roman"/>
-                          <a:cs typeface="Times New Roman"/>
-                        </a:rPr>
-                        <a:t/>
-                      </a:r>
-                      <a:r>
-                        <a:rPr sz="1400" i="true">
-                          <a:solidFill>
-                            <a:srgbClr val="000000">
-                              <a:alpha val="100000"/>
-                            </a:srgbClr>
-                          </a:solidFill>
-                          <a:latin typeface="Times New Roman"/>
-                          <a:ea typeface="Times New Roman"/>
-                          <a:cs typeface="Times New Roman"/>
-                        </a:rPr>
-                        <a:t>20.72</a:t>
-                      </a:r>
-                    </a:p>
-                  </a:txBody>
-                  <a:tcPr marL="0" marR="0" marT="0" marB="0" anchor="ctr">
-                    <a:lnL w="12700" cap="flat" cmpd="sng" algn="ctr">
-                      <a:noFill/>
-                      <a:prstDash val="solid"/>
-                      <a:round/>
-                      <a:headEnd type="none" w="med" len="med"/>
-                      <a:tailEnd type="none" w="med" len="med"/>
-                    </a:lnL>
-                    <a:lnR w="12700" cap="flat" cmpd="sng" algn="ctr">
-                      <a:noFill/>
-                      <a:prstDash val="solid"/>
-                      <a:round/>
-                      <a:headEnd type="none" w="med" len="med"/>
-                      <a:tailEnd type="none" w="med" len="med"/>
-                    </a:lnR>
-                    <a:lnT w="25400">
-                      <a:solidFill>
-                        <a:srgbClr val="000000">
-                          <a:alpha val="100000"/>
-                        </a:srgbClr>
-                      </a:solidFill>
-                      <a:prstDash val="solid"/>
-                    </a:lnT>
-                    <a:lnB w="12700" cap="flat" cmpd="sng" algn="ctr">
-                      <a:noFill/>
-                      <a:prstDash val="solid"/>
-                      <a:round/>
-                      <a:headEnd type="none" w="med" len="med"/>
-                      <a:tailEnd type="none" w="med" len="med"/>
-                    </a:lnB>
-                    <a:solidFill>
-                      <a:srgbClr val="EEEEEE">
-                        <a:alpha val="100000"/>
-                      </a:srgbClr>
-                    </a:solidFill>
-                  </a:tcPr>
-                </a:tc>
-                <a:tc>
-                  <a:txBody>
-                    <a:bodyPr/>
-                    <a:lstStyle/>
-                    <a:p>
-                      <a:pPr marL="50800" marR="50800" indent="0" algn="r">
-                        <a:spcBef>
-                          <a:spcPts val="100"/>
-                        </a:spcBef>
-                        <a:spcAft>
-                          <a:spcPts val="100"/>
-                        </a:spcAft>
-                        <a:buNone/>
-                      </a:pPr>
-                      <a:r>
-                        <a:rPr sz="1400" i="true">
-                          <a:solidFill>
-                            <a:srgbClr val="000000">
-                              <a:alpha val="100000"/>
-                            </a:srgbClr>
-                          </a:solidFill>
-                          <a:latin typeface="Times New Roman"/>
-                          <a:ea typeface="Times New Roman"/>
-                          <a:cs typeface="Times New Roman"/>
-                        </a:rPr>
-                        <a:t/>
-                      </a:r>
-                      <a:r>
-                        <a:rPr sz="1400" i="true">
-                          <a:solidFill>
-                            <a:srgbClr val="000000">
-                              <a:alpha val="100000"/>
-                            </a:srgbClr>
-                          </a:solidFill>
-                          <a:latin typeface="Times New Roman"/>
-                          <a:ea typeface="Times New Roman"/>
-                          <a:cs typeface="Times New Roman"/>
-                        </a:rPr>
-                        <a:t>19.7</a:t>
-                      </a:r>
-                    </a:p>
-                  </a:txBody>
-                  <a:tcPr marL="0" marR="0" marT="0" marB="0" anchor="ctr">
-                    <a:lnL w="12700" cap="flat" cmpd="sng" algn="ctr">
-                      <a:noFill/>
-                      <a:prstDash val="solid"/>
-                      <a:round/>
-                      <a:headEnd type="none" w="med" len="med"/>
-                      <a:tailEnd type="none" w="med" len="med"/>
-                    </a:lnL>
-                    <a:lnR w="12700" cap="flat" cmpd="sng" algn="ctr">
-                      <a:noFill/>
-                      <a:prstDash val="solid"/>
-                      <a:round/>
-                      <a:headEnd type="none" w="med" len="med"/>
-                      <a:tailEnd type="none" w="med" len="med"/>
-                    </a:lnR>
-                    <a:lnT w="25400">
-                      <a:solidFill>
-                        <a:srgbClr val="000000">
-                          <a:alpha val="100000"/>
-                        </a:srgbClr>
-                      </a:solidFill>
-                      <a:prstDash val="solid"/>
-                    </a:lnT>
-                    <a:lnB w="12700" cap="flat" cmpd="sng" algn="ctr">
-                      <a:noFill/>
-                      <a:prstDash val="solid"/>
-                      <a:round/>
-                      <a:headEnd type="none" w="med" len="med"/>
-                      <a:tailEnd type="none" w="med" len="med"/>
-                    </a:lnB>
-                    <a:solidFill>
-                      <a:srgbClr val="EEEEEE">
-                        <a:alpha val="100000"/>
-                      </a:srgbClr>
-                    </a:solidFill>
-                  </a:tcPr>
-                </a:tc>
-              </a:tr>
-              <a:tr h="0">
-                <a:tc>
-                  <a:txBody>
-                    <a:bodyPr/>
-                    <a:lstStyle/>
-                    <a:p>
-                      <a:pPr marL="50800" marR="50800" indent="0" algn="r">
-                        <a:spcBef>
-                          <a:spcPts val="100"/>
-                        </a:spcBef>
-                        <a:spcAft>
-                          <a:spcPts val="100"/>
-                        </a:spcAft>
-                        <a:buNone/>
-                      </a:pPr>
-                      <a:r>
-                        <a:rPr sz="1400" i="true">
-                          <a:solidFill>
-                            <a:srgbClr val="000000">
-                              <a:alpha val="100000"/>
-                            </a:srgbClr>
-                          </a:solidFill>
-                          <a:latin typeface="Times New Roman"/>
-                          <a:ea typeface="Times New Roman"/>
-                          <a:cs typeface="Times New Roman"/>
-                        </a:rPr>
-                        <a:t/>
-                      </a:r>
-                      <a:r>
-                        <a:rPr sz="1400" i="true">
-                          <a:solidFill>
-                            <a:srgbClr val="000000">
-                              <a:alpha val="100000"/>
-                            </a:srgbClr>
-                          </a:solidFill>
-                          <a:latin typeface="Times New Roman"/>
-                          <a:ea typeface="Times New Roman"/>
-                          <a:cs typeface="Times New Roman"/>
-                        </a:rPr>
-                        <a:t>B</a:t>
-                      </a:r>
-                    </a:p>
-                  </a:txBody>
-                  <a:tcPr marL="0" marR="0" marT="0" marB="0" anchor="ctr">
-                    <a:lnL w="12700" cap="flat" cmpd="sng" algn="ctr">
-                      <a:noFill/>
-                      <a:prstDash val="solid"/>
-                      <a:round/>
-                      <a:headEnd type="none" w="med" len="med"/>
-                      <a:tailEnd type="none" w="med" len="med"/>
-                    </a:lnL>
-                    <a:lnR w="12700" cap="flat" cmpd="sng" algn="ctr">
-                      <a:noFill/>
-                      <a:prstDash val="solid"/>
-                      <a:round/>
-                      <a:headEnd type="none" w="med" len="med"/>
-                      <a:tailEnd type="none" w="med" len="med"/>
-                    </a:lnR>
-                    <a:lnT w="12700" cap="flat" cmpd="sng" algn="ctr">
-                      <a:noFill/>
-                      <a:prstDash val="solid"/>
-                      <a:round/>
-                      <a:headEnd type="none" w="med" len="med"/>
-                      <a:tailEnd type="none" w="med" len="med"/>
-                    </a:lnT>
-                    <a:lnB w="12700" cap="flat" cmpd="sng" algn="ctr">
-                      <a:noFill/>
-                      <a:prstDash val="solid"/>
-                      <a:round/>
-                      <a:headEnd type="none" w="med" len="med"/>
-                      <a:tailEnd type="none" w="med" len="med"/>
-                    </a:lnB>
-                    <a:solidFill>
-                      <a:srgbClr val="FFFFFF">
-                        <a:alpha val="100000"/>
-                      </a:srgbClr>
-                    </a:solidFill>
-                  </a:tcPr>
-                </a:tc>
-                <a:tc>
-                  <a:txBody>
-                    <a:bodyPr/>
-                    <a:lstStyle/>
-                    <a:p>
-                      <a:pPr marL="50800" marR="50800" indent="0" algn="r">
-                        <a:spcBef>
-                          <a:spcPts val="100"/>
-                        </a:spcBef>
-                        <a:spcAft>
-                          <a:spcPts val="100"/>
-                        </a:spcAft>
-                        <a:buNone/>
-                      </a:pPr>
-                      <a:r>
-                        <a:rPr sz="1400" i="true">
-                          <a:solidFill>
-                            <a:srgbClr val="000000">
-                              <a:alpha val="100000"/>
-                            </a:srgbClr>
-                          </a:solidFill>
-                          <a:latin typeface="Times New Roman"/>
-                          <a:ea typeface="Times New Roman"/>
-                          <a:cs typeface="Times New Roman"/>
-                        </a:rPr>
-                        <a:t/>
-                      </a:r>
-                      <a:r>
-                        <a:rPr sz="1400" i="true">
-                          <a:solidFill>
-                            <a:srgbClr val="000000">
-                              <a:alpha val="100000"/>
-                            </a:srgbClr>
-                          </a:solidFill>
-                          <a:latin typeface="Times New Roman"/>
-                          <a:ea typeface="Times New Roman"/>
-                          <a:cs typeface="Times New Roman"/>
-                        </a:rPr>
-                        <a:t>18.20</a:t>
-                      </a:r>
-                    </a:p>
-                  </a:txBody>
-                  <a:tcPr marL="0" marR="0" marT="0" marB="0" anchor="ctr">
-                    <a:lnL w="12700" cap="flat" cmpd="sng" algn="ctr">
-                      <a:noFill/>
-                      <a:prstDash val="solid"/>
-                      <a:round/>
-                      <a:headEnd type="none" w="med" len="med"/>
-                      <a:tailEnd type="none" w="med" len="med"/>
-                    </a:lnL>
-                    <a:lnR w="12700" cap="flat" cmpd="sng" algn="ctr">
-                      <a:noFill/>
-                      <a:prstDash val="solid"/>
-                      <a:round/>
-                      <a:headEnd type="none" w="med" len="med"/>
-                      <a:tailEnd type="none" w="med" len="med"/>
-                    </a:lnR>
-                    <a:lnT w="12700" cap="flat" cmpd="sng" algn="ctr">
-                      <a:noFill/>
-                      <a:prstDash val="solid"/>
-                      <a:round/>
-                      <a:headEnd type="none" w="med" len="med"/>
-                      <a:tailEnd type="none" w="med" len="med"/>
-                    </a:lnT>
-                    <a:lnB w="12700" cap="flat" cmpd="sng" algn="ctr">
-                      <a:noFill/>
-                      <a:prstDash val="solid"/>
-                      <a:round/>
-                      <a:headEnd type="none" w="med" len="med"/>
-                      <a:tailEnd type="none" w="med" len="med"/>
-                    </a:lnB>
-                    <a:solidFill>
-                      <a:srgbClr val="FFFFFF">
-                        <a:alpha val="100000"/>
-                      </a:srgbClr>
-                    </a:solidFill>
-                  </a:tcPr>
-                </a:tc>
-                <a:tc>
-                  <a:txBody>
-                    <a:bodyPr/>
-                    <a:lstStyle/>
-                    <a:p>
-                      <a:pPr marL="50800" marR="50800" indent="0" algn="r">
-                        <a:spcBef>
-                          <a:spcPts val="100"/>
-                        </a:spcBef>
-                        <a:spcAft>
-                          <a:spcPts val="100"/>
-                        </a:spcAft>
-                        <a:buNone/>
-                      </a:pPr>
-                      <a:r>
-                        <a:rPr sz="1400" i="true">
-                          <a:solidFill>
-                            <a:srgbClr val="000000">
-                              <a:alpha val="100000"/>
-                            </a:srgbClr>
-                          </a:solidFill>
-                          <a:latin typeface="Times New Roman"/>
-                          <a:ea typeface="Times New Roman"/>
-                          <a:cs typeface="Times New Roman"/>
-                        </a:rPr>
-                        <a:t/>
-                      </a:r>
-                      <a:r>
-                        <a:rPr sz="1400" i="true">
-                          <a:solidFill>
-                            <a:srgbClr val="000000">
-                              <a:alpha val="100000"/>
-                            </a:srgbClr>
-                          </a:solidFill>
-                          <a:latin typeface="Times New Roman"/>
-                          <a:ea typeface="Times New Roman"/>
-                          <a:cs typeface="Times New Roman"/>
-                        </a:rPr>
-                        <a:t>18.2</a:t>
-                      </a:r>
-                    </a:p>
-                  </a:txBody>
-                  <a:tcPr marL="0" marR="0" marT="0" marB="0" anchor="ctr">
-                    <a:lnL w="12700" cap="flat" cmpd="sng" algn="ctr">
-                      <a:noFill/>
-                      <a:prstDash val="solid"/>
-                      <a:round/>
-                      <a:headEnd type="none" w="med" len="med"/>
-                      <a:tailEnd type="none" w="med" len="med"/>
-                    </a:lnL>
-                    <a:lnR w="12700" cap="flat" cmpd="sng" algn="ctr">
-                      <a:noFill/>
-                      <a:prstDash val="solid"/>
-                      <a:round/>
-                      <a:headEnd type="none" w="med" len="med"/>
-                      <a:tailEnd type="none" w="med" len="med"/>
-                    </a:lnR>
-                    <a:lnT w="12700" cap="flat" cmpd="sng" algn="ctr">
-                      <a:noFill/>
-                      <a:prstDash val="solid"/>
-                      <a:round/>
-                      <a:headEnd type="none" w="med" len="med"/>
-                      <a:tailEnd type="none" w="med" len="med"/>
-                    </a:lnT>
-                    <a:lnB w="12700" cap="flat" cmpd="sng" algn="ctr">
-                      <a:noFill/>
-                      <a:prstDash val="solid"/>
-                      <a:round/>
-                      <a:headEnd type="none" w="med" len="med"/>
-                      <a:tailEnd type="none" w="med" len="med"/>
-                    </a:lnB>
-                    <a:solidFill>
-                      <a:srgbClr val="FFFFFF">
-                        <a:alpha val="100000"/>
-                      </a:srgbClr>
-                    </a:solidFill>
-                  </a:tcPr>
-                </a:tc>
-              </a:tr>
-              <a:tr h="0">
-                <a:tc>
-                  <a:txBody>
-                    <a:bodyPr/>
-                    <a:lstStyle/>
-                    <a:p>
-                      <a:pPr marL="50800" marR="50800" indent="0" algn="r">
-                        <a:spcBef>
-                          <a:spcPts val="100"/>
-                        </a:spcBef>
-                        <a:spcAft>
-                          <a:spcPts val="100"/>
-                        </a:spcAft>
-                        <a:buNone/>
-                      </a:pPr>
-                      <a:r>
-                        <a:rPr sz="1400" i="true">
-                          <a:solidFill>
-                            <a:srgbClr val="000000">
-                              <a:alpha val="100000"/>
-                            </a:srgbClr>
-                          </a:solidFill>
-                          <a:latin typeface="Times New Roman"/>
-                          <a:ea typeface="Times New Roman"/>
-                          <a:cs typeface="Times New Roman"/>
-                        </a:rPr>
-                        <a:t/>
-                      </a:r>
-                      <a:r>
-                        <a:rPr sz="1400" i="true">
-                          <a:solidFill>
-                            <a:srgbClr val="000000">
-                              <a:alpha val="100000"/>
-                            </a:srgbClr>
-                          </a:solidFill>
-                          <a:latin typeface="Times New Roman"/>
-                          <a:ea typeface="Times New Roman"/>
-                          <a:cs typeface="Times New Roman"/>
-                        </a:rPr>
-                        <a:t>C</a:t>
-                      </a:r>
-                    </a:p>
-                  </a:txBody>
-                  <a:tcPr marL="0" marR="0" marT="0" marB="0" anchor="ctr">
-                    <a:lnL w="12700" cap="flat" cmpd="sng" algn="ctr">
-                      <a:noFill/>
-                      <a:prstDash val="solid"/>
-                      <a:round/>
-                      <a:headEnd type="none" w="med" len="med"/>
-                      <a:tailEnd type="none" w="med" len="med"/>
-                    </a:lnL>
-                    <a:lnR w="12700" cap="flat" cmpd="sng" algn="ctr">
-                      <a:noFill/>
-                      <a:prstDash val="solid"/>
-                      <a:round/>
-                      <a:headEnd type="none" w="med" len="med"/>
-                      <a:tailEnd type="none" w="med" len="med"/>
-                    </a:lnR>
-                    <a:lnT w="12700" cap="flat" cmpd="sng" algn="ctr">
-                      <a:noFill/>
-                      <a:prstDash val="solid"/>
-                      <a:round/>
-                      <a:headEnd type="none" w="med" len="med"/>
-                      <a:tailEnd type="none" w="med" len="med"/>
-                    </a:lnT>
-                    <a:lnB w="12700" cap="flat" cmpd="sng" algn="ctr">
-                      <a:noFill/>
-                      <a:prstDash val="solid"/>
-                      <a:round/>
-                      <a:headEnd type="none" w="med" len="med"/>
-                      <a:tailEnd type="none" w="med" len="med"/>
-                    </a:lnB>
-                    <a:solidFill>
-                      <a:srgbClr val="EEEEEE">
-                        <a:alpha val="100000"/>
-                      </a:srgbClr>
-                    </a:solidFill>
-                  </a:tcPr>
-                </a:tc>
-                <a:tc>
-                  <a:txBody>
-                    <a:bodyPr/>
-                    <a:lstStyle/>
-                    <a:p>
-                      <a:pPr marL="50800" marR="50800" indent="0" algn="r">
-                        <a:spcBef>
-                          <a:spcPts val="100"/>
-                        </a:spcBef>
-                        <a:spcAft>
-                          <a:spcPts val="100"/>
-                        </a:spcAft>
-                        <a:buNone/>
-                      </a:pPr>
-                      <a:r>
-                        <a:rPr sz="1400" i="true">
-                          <a:solidFill>
-                            <a:srgbClr val="000000">
-                              <a:alpha val="100000"/>
-                            </a:srgbClr>
-                          </a:solidFill>
-                          <a:latin typeface="Times New Roman"/>
-                          <a:ea typeface="Times New Roman"/>
-                          <a:cs typeface="Times New Roman"/>
-                        </a:rPr>
-                        <a:t/>
-                      </a:r>
-                      <a:r>
-                        <a:rPr sz="1400" i="true">
-                          <a:solidFill>
-                            <a:srgbClr val="000000">
-                              <a:alpha val="100000"/>
-                            </a:srgbClr>
-                          </a:solidFill>
-                          <a:latin typeface="Times New Roman"/>
-                          <a:ea typeface="Times New Roman"/>
-                          <a:cs typeface="Times New Roman"/>
-                        </a:rPr>
-                        <a:t>19.14</a:t>
-                      </a:r>
-                    </a:p>
-                  </a:txBody>
-                  <a:tcPr marL="0" marR="0" marT="0" marB="0" anchor="ctr">
-                    <a:lnL w="12700" cap="flat" cmpd="sng" algn="ctr">
-                      <a:noFill/>
-                      <a:prstDash val="solid"/>
-                      <a:round/>
-                      <a:headEnd type="none" w="med" len="med"/>
-                      <a:tailEnd type="none" w="med" len="med"/>
-                    </a:lnL>
-                    <a:lnR w="12700" cap="flat" cmpd="sng" algn="ctr">
-                      <a:noFill/>
-                      <a:prstDash val="solid"/>
-                      <a:round/>
-                      <a:headEnd type="none" w="med" len="med"/>
-                      <a:tailEnd type="none" w="med" len="med"/>
-                    </a:lnR>
-                    <a:lnT w="12700" cap="flat" cmpd="sng" algn="ctr">
-                      <a:noFill/>
-                      <a:prstDash val="solid"/>
-                      <a:round/>
-                      <a:headEnd type="none" w="med" len="med"/>
-                      <a:tailEnd type="none" w="med" len="med"/>
-                    </a:lnT>
-                    <a:lnB w="12700" cap="flat" cmpd="sng" algn="ctr">
-                      <a:noFill/>
-                      <a:prstDash val="solid"/>
-                      <a:round/>
-                      <a:headEnd type="none" w="med" len="med"/>
-                      <a:tailEnd type="none" w="med" len="med"/>
-                    </a:lnB>
-                    <a:solidFill>
-                      <a:srgbClr val="EEEEEE">
-                        <a:alpha val="100000"/>
-                      </a:srgbClr>
-                    </a:solidFill>
-                  </a:tcPr>
-                </a:tc>
-                <a:tc>
-                  <a:txBody>
-                    <a:bodyPr/>
-                    <a:lstStyle/>
-                    <a:p>
-                      <a:pPr marL="50800" marR="50800" indent="0" algn="r">
-                        <a:spcBef>
-                          <a:spcPts val="100"/>
-                        </a:spcBef>
-                        <a:spcAft>
-                          <a:spcPts val="100"/>
-                        </a:spcAft>
-                        <a:buNone/>
-                      </a:pPr>
-                      <a:r>
-                        <a:rPr sz="1400" i="true">
-                          <a:solidFill>
-                            <a:srgbClr val="000000">
-                              <a:alpha val="100000"/>
-                            </a:srgbClr>
-                          </a:solidFill>
-                          <a:latin typeface="Times New Roman"/>
-                          <a:ea typeface="Times New Roman"/>
-                          <a:cs typeface="Times New Roman"/>
-                        </a:rPr>
-                        <a:t/>
-                      </a:r>
-                      <a:r>
-                        <a:rPr sz="1400" i="true">
-                          <a:solidFill>
-                            <a:srgbClr val="000000">
-                              <a:alpha val="100000"/>
-                            </a:srgbClr>
-                          </a:solidFill>
-                          <a:latin typeface="Times New Roman"/>
-                          <a:ea typeface="Times New Roman"/>
-                          <a:cs typeface="Times New Roman"/>
-                        </a:rPr>
-                        <a:t>15.2</a:t>
-                      </a:r>
-                    </a:p>
-                  </a:txBody>
-                  <a:tcPr marL="0" marR="0" marT="0" marB="0" anchor="ctr">
-                    <a:lnL w="12700" cap="flat" cmpd="sng" algn="ctr">
-                      <a:noFill/>
-                      <a:prstDash val="solid"/>
-                      <a:round/>
-                      <a:headEnd type="none" w="med" len="med"/>
-                      <a:tailEnd type="none" w="med" len="med"/>
-                    </a:lnL>
-                    <a:lnR w="12700" cap="flat" cmpd="sng" algn="ctr">
-                      <a:noFill/>
-                      <a:prstDash val="solid"/>
-                      <a:round/>
-                      <a:headEnd type="none" w="med" len="med"/>
-                      <a:tailEnd type="none" w="med" len="med"/>
-                    </a:lnR>
-                    <a:lnT w="12700" cap="flat" cmpd="sng" algn="ctr">
-                      <a:noFill/>
-                      <a:prstDash val="solid"/>
-                      <a:round/>
-                      <a:headEnd type="none" w="med" len="med"/>
-                      <a:tailEnd type="none" w="med" len="med"/>
-                    </a:lnT>
-                    <a:lnB w="12700" cap="flat" cmpd="sng" algn="ctr">
-                      <a:noFill/>
-                      <a:prstDash val="solid"/>
-                      <a:round/>
-                      <a:headEnd type="none" w="med" len="med"/>
-                      <a:tailEnd type="none" w="med" len="med"/>
-                    </a:lnB>
-                    <a:solidFill>
-                      <a:srgbClr val="EEEEEE">
-                        <a:alpha val="100000"/>
-                      </a:srgbClr>
-                    </a:solidFill>
-                  </a:tcPr>
-                </a:tc>
-              </a:tr>
-              <a:tr h="0">
-                <a:tc>
-                  <a:txBody>
-                    <a:bodyPr/>
-                    <a:lstStyle/>
-                    <a:p>
-                      <a:pPr marL="50800" marR="50800" indent="0" algn="r">
-                        <a:spcBef>
-                          <a:spcPts val="100"/>
-                        </a:spcBef>
-                        <a:spcAft>
-                          <a:spcPts val="100"/>
-                        </a:spcAft>
-                        <a:buNone/>
-                      </a:pPr>
-                      <a:r>
-                        <a:rPr sz="1400" i="true">
-                          <a:solidFill>
-                            <a:srgbClr val="000000">
-                              <a:alpha val="100000"/>
-                            </a:srgbClr>
-                          </a:solidFill>
-                          <a:latin typeface="Times New Roman"/>
-                          <a:ea typeface="Times New Roman"/>
-                          <a:cs typeface="Times New Roman"/>
-                        </a:rPr>
-                        <a:t/>
-                      </a:r>
-                      <a:r>
-                        <a:rPr sz="1400" i="true">
-                          <a:solidFill>
-                            <a:srgbClr val="000000">
-                              <a:alpha val="100000"/>
-                            </a:srgbClr>
-                          </a:solidFill>
-                          <a:latin typeface="Times New Roman"/>
-                          <a:ea typeface="Times New Roman"/>
-                          <a:cs typeface="Times New Roman"/>
-                        </a:rPr>
-                        <a:t/>
-                      </a:r>
-                    </a:p>
-                  </a:txBody>
-                  <a:tcPr marL="0" marR="0" marT="0" marB="0" anchor="ctr">
-                    <a:lnL w="12700" cap="flat" cmpd="sng" algn="ctr">
-                      <a:noFill/>
-                      <a:prstDash val="solid"/>
-                      <a:round/>
-                      <a:headEnd type="none" w="med" len="med"/>
-                      <a:tailEnd type="none" w="med" len="med"/>
-                    </a:lnL>
-                    <a:lnR w="12700" cap="flat" cmpd="sng" algn="ctr">
-                      <a:noFill/>
-                      <a:prstDash val="solid"/>
-                      <a:round/>
-                      <a:headEnd type="none" w="med" len="med"/>
-                      <a:tailEnd type="none" w="med" len="med"/>
-                    </a:lnR>
-                    <a:lnT w="12700" cap="flat" cmpd="sng" algn="ctr">
-                      <a:noFill/>
-                      <a:prstDash val="solid"/>
-                      <a:round/>
-                      <a:headEnd type="none" w="med" len="med"/>
-                      <a:tailEnd type="none" w="med" len="med"/>
-                    </a:lnT>
-                    <a:lnB w="25400">
-                      <a:solidFill>
-                        <a:srgbClr val="000000">
-                          <a:alpha val="100000"/>
-                        </a:srgbClr>
-                      </a:solidFill>
-                      <a:prstDash val="solid"/>
-                    </a:lnB>
-                    <a:solidFill>
-                      <a:srgbClr val="FFFFFF">
-                        <a:alpha val="100000"/>
-                      </a:srgbClr>
-                    </a:solidFill>
-                  </a:tcPr>
-                </a:tc>
-                <a:tc>
-                  <a:txBody>
-                    <a:bodyPr/>
-                    <a:lstStyle/>
-                    <a:p>
-                      <a:pPr marL="50800" marR="50800" indent="0" algn="r">
-                        <a:spcBef>
-                          <a:spcPts val="100"/>
-                        </a:spcBef>
-                        <a:spcAft>
-                          <a:spcPts val="100"/>
-                        </a:spcAft>
-                        <a:buNone/>
-                      </a:pPr>
-                      <a:r>
-                        <a:rPr sz="1400" i="true">
-                          <a:solidFill>
-                            <a:srgbClr val="000000">
-                              <a:alpha val="100000"/>
-                            </a:srgbClr>
-                          </a:solidFill>
-                          <a:latin typeface="Times New Roman"/>
-                          <a:ea typeface="Times New Roman"/>
-                          <a:cs typeface="Times New Roman"/>
-                        </a:rPr>
-                        <a:t/>
-                      </a:r>
-                      <a:r>
-                        <a:rPr sz="1400" i="true">
-                          <a:solidFill>
-                            <a:srgbClr val="000000">
-                              <a:alpha val="100000"/>
-                            </a:srgbClr>
-                          </a:solidFill>
-                          <a:latin typeface="Times New Roman"/>
-                          <a:ea typeface="Times New Roman"/>
-                          <a:cs typeface="Times New Roman"/>
-                        </a:rPr>
-                        <a:t>21.50</a:t>
-                      </a:r>
-                    </a:p>
-                  </a:txBody>
-                  <a:tcPr marL="0" marR="0" marT="0" marB="0" anchor="ctr">
-                    <a:lnL w="12700" cap="flat" cmpd="sng" algn="ctr">
-                      <a:noFill/>
-                      <a:prstDash val="solid"/>
-                      <a:round/>
-                      <a:headEnd type="none" w="med" len="med"/>
-                      <a:tailEnd type="none" w="med" len="med"/>
-                    </a:lnL>
-                    <a:lnR w="12700" cap="flat" cmpd="sng" algn="ctr">
-                      <a:noFill/>
-                      <a:prstDash val="solid"/>
-                      <a:round/>
-                      <a:headEnd type="none" w="med" len="med"/>
-                      <a:tailEnd type="none" w="med" len="med"/>
-                    </a:lnR>
-                    <a:lnT w="12700" cap="flat" cmpd="sng" algn="ctr">
-                      <a:noFill/>
-                      <a:prstDash val="solid"/>
-                      <a:round/>
-                      <a:headEnd type="none" w="med" len="med"/>
-                      <a:tailEnd type="none" w="med" len="med"/>
-                    </a:lnT>
-                    <a:lnB w="25400">
-                      <a:solidFill>
-                        <a:srgbClr val="000000">
-                          <a:alpha val="100000"/>
-                        </a:srgbClr>
-                      </a:solidFill>
-                      <a:prstDash val="solid"/>
-                    </a:lnB>
-                    <a:solidFill>
-                      <a:srgbClr val="FFFFFF">
-                        <a:alpha val="100000"/>
-                      </a:srgbClr>
-                    </a:solidFill>
-                  </a:tcPr>
-                </a:tc>
-                <a:tc>
-                  <a:txBody>
-                    <a:bodyPr/>
-                    <a:lstStyle/>
-                    <a:p>
-                      <a:pPr marL="50800" marR="50800" indent="0" algn="r">
-                        <a:spcBef>
-                          <a:spcPts val="100"/>
-                        </a:spcBef>
-                        <a:spcAft>
-                          <a:spcPts val="100"/>
-                        </a:spcAft>
-                        <a:buNone/>
-                      </a:pPr>
-                      <a:r>
-                        <a:rPr sz="1400" i="true">
-                          <a:solidFill>
-                            <a:srgbClr val="000000">
-                              <a:alpha val="100000"/>
-                            </a:srgbClr>
-                          </a:solidFill>
-                          <a:latin typeface="Times New Roman"/>
-                          <a:ea typeface="Times New Roman"/>
-                          <a:cs typeface="Times New Roman"/>
-                        </a:rPr>
-                        <a:t/>
-                      </a:r>
-                      <a:r>
-                        <a:rPr sz="1400" i="true">
-                          <a:solidFill>
-                            <a:srgbClr val="000000">
-                              <a:alpha val="100000"/>
-                            </a:srgbClr>
-                          </a:solidFill>
-                          <a:latin typeface="Times New Roman"/>
-                          <a:ea typeface="Times New Roman"/>
-                          <a:cs typeface="Times New Roman"/>
-                        </a:rPr>
-                        <a:t>21.5</a:t>
-                      </a:r>
-                    </a:p>
-                  </a:txBody>
-                  <a:tcPr marL="0" marR="0" marT="0" marB="0" anchor="ctr">
-                    <a:lnL w="12700" cap="flat" cmpd="sng" algn="ctr">
-                      <a:noFill/>
-                      <a:prstDash val="solid"/>
-                      <a:round/>
-                      <a:headEnd type="none" w="med" len="med"/>
-                      <a:tailEnd type="none" w="med" len="med"/>
-                    </a:lnL>
-                    <a:lnR w="12700" cap="flat" cmpd="sng" algn="ctr">
-                      <a:noFill/>
-                      <a:prstDash val="solid"/>
-                      <a:round/>
-                      <a:headEnd type="none" w="med" len="med"/>
-                      <a:tailEnd type="none" w="med" len="med"/>
-                    </a:lnR>
-                    <a:lnT w="12700" cap="flat" cmpd="sng" algn="ctr">
-                      <a:noFill/>
-                      <a:prstDash val="solid"/>
-                      <a:round/>
-                      <a:headEnd type="none" w="med" len="med"/>
-                      <a:tailEnd type="none" w="med" len="med"/>
-                    </a:lnT>
-                    <a:lnB w="25400">
-                      <a:solidFill>
-                        <a:srgbClr val="000000">
-                          <a:alpha val="100000"/>
-                        </a:srgbClr>
-                      </a:solidFill>
-                      <a:prstDash val="solid"/>
-                    </a:lnB>
-                    <a:solidFill>
-                      <a:srgbClr val="FFFFFF">
-                        <a:alpha val="100000"/>
-                      </a:srgbClr>
-                    </a:solidFill>
-                  </a:tcPr>
-                </a:tc>
-              </a:tr>
-            </a:tbl>
-          </a:graphicData>
-        </a:graphic>
-      </p:graphicFrame>
     </p:spTree>
   </p:cSld>
 </p:sld>
